--- a/fsh/ig-data/input/images/Figures.pptx
+++ b/fsh/ig-data/input/images/Figures.pptx
@@ -263,7 +263,7 @@
           <a:p>
             <a:fld id="{6D5FDB8C-4C92-0C4C-BA60-9D07FDD2BD7F}" type="datetimeFigureOut">
               <a:rPr lang="en-US" smtClean="0"/>
-              <a:t>6/11/20</a:t>
+              <a:t>8/12/20</a:t>
             </a:fld>
             <a:endParaRPr lang="en-US"/>
           </a:p>
@@ -461,7 +461,7 @@
           <a:p>
             <a:fld id="{6D5FDB8C-4C92-0C4C-BA60-9D07FDD2BD7F}" type="datetimeFigureOut">
               <a:rPr lang="en-US" smtClean="0"/>
-              <a:t>6/11/20</a:t>
+              <a:t>8/12/20</a:t>
             </a:fld>
             <a:endParaRPr lang="en-US"/>
           </a:p>
@@ -669,7 +669,7 @@
           <a:p>
             <a:fld id="{6D5FDB8C-4C92-0C4C-BA60-9D07FDD2BD7F}" type="datetimeFigureOut">
               <a:rPr lang="en-US" smtClean="0"/>
-              <a:t>6/11/20</a:t>
+              <a:t>8/12/20</a:t>
             </a:fld>
             <a:endParaRPr lang="en-US"/>
           </a:p>
@@ -867,7 +867,7 @@
           <a:p>
             <a:fld id="{6D5FDB8C-4C92-0C4C-BA60-9D07FDD2BD7F}" type="datetimeFigureOut">
               <a:rPr lang="en-US" smtClean="0"/>
-              <a:t>6/11/20</a:t>
+              <a:t>8/12/20</a:t>
             </a:fld>
             <a:endParaRPr lang="en-US"/>
           </a:p>
@@ -1142,7 +1142,7 @@
           <a:p>
             <a:fld id="{6D5FDB8C-4C92-0C4C-BA60-9D07FDD2BD7F}" type="datetimeFigureOut">
               <a:rPr lang="en-US" smtClean="0"/>
-              <a:t>6/11/20</a:t>
+              <a:t>8/12/20</a:t>
             </a:fld>
             <a:endParaRPr lang="en-US"/>
           </a:p>
@@ -1407,7 +1407,7 @@
           <a:p>
             <a:fld id="{6D5FDB8C-4C92-0C4C-BA60-9D07FDD2BD7F}" type="datetimeFigureOut">
               <a:rPr lang="en-US" smtClean="0"/>
-              <a:t>6/11/20</a:t>
+              <a:t>8/12/20</a:t>
             </a:fld>
             <a:endParaRPr lang="en-US"/>
           </a:p>
@@ -1819,7 +1819,7 @@
           <a:p>
             <a:fld id="{6D5FDB8C-4C92-0C4C-BA60-9D07FDD2BD7F}" type="datetimeFigureOut">
               <a:rPr lang="en-US" smtClean="0"/>
-              <a:t>6/11/20</a:t>
+              <a:t>8/12/20</a:t>
             </a:fld>
             <a:endParaRPr lang="en-US"/>
           </a:p>
@@ -1960,7 +1960,7 @@
           <a:p>
             <a:fld id="{6D5FDB8C-4C92-0C4C-BA60-9D07FDD2BD7F}" type="datetimeFigureOut">
               <a:rPr lang="en-US" smtClean="0"/>
-              <a:t>6/11/20</a:t>
+              <a:t>8/12/20</a:t>
             </a:fld>
             <a:endParaRPr lang="en-US"/>
           </a:p>
@@ -2073,7 +2073,7 @@
           <a:p>
             <a:fld id="{6D5FDB8C-4C92-0C4C-BA60-9D07FDD2BD7F}" type="datetimeFigureOut">
               <a:rPr lang="en-US" smtClean="0"/>
-              <a:t>6/11/20</a:t>
+              <a:t>8/12/20</a:t>
             </a:fld>
             <a:endParaRPr lang="en-US"/>
           </a:p>
@@ -2384,7 +2384,7 @@
           <a:p>
             <a:fld id="{6D5FDB8C-4C92-0C4C-BA60-9D07FDD2BD7F}" type="datetimeFigureOut">
               <a:rPr lang="en-US" smtClean="0"/>
-              <a:t>6/11/20</a:t>
+              <a:t>8/12/20</a:t>
             </a:fld>
             <a:endParaRPr lang="en-US"/>
           </a:p>
@@ -2672,7 +2672,7 @@
           <a:p>
             <a:fld id="{6D5FDB8C-4C92-0C4C-BA60-9D07FDD2BD7F}" type="datetimeFigureOut">
               <a:rPr lang="en-US" smtClean="0"/>
-              <a:t>6/11/20</a:t>
+              <a:t>8/12/20</a:t>
             </a:fld>
             <a:endParaRPr lang="en-US"/>
           </a:p>
@@ -2913,7 +2913,7 @@
           <a:p>
             <a:fld id="{6D5FDB8C-4C92-0C4C-BA60-9D07FDD2BD7F}" type="datetimeFigureOut">
               <a:rPr lang="en-US" smtClean="0"/>
-              <a:t>6/11/20</a:t>
+              <a:t>8/12/20</a:t>
             </a:fld>
             <a:endParaRPr lang="en-US"/>
           </a:p>
@@ -7770,6 +7770,7 @@
             <a:avLst/>
           </a:prstGeom>
           <a:ln>
+            <a:prstDash val="solid"/>
             <a:headEnd type="none" w="lg" len="lg"/>
             <a:tailEnd type="triangle" w="lg" len="lg"/>
           </a:ln>
@@ -10002,6 +10003,112 @@
               <a:t>coverageArea</a:t>
             </a:r>
             <a:endParaRPr lang="en-US" dirty="0"/>
+          </a:p>
+        </p:txBody>
+      </p:sp>
+      <p:sp>
+        <p:nvSpPr>
+          <p:cNvPr id="76" name="Rounded Rectangle 75">
+            <a:extLst>
+              <a:ext uri="{FF2B5EF4-FFF2-40B4-BE49-F238E27FC236}">
+                <a16:creationId xmlns:a16="http://schemas.microsoft.com/office/drawing/2014/main" id="{E686BC13-FEA3-3B41-9C6F-AAE74C0EB76C}"/>
+              </a:ext>
+            </a:extLst>
+          </p:cNvPr>
+          <p:cNvSpPr/>
+          <p:nvPr/>
+        </p:nvSpPr>
+        <p:spPr>
+          <a:xfrm>
+            <a:off x="10441370" y="6071114"/>
+            <a:ext cx="1344349" cy="646546"/>
+          </a:xfrm>
+          <a:prstGeom prst="roundRect">
+            <a:avLst/>
+          </a:prstGeom>
+          <a:solidFill>
+            <a:schemeClr val="accent1">
+              <a:lumMod val="20000"/>
+              <a:lumOff val="80000"/>
+            </a:schemeClr>
+          </a:solidFill>
+        </p:spPr>
+        <p:style>
+          <a:lnRef idx="1">
+            <a:schemeClr val="accent1"/>
+          </a:lnRef>
+          <a:fillRef idx="3">
+            <a:schemeClr val="accent1"/>
+          </a:fillRef>
+          <a:effectRef idx="2">
+            <a:schemeClr val="accent1"/>
+          </a:effectRef>
+          <a:fontRef idx="minor">
+            <a:schemeClr val="lt1"/>
+          </a:fontRef>
+        </p:style>
+        <p:txBody>
+          <a:bodyPr rtlCol="0" anchor="ctr"/>
+          <a:lstStyle/>
+          <a:p>
+            <a:pPr algn="ctr"/>
+            <a:r>
+              <a:rPr lang="en-US" sz="1600" dirty="0">
+                <a:solidFill>
+                  <a:sysClr val="windowText" lastClr="000000"/>
+                </a:solidFill>
+              </a:rPr>
+              <a:t>Endpoint</a:t>
+            </a:r>
+          </a:p>
+        </p:txBody>
+      </p:sp>
+      <p:sp>
+        <p:nvSpPr>
+          <p:cNvPr id="2" name="TextBox 1">
+            <a:extLst>
+              <a:ext uri="{FF2B5EF4-FFF2-40B4-BE49-F238E27FC236}">
+                <a16:creationId xmlns:a16="http://schemas.microsoft.com/office/drawing/2014/main" id="{1E09C607-1A54-184A-AAFE-942414B00C13}"/>
+              </a:ext>
+            </a:extLst>
+          </p:cNvPr>
+          <p:cNvSpPr txBox="1"/>
+          <p:nvPr/>
+        </p:nvSpPr>
+        <p:spPr>
+          <a:xfrm>
+            <a:off x="8182771" y="5856454"/>
+            <a:ext cx="3568821" cy="923330"/>
+          </a:xfrm>
+          <a:prstGeom prst="rect">
+            <a:avLst/>
+          </a:prstGeom>
+          <a:noFill/>
+        </p:spPr>
+        <p:txBody>
+          <a:bodyPr wrap="square" rtlCol="0">
+            <a:spAutoFit/>
+          </a:bodyPr>
+          <a:lstStyle/>
+          <a:p>
+            <a:r>
+              <a:rPr lang="en-US" dirty="0"/>
+              <a:t>All profiles except for </a:t>
+            </a:r>
+            <a:br>
+              <a:rPr lang="en-US" dirty="0"/>
+            </a:br>
+            <a:r>
+              <a:rPr lang="en-US" dirty="0"/>
+              <a:t>Practitioner reference </a:t>
+            </a:r>
+            <a:br>
+              <a:rPr lang="en-US" dirty="0"/>
+            </a:br>
+            <a:r>
+              <a:rPr lang="en-US" dirty="0"/>
+              <a:t>Endpoint</a:t>
+            </a:r>
           </a:p>
         </p:txBody>
       </p:sp>

--- a/fsh/ig-data/input/images/Figures.pptx
+++ b/fsh/ig-data/input/images/Figures.pptx
@@ -263,7 +263,7 @@
           <a:p>
             <a:fld id="{6D5FDB8C-4C92-0C4C-BA60-9D07FDD2BD7F}" type="datetimeFigureOut">
               <a:rPr lang="en-US" smtClean="0"/>
-              <a:t>8/12/20</a:t>
+              <a:t>8/17/20</a:t>
             </a:fld>
             <a:endParaRPr lang="en-US"/>
           </a:p>
@@ -461,7 +461,7 @@
           <a:p>
             <a:fld id="{6D5FDB8C-4C92-0C4C-BA60-9D07FDD2BD7F}" type="datetimeFigureOut">
               <a:rPr lang="en-US" smtClean="0"/>
-              <a:t>8/12/20</a:t>
+              <a:t>8/17/20</a:t>
             </a:fld>
             <a:endParaRPr lang="en-US"/>
           </a:p>
@@ -669,7 +669,7 @@
           <a:p>
             <a:fld id="{6D5FDB8C-4C92-0C4C-BA60-9D07FDD2BD7F}" type="datetimeFigureOut">
               <a:rPr lang="en-US" smtClean="0"/>
-              <a:t>8/12/20</a:t>
+              <a:t>8/17/20</a:t>
             </a:fld>
             <a:endParaRPr lang="en-US"/>
           </a:p>
@@ -867,7 +867,7 @@
           <a:p>
             <a:fld id="{6D5FDB8C-4C92-0C4C-BA60-9D07FDD2BD7F}" type="datetimeFigureOut">
               <a:rPr lang="en-US" smtClean="0"/>
-              <a:t>8/12/20</a:t>
+              <a:t>8/17/20</a:t>
             </a:fld>
             <a:endParaRPr lang="en-US"/>
           </a:p>
@@ -1142,7 +1142,7 @@
           <a:p>
             <a:fld id="{6D5FDB8C-4C92-0C4C-BA60-9D07FDD2BD7F}" type="datetimeFigureOut">
               <a:rPr lang="en-US" smtClean="0"/>
-              <a:t>8/12/20</a:t>
+              <a:t>8/17/20</a:t>
             </a:fld>
             <a:endParaRPr lang="en-US"/>
           </a:p>
@@ -1407,7 +1407,7 @@
           <a:p>
             <a:fld id="{6D5FDB8C-4C92-0C4C-BA60-9D07FDD2BD7F}" type="datetimeFigureOut">
               <a:rPr lang="en-US" smtClean="0"/>
-              <a:t>8/12/20</a:t>
+              <a:t>8/17/20</a:t>
             </a:fld>
             <a:endParaRPr lang="en-US"/>
           </a:p>
@@ -1819,7 +1819,7 @@
           <a:p>
             <a:fld id="{6D5FDB8C-4C92-0C4C-BA60-9D07FDD2BD7F}" type="datetimeFigureOut">
               <a:rPr lang="en-US" smtClean="0"/>
-              <a:t>8/12/20</a:t>
+              <a:t>8/17/20</a:t>
             </a:fld>
             <a:endParaRPr lang="en-US"/>
           </a:p>
@@ -1960,7 +1960,7 @@
           <a:p>
             <a:fld id="{6D5FDB8C-4C92-0C4C-BA60-9D07FDD2BD7F}" type="datetimeFigureOut">
               <a:rPr lang="en-US" smtClean="0"/>
-              <a:t>8/12/20</a:t>
+              <a:t>8/17/20</a:t>
             </a:fld>
             <a:endParaRPr lang="en-US"/>
           </a:p>
@@ -2073,7 +2073,7 @@
           <a:p>
             <a:fld id="{6D5FDB8C-4C92-0C4C-BA60-9D07FDD2BD7F}" type="datetimeFigureOut">
               <a:rPr lang="en-US" smtClean="0"/>
-              <a:t>8/12/20</a:t>
+              <a:t>8/17/20</a:t>
             </a:fld>
             <a:endParaRPr lang="en-US"/>
           </a:p>
@@ -2384,7 +2384,7 @@
           <a:p>
             <a:fld id="{6D5FDB8C-4C92-0C4C-BA60-9D07FDD2BD7F}" type="datetimeFigureOut">
               <a:rPr lang="en-US" smtClean="0"/>
-              <a:t>8/12/20</a:t>
+              <a:t>8/17/20</a:t>
             </a:fld>
             <a:endParaRPr lang="en-US"/>
           </a:p>
@@ -2672,7 +2672,7 @@
           <a:p>
             <a:fld id="{6D5FDB8C-4C92-0C4C-BA60-9D07FDD2BD7F}" type="datetimeFigureOut">
               <a:rPr lang="en-US" smtClean="0"/>
-              <a:t>8/12/20</a:t>
+              <a:t>8/17/20</a:t>
             </a:fld>
             <a:endParaRPr lang="en-US"/>
           </a:p>
@@ -2913,7 +2913,7 @@
           <a:p>
             <a:fld id="{6D5FDB8C-4C92-0C4C-BA60-9D07FDD2BD7F}" type="datetimeFigureOut">
               <a:rPr lang="en-US" smtClean="0"/>
-              <a:t>8/12/20</a:t>
+              <a:t>8/17/20</a:t>
             </a:fld>
             <a:endParaRPr lang="en-US"/>
           </a:p>
@@ -10112,6 +10112,307 @@
           </a:p>
         </p:txBody>
       </p:sp>
+      <p:sp>
+        <p:nvSpPr>
+          <p:cNvPr id="78" name="TextBox 77">
+            <a:extLst>
+              <a:ext uri="{FF2B5EF4-FFF2-40B4-BE49-F238E27FC236}">
+                <a16:creationId xmlns:a16="http://schemas.microsoft.com/office/drawing/2014/main" id="{393BC457-5FD0-D64C-83C0-346A44CADAD3}"/>
+              </a:ext>
+            </a:extLst>
+          </p:cNvPr>
+          <p:cNvSpPr txBox="1"/>
+          <p:nvPr/>
+        </p:nvSpPr>
+        <p:spPr>
+          <a:xfrm>
+            <a:off x="8298833" y="2944341"/>
+            <a:ext cx="1343060" cy="369332"/>
+          </a:xfrm>
+          <a:prstGeom prst="rect">
+            <a:avLst/>
+          </a:prstGeom>
+          <a:noFill/>
+        </p:spPr>
+        <p:txBody>
+          <a:bodyPr wrap="none" rtlCol="0">
+            <a:spAutoFit/>
+          </a:bodyPr>
+          <a:lstStyle/>
+          <a:p>
+            <a:r>
+              <a:rPr lang="en-US" dirty="0"/>
+              <a:t>organization</a:t>
+            </a:r>
+          </a:p>
+        </p:txBody>
+      </p:sp>
+      <p:sp>
+        <p:nvSpPr>
+          <p:cNvPr id="79" name="Rounded Rectangle 78">
+            <a:extLst>
+              <a:ext uri="{FF2B5EF4-FFF2-40B4-BE49-F238E27FC236}">
+                <a16:creationId xmlns:a16="http://schemas.microsoft.com/office/drawing/2014/main" id="{F7059093-5871-1849-9D36-F50490C6C513}"/>
+              </a:ext>
+            </a:extLst>
+          </p:cNvPr>
+          <p:cNvSpPr/>
+          <p:nvPr/>
+        </p:nvSpPr>
+        <p:spPr>
+          <a:xfrm>
+            <a:off x="9603183" y="3281623"/>
+            <a:ext cx="1700458" cy="646546"/>
+          </a:xfrm>
+          <a:prstGeom prst="roundRect">
+            <a:avLst/>
+          </a:prstGeom>
+          <a:solidFill>
+            <a:schemeClr val="accent1">
+              <a:lumMod val="20000"/>
+              <a:lumOff val="80000"/>
+            </a:schemeClr>
+          </a:solidFill>
+        </p:spPr>
+        <p:style>
+          <a:lnRef idx="1">
+            <a:schemeClr val="accent1"/>
+          </a:lnRef>
+          <a:fillRef idx="3">
+            <a:schemeClr val="accent1"/>
+          </a:fillRef>
+          <a:effectRef idx="2">
+            <a:schemeClr val="accent1"/>
+          </a:effectRef>
+          <a:fontRef idx="minor">
+            <a:schemeClr val="lt1"/>
+          </a:fontRef>
+        </p:style>
+        <p:txBody>
+          <a:bodyPr rtlCol="0" anchor="ctr"/>
+          <a:lstStyle/>
+          <a:p>
+            <a:pPr algn="ctr"/>
+            <a:r>
+              <a:rPr lang="en-US" sz="1600" dirty="0">
+                <a:solidFill>
+                  <a:sysClr val="windowText" lastClr="000000"/>
+                </a:solidFill>
+              </a:rPr>
+              <a:t>Organization</a:t>
+            </a:r>
+          </a:p>
+        </p:txBody>
+      </p:sp>
+      <p:cxnSp>
+        <p:nvCxnSpPr>
+          <p:cNvPr id="113" name="Straight Arrow Connector 112">
+            <a:extLst>
+              <a:ext uri="{FF2B5EF4-FFF2-40B4-BE49-F238E27FC236}">
+                <a16:creationId xmlns:a16="http://schemas.microsoft.com/office/drawing/2014/main" id="{F340A35C-7573-7649-B6D9-6DD8B12E4348}"/>
+              </a:ext>
+            </a:extLst>
+          </p:cNvPr>
+          <p:cNvCxnSpPr>
+            <a:cxnSpLocks/>
+            <a:endCxn id="79" idx="1"/>
+          </p:cNvCxnSpPr>
+          <p:nvPr/>
+        </p:nvCxnSpPr>
+        <p:spPr>
+          <a:xfrm>
+            <a:off x="8380315" y="3604741"/>
+            <a:ext cx="1222868" cy="155"/>
+          </a:xfrm>
+          <a:prstGeom prst="straightConnector1">
+            <a:avLst/>
+          </a:prstGeom>
+          <a:ln>
+            <a:headEnd type="none" w="lg" len="lg"/>
+            <a:tailEnd type="triangle" w="lg" len="lg"/>
+          </a:ln>
+        </p:spPr>
+        <p:style>
+          <a:lnRef idx="2">
+            <a:schemeClr val="accent1"/>
+          </a:lnRef>
+          <a:fillRef idx="0">
+            <a:schemeClr val="accent1"/>
+          </a:fillRef>
+          <a:effectRef idx="1">
+            <a:schemeClr val="accent1"/>
+          </a:effectRef>
+          <a:fontRef idx="minor">
+            <a:schemeClr val="tx1"/>
+          </a:fontRef>
+        </p:style>
+      </p:cxnSp>
+      <p:sp>
+        <p:nvSpPr>
+          <p:cNvPr id="114" name="Rectangle 113">
+            <a:extLst>
+              <a:ext uri="{FF2B5EF4-FFF2-40B4-BE49-F238E27FC236}">
+                <a16:creationId xmlns:a16="http://schemas.microsoft.com/office/drawing/2014/main" id="{EEF8DD66-EAC4-984C-8A42-162B6A7115E3}"/>
+              </a:ext>
+            </a:extLst>
+          </p:cNvPr>
+          <p:cNvSpPr/>
+          <p:nvPr/>
+        </p:nvSpPr>
+        <p:spPr>
+          <a:xfrm>
+            <a:off x="8662857" y="3306816"/>
+            <a:ext cx="657783" cy="307777"/>
+          </a:xfrm>
+          <a:prstGeom prst="rect">
+            <a:avLst/>
+          </a:prstGeom>
+        </p:spPr>
+        <p:txBody>
+          <a:bodyPr wrap="square">
+            <a:spAutoFit/>
+          </a:bodyPr>
+          <a:lstStyle/>
+          <a:p>
+            <a:r>
+              <a:rPr lang="en-US" sz="1400" dirty="0">
+                <a:solidFill>
+                  <a:srgbClr val="333333"/>
+                </a:solidFill>
+                <a:latin typeface="verdana" panose="020B0604030504040204" pitchFamily="34" charset="0"/>
+              </a:rPr>
+              <a:t>0..1</a:t>
+            </a:r>
+            <a:endParaRPr lang="en-US" sz="1400" dirty="0"/>
+          </a:p>
+        </p:txBody>
+      </p:sp>
+      <p:sp>
+        <p:nvSpPr>
+          <p:cNvPr id="115" name="TextBox 114">
+            <a:extLst>
+              <a:ext uri="{FF2B5EF4-FFF2-40B4-BE49-F238E27FC236}">
+                <a16:creationId xmlns:a16="http://schemas.microsoft.com/office/drawing/2014/main" id="{CA825217-5E9C-A342-9825-FDDFB419211F}"/>
+              </a:ext>
+            </a:extLst>
+          </p:cNvPr>
+          <p:cNvSpPr txBox="1"/>
+          <p:nvPr/>
+        </p:nvSpPr>
+        <p:spPr>
+          <a:xfrm>
+            <a:off x="11259142" y="3729548"/>
+            <a:ext cx="797013" cy="369332"/>
+          </a:xfrm>
+          <a:prstGeom prst="rect">
+            <a:avLst/>
+          </a:prstGeom>
+          <a:noFill/>
+        </p:spPr>
+        <p:txBody>
+          <a:bodyPr wrap="none" rtlCol="0">
+            <a:spAutoFit/>
+          </a:bodyPr>
+          <a:lstStyle/>
+          <a:p>
+            <a:r>
+              <a:rPr lang="en-US" dirty="0" err="1"/>
+              <a:t>partOf</a:t>
+            </a:r>
+            <a:endParaRPr lang="en-US" dirty="0"/>
+          </a:p>
+        </p:txBody>
+      </p:sp>
+      <p:sp>
+        <p:nvSpPr>
+          <p:cNvPr id="116" name="Rectangle 115">
+            <a:extLst>
+              <a:ext uri="{FF2B5EF4-FFF2-40B4-BE49-F238E27FC236}">
+                <a16:creationId xmlns:a16="http://schemas.microsoft.com/office/drawing/2014/main" id="{DA49B177-3DA4-7043-AE89-57CF5F40F8ED}"/>
+              </a:ext>
+            </a:extLst>
+          </p:cNvPr>
+          <p:cNvSpPr/>
+          <p:nvPr/>
+        </p:nvSpPr>
+        <p:spPr>
+          <a:xfrm>
+            <a:off x="11186212" y="3064962"/>
+            <a:ext cx="657783" cy="307777"/>
+          </a:xfrm>
+          <a:prstGeom prst="rect">
+            <a:avLst/>
+          </a:prstGeom>
+        </p:spPr>
+        <p:txBody>
+          <a:bodyPr wrap="square">
+            <a:spAutoFit/>
+          </a:bodyPr>
+          <a:lstStyle/>
+          <a:p>
+            <a:r>
+              <a:rPr lang="en-US" sz="1400" dirty="0">
+                <a:solidFill>
+                  <a:srgbClr val="333333"/>
+                </a:solidFill>
+                <a:latin typeface="verdana" panose="020B0604030504040204" pitchFamily="34" charset="0"/>
+              </a:rPr>
+              <a:t>0..1</a:t>
+            </a:r>
+            <a:endParaRPr lang="en-US" sz="1400" dirty="0"/>
+          </a:p>
+        </p:txBody>
+      </p:sp>
+      <p:sp>
+        <p:nvSpPr>
+          <p:cNvPr id="117" name="Curved Left Arrow 116">
+            <a:extLst>
+              <a:ext uri="{FF2B5EF4-FFF2-40B4-BE49-F238E27FC236}">
+                <a16:creationId xmlns:a16="http://schemas.microsoft.com/office/drawing/2014/main" id="{040E4C28-F327-C345-81E9-7268ED93720C}"/>
+              </a:ext>
+            </a:extLst>
+          </p:cNvPr>
+          <p:cNvSpPr/>
+          <p:nvPr/>
+        </p:nvSpPr>
+        <p:spPr>
+          <a:xfrm>
+            <a:off x="11308777" y="3418911"/>
+            <a:ext cx="349956" cy="365125"/>
+          </a:xfrm>
+          <a:prstGeom prst="curvedLeftArrow">
+            <a:avLst/>
+          </a:prstGeom>
+        </p:spPr>
+        <p:style>
+          <a:lnRef idx="2">
+            <a:schemeClr val="accent1">
+              <a:shade val="50000"/>
+            </a:schemeClr>
+          </a:lnRef>
+          <a:fillRef idx="1">
+            <a:schemeClr val="accent1"/>
+          </a:fillRef>
+          <a:effectRef idx="0">
+            <a:schemeClr val="accent1"/>
+          </a:effectRef>
+          <a:fontRef idx="minor">
+            <a:schemeClr val="lt1"/>
+          </a:fontRef>
+        </p:style>
+        <p:txBody>
+          <a:bodyPr rtlCol="0" anchor="ctr"/>
+          <a:lstStyle/>
+          <a:p>
+            <a:pPr algn="ctr"/>
+            <a:endParaRPr lang="en-US">
+              <a:solidFill>
+                <a:schemeClr val="tx1"/>
+              </a:solidFill>
+            </a:endParaRPr>
+          </a:p>
+        </p:txBody>
+      </p:sp>
     </p:spTree>
     <p:extLst>
       <p:ext uri="{BB962C8B-B14F-4D97-AF65-F5344CB8AC3E}">

--- a/fsh/ig-data/input/images/Figures.pptx
+++ b/fsh/ig-data/input/images/Figures.pptx
@@ -3381,842 +3381,6 @@
       </p:sp>
       <p:sp>
         <p:nvSpPr>
-          <p:cNvPr id="6" name="Rounded Rectangle 5">
-            <a:extLst>
-              <a:ext uri="{FF2B5EF4-FFF2-40B4-BE49-F238E27FC236}">
-                <a16:creationId xmlns:a16="http://schemas.microsoft.com/office/drawing/2014/main" id="{07481767-DB58-E446-A7F1-DB3C0D7A871D}"/>
-              </a:ext>
-            </a:extLst>
-          </p:cNvPr>
-          <p:cNvSpPr/>
-          <p:nvPr/>
-        </p:nvSpPr>
-        <p:spPr>
-          <a:xfrm>
-            <a:off x="7035966" y="3281468"/>
-            <a:ext cx="1344349" cy="646546"/>
-          </a:xfrm>
-          <a:prstGeom prst="roundRect">
-            <a:avLst/>
-          </a:prstGeom>
-          <a:noFill/>
-          <a:ln>
-            <a:solidFill>
-              <a:schemeClr val="tx1"/>
-            </a:solidFill>
-          </a:ln>
-        </p:spPr>
-        <p:style>
-          <a:lnRef idx="1">
-            <a:schemeClr val="accent1"/>
-          </a:lnRef>
-          <a:fillRef idx="3">
-            <a:schemeClr val="accent1"/>
-          </a:fillRef>
-          <a:effectRef idx="2">
-            <a:schemeClr val="accent1"/>
-          </a:effectRef>
-          <a:fontRef idx="minor">
-            <a:schemeClr val="lt1"/>
-          </a:fontRef>
-        </p:style>
-        <p:txBody>
-          <a:bodyPr rtlCol="0" anchor="ctr"/>
-          <a:lstStyle/>
-          <a:p>
-            <a:pPr algn="ctr"/>
-            <a:r>
-              <a:rPr lang="en-US" sz="1400" b="1" dirty="0">
-                <a:solidFill>
-                  <a:srgbClr val="002060"/>
-                </a:solidFill>
-              </a:rPr>
-              <a:t>Organization Affiliation</a:t>
-            </a:r>
-          </a:p>
-        </p:txBody>
-      </p:sp>
-      <p:sp>
-        <p:nvSpPr>
-          <p:cNvPr id="7" name="Rounded Rectangle 6">
-            <a:extLst>
-              <a:ext uri="{FF2B5EF4-FFF2-40B4-BE49-F238E27FC236}">
-                <a16:creationId xmlns:a16="http://schemas.microsoft.com/office/drawing/2014/main" id="{9EECA639-743E-9344-8AAE-07DA04275268}"/>
-              </a:ext>
-            </a:extLst>
-          </p:cNvPr>
-          <p:cNvSpPr/>
-          <p:nvPr/>
-        </p:nvSpPr>
-        <p:spPr>
-          <a:xfrm>
-            <a:off x="4317075" y="3731897"/>
-            <a:ext cx="1344349" cy="646546"/>
-          </a:xfrm>
-          <a:prstGeom prst="roundRect">
-            <a:avLst/>
-          </a:prstGeom>
-          <a:solidFill>
-            <a:schemeClr val="accent1">
-              <a:lumMod val="20000"/>
-              <a:lumOff val="80000"/>
-            </a:schemeClr>
-          </a:solidFill>
-        </p:spPr>
-        <p:style>
-          <a:lnRef idx="1">
-            <a:schemeClr val="accent1"/>
-          </a:lnRef>
-          <a:fillRef idx="3">
-            <a:schemeClr val="accent1"/>
-          </a:fillRef>
-          <a:effectRef idx="2">
-            <a:schemeClr val="accent1"/>
-          </a:effectRef>
-          <a:fontRef idx="minor">
-            <a:schemeClr val="lt1"/>
-          </a:fontRef>
-        </p:style>
-        <p:txBody>
-          <a:bodyPr rtlCol="0" anchor="ctr"/>
-          <a:lstStyle/>
-          <a:p>
-            <a:pPr algn="ctr"/>
-            <a:r>
-              <a:rPr lang="en-US" sz="1600" dirty="0">
-                <a:solidFill>
-                  <a:sysClr val="windowText" lastClr="000000"/>
-                </a:solidFill>
-              </a:rPr>
-              <a:t>Healthcare Service</a:t>
-            </a:r>
-          </a:p>
-        </p:txBody>
-      </p:sp>
-      <p:cxnSp>
-        <p:nvCxnSpPr>
-          <p:cNvPr id="8" name="Straight Arrow Connector 7">
-            <a:extLst>
-              <a:ext uri="{FF2B5EF4-FFF2-40B4-BE49-F238E27FC236}">
-                <a16:creationId xmlns:a16="http://schemas.microsoft.com/office/drawing/2014/main" id="{A7D5178D-27DE-CB42-84DE-16CEB7951355}"/>
-              </a:ext>
-            </a:extLst>
-          </p:cNvPr>
-          <p:cNvCxnSpPr>
-            <a:cxnSpLocks/>
-            <a:endCxn id="13" idx="0"/>
-          </p:cNvCxnSpPr>
-          <p:nvPr/>
-        </p:nvCxnSpPr>
-        <p:spPr>
-          <a:xfrm>
-            <a:off x="7695536" y="3949638"/>
-            <a:ext cx="0" cy="922319"/>
-          </a:xfrm>
-          <a:prstGeom prst="straightConnector1">
-            <a:avLst/>
-          </a:prstGeom>
-          <a:ln>
-            <a:headEnd type="none" w="lg" len="lg"/>
-            <a:tailEnd type="triangle" w="lg" len="lg"/>
-          </a:ln>
-        </p:spPr>
-        <p:style>
-          <a:lnRef idx="2">
-            <a:schemeClr val="accent1"/>
-          </a:lnRef>
-          <a:fillRef idx="0">
-            <a:schemeClr val="accent1"/>
-          </a:fillRef>
-          <a:effectRef idx="1">
-            <a:schemeClr val="accent1"/>
-          </a:effectRef>
-          <a:fontRef idx="minor">
-            <a:schemeClr val="tx1"/>
-          </a:fontRef>
-        </p:style>
-      </p:cxnSp>
-      <p:cxnSp>
-        <p:nvCxnSpPr>
-          <p:cNvPr id="9" name="Straight Arrow Connector 8">
-            <a:extLst>
-              <a:ext uri="{FF2B5EF4-FFF2-40B4-BE49-F238E27FC236}">
-                <a16:creationId xmlns:a16="http://schemas.microsoft.com/office/drawing/2014/main" id="{B6A86D25-8564-434F-8866-AED24181A7FE}"/>
-              </a:ext>
-            </a:extLst>
-          </p:cNvPr>
-          <p:cNvCxnSpPr>
-            <a:cxnSpLocks/>
-            <a:stCxn id="6" idx="1"/>
-            <a:endCxn id="7" idx="3"/>
-          </p:cNvCxnSpPr>
-          <p:nvPr/>
-        </p:nvCxnSpPr>
-        <p:spPr>
-          <a:xfrm flipH="1">
-            <a:off x="5661424" y="3604741"/>
-            <a:ext cx="1374542" cy="450429"/>
-          </a:xfrm>
-          <a:prstGeom prst="straightConnector1">
-            <a:avLst/>
-          </a:prstGeom>
-          <a:ln>
-            <a:headEnd type="none" w="lg" len="lg"/>
-            <a:tailEnd type="triangle" w="lg" len="lg"/>
-          </a:ln>
-        </p:spPr>
-        <p:style>
-          <a:lnRef idx="2">
-            <a:schemeClr val="accent1"/>
-          </a:lnRef>
-          <a:fillRef idx="0">
-            <a:schemeClr val="accent1"/>
-          </a:fillRef>
-          <a:effectRef idx="1">
-            <a:schemeClr val="accent1"/>
-          </a:effectRef>
-          <a:fontRef idx="minor">
-            <a:schemeClr val="tx1"/>
-          </a:fontRef>
-        </p:style>
-      </p:cxnSp>
-      <p:sp>
-        <p:nvSpPr>
-          <p:cNvPr id="11" name="Rounded Rectangle 11">
-            <a:extLst>
-              <a:ext uri="{FF2B5EF4-FFF2-40B4-BE49-F238E27FC236}">
-                <a16:creationId xmlns:a16="http://schemas.microsoft.com/office/drawing/2014/main" id="{F712283E-783A-874C-ACCF-F336A469BBD3}"/>
-              </a:ext>
-            </a:extLst>
-          </p:cNvPr>
-          <p:cNvSpPr/>
-          <p:nvPr/>
-        </p:nvSpPr>
-        <p:spPr>
-          <a:xfrm>
-            <a:off x="4301177" y="4897863"/>
-            <a:ext cx="1368974" cy="646546"/>
-          </a:xfrm>
-          <a:prstGeom prst="roundRect">
-            <a:avLst/>
-          </a:prstGeom>
-          <a:solidFill>
-            <a:schemeClr val="accent1">
-              <a:lumMod val="20000"/>
-              <a:lumOff val="80000"/>
-            </a:schemeClr>
-          </a:solidFill>
-          <a:ln>
-            <a:solidFill>
-              <a:schemeClr val="tx1"/>
-            </a:solidFill>
-          </a:ln>
-        </p:spPr>
-        <p:style>
-          <a:lnRef idx="1">
-            <a:schemeClr val="accent1"/>
-          </a:lnRef>
-          <a:fillRef idx="3">
-            <a:schemeClr val="accent1"/>
-          </a:fillRef>
-          <a:effectRef idx="2">
-            <a:schemeClr val="accent1"/>
-          </a:effectRef>
-          <a:fontRef idx="minor">
-            <a:schemeClr val="lt1"/>
-          </a:fontRef>
-        </p:style>
-        <p:txBody>
-          <a:bodyPr rtlCol="0" anchor="ctr"/>
-          <a:lstStyle/>
-          <a:p>
-            <a:pPr algn="ctr"/>
-            <a:r>
-              <a:rPr lang="en-US" sz="1600" dirty="0">
-                <a:solidFill>
-                  <a:srgbClr val="002060"/>
-                </a:solidFill>
-              </a:rPr>
-              <a:t>Location</a:t>
-            </a:r>
-          </a:p>
-        </p:txBody>
-      </p:sp>
-      <p:cxnSp>
-        <p:nvCxnSpPr>
-          <p:cNvPr id="12" name="Straight Arrow Connector 11">
-            <a:extLst>
-              <a:ext uri="{FF2B5EF4-FFF2-40B4-BE49-F238E27FC236}">
-                <a16:creationId xmlns:a16="http://schemas.microsoft.com/office/drawing/2014/main" id="{6001BBE7-AF67-764C-A62C-1B5DD1FCD271}"/>
-              </a:ext>
-            </a:extLst>
-          </p:cNvPr>
-          <p:cNvCxnSpPr>
-            <a:cxnSpLocks/>
-            <a:stCxn id="6" idx="1"/>
-            <a:endCxn id="11" idx="3"/>
-          </p:cNvCxnSpPr>
-          <p:nvPr/>
-        </p:nvCxnSpPr>
-        <p:spPr>
-          <a:xfrm flipH="1">
-            <a:off x="5670151" y="3604741"/>
-            <a:ext cx="1365815" cy="1616395"/>
-          </a:xfrm>
-          <a:prstGeom prst="straightConnector1">
-            <a:avLst/>
-          </a:prstGeom>
-          <a:ln>
-            <a:headEnd type="none" w="lg" len="lg"/>
-            <a:tailEnd type="triangle" w="lg" len="lg"/>
-          </a:ln>
-        </p:spPr>
-        <p:style>
-          <a:lnRef idx="2">
-            <a:schemeClr val="accent1"/>
-          </a:lnRef>
-          <a:fillRef idx="0">
-            <a:schemeClr val="accent1"/>
-          </a:fillRef>
-          <a:effectRef idx="1">
-            <a:schemeClr val="accent1"/>
-          </a:effectRef>
-          <a:fontRef idx="minor">
-            <a:schemeClr val="tx1"/>
-          </a:fontRef>
-        </p:style>
-      </p:cxnSp>
-      <p:sp>
-        <p:nvSpPr>
-          <p:cNvPr id="13" name="Rounded Rectangle 12">
-            <a:extLst>
-              <a:ext uri="{FF2B5EF4-FFF2-40B4-BE49-F238E27FC236}">
-                <a16:creationId xmlns:a16="http://schemas.microsoft.com/office/drawing/2014/main" id="{F9D4711B-60F3-D44D-B0F0-3E52BABBBE70}"/>
-              </a:ext>
-            </a:extLst>
-          </p:cNvPr>
-          <p:cNvSpPr/>
-          <p:nvPr/>
-        </p:nvSpPr>
-        <p:spPr>
-          <a:xfrm>
-            <a:off x="6845307" y="4871957"/>
-            <a:ext cx="1700458" cy="646546"/>
-          </a:xfrm>
-          <a:prstGeom prst="roundRect">
-            <a:avLst/>
-          </a:prstGeom>
-          <a:solidFill>
-            <a:schemeClr val="accent1">
-              <a:lumMod val="20000"/>
-              <a:lumOff val="80000"/>
-            </a:schemeClr>
-          </a:solidFill>
-        </p:spPr>
-        <p:style>
-          <a:lnRef idx="1">
-            <a:schemeClr val="accent1"/>
-          </a:lnRef>
-          <a:fillRef idx="3">
-            <a:schemeClr val="accent1"/>
-          </a:fillRef>
-          <a:effectRef idx="2">
-            <a:schemeClr val="accent1"/>
-          </a:effectRef>
-          <a:fontRef idx="minor">
-            <a:schemeClr val="lt1"/>
-          </a:fontRef>
-        </p:style>
-        <p:txBody>
-          <a:bodyPr rtlCol="0" anchor="ctr"/>
-          <a:lstStyle/>
-          <a:p>
-            <a:pPr algn="ctr"/>
-            <a:r>
-              <a:rPr lang="en-US" sz="1600" dirty="0">
-                <a:solidFill>
-                  <a:sysClr val="windowText" lastClr="000000"/>
-                </a:solidFill>
-              </a:rPr>
-              <a:t>Organization</a:t>
-            </a:r>
-          </a:p>
-        </p:txBody>
-      </p:sp>
-      <p:sp>
-        <p:nvSpPr>
-          <p:cNvPr id="14" name="TextBox 13">
-            <a:extLst>
-              <a:ext uri="{FF2B5EF4-FFF2-40B4-BE49-F238E27FC236}">
-                <a16:creationId xmlns:a16="http://schemas.microsoft.com/office/drawing/2014/main" id="{4811DF0B-A6C2-AB48-80CB-54F44623298C}"/>
-              </a:ext>
-            </a:extLst>
-          </p:cNvPr>
-          <p:cNvSpPr txBox="1"/>
-          <p:nvPr/>
-        </p:nvSpPr>
-        <p:spPr>
-          <a:xfrm>
-            <a:off x="7727780" y="4041273"/>
-            <a:ext cx="1343060" cy="369332"/>
-          </a:xfrm>
-          <a:prstGeom prst="rect">
-            <a:avLst/>
-          </a:prstGeom>
-          <a:noFill/>
-        </p:spPr>
-        <p:txBody>
-          <a:bodyPr wrap="none" rtlCol="0">
-            <a:spAutoFit/>
-          </a:bodyPr>
-          <a:lstStyle/>
-          <a:p>
-            <a:r>
-              <a:rPr lang="en-US" dirty="0"/>
-              <a:t>organization</a:t>
-            </a:r>
-          </a:p>
-        </p:txBody>
-      </p:sp>
-      <p:sp>
-        <p:nvSpPr>
-          <p:cNvPr id="16" name="TextBox 15">
-            <a:extLst>
-              <a:ext uri="{FF2B5EF4-FFF2-40B4-BE49-F238E27FC236}">
-                <a16:creationId xmlns:a16="http://schemas.microsoft.com/office/drawing/2014/main" id="{DA5DE5EF-C88A-CF42-B929-98CAA23FE5E1}"/>
-              </a:ext>
-            </a:extLst>
-          </p:cNvPr>
-          <p:cNvSpPr txBox="1"/>
-          <p:nvPr/>
-        </p:nvSpPr>
-        <p:spPr>
-          <a:xfrm>
-            <a:off x="7729510" y="2849201"/>
-            <a:ext cx="2557623" cy="369332"/>
-          </a:xfrm>
-          <a:prstGeom prst="rect">
-            <a:avLst/>
-          </a:prstGeom>
-          <a:noFill/>
-        </p:spPr>
-        <p:txBody>
-          <a:bodyPr wrap="none" rtlCol="0">
-            <a:spAutoFit/>
-          </a:bodyPr>
-          <a:lstStyle/>
-          <a:p>
-            <a:r>
-              <a:rPr lang="en-US" dirty="0" err="1"/>
-              <a:t>participatingOrganization</a:t>
-            </a:r>
-            <a:endParaRPr lang="en-US" dirty="0"/>
-          </a:p>
-        </p:txBody>
-      </p:sp>
-      <p:sp>
-        <p:nvSpPr>
-          <p:cNvPr id="18" name="Rectangle 17">
-            <a:extLst>
-              <a:ext uri="{FF2B5EF4-FFF2-40B4-BE49-F238E27FC236}">
-                <a16:creationId xmlns:a16="http://schemas.microsoft.com/office/drawing/2014/main" id="{1C5A2E7D-2BB8-5448-AE69-6A7568753482}"/>
-              </a:ext>
-            </a:extLst>
-          </p:cNvPr>
-          <p:cNvSpPr/>
-          <p:nvPr/>
-        </p:nvSpPr>
-        <p:spPr>
-          <a:xfrm>
-            <a:off x="6019803" y="4735399"/>
-            <a:ext cx="657783" cy="307777"/>
-          </a:xfrm>
-          <a:prstGeom prst="rect">
-            <a:avLst/>
-          </a:prstGeom>
-        </p:spPr>
-        <p:txBody>
-          <a:bodyPr wrap="square">
-            <a:spAutoFit/>
-          </a:bodyPr>
-          <a:lstStyle/>
-          <a:p>
-            <a:r>
-              <a:rPr lang="en-US" sz="1400" dirty="0">
-                <a:solidFill>
-                  <a:srgbClr val="333333"/>
-                </a:solidFill>
-                <a:latin typeface="verdana" panose="020B0604030504040204" pitchFamily="34" charset="0"/>
-              </a:rPr>
-              <a:t>0..*</a:t>
-            </a:r>
-            <a:endParaRPr lang="en-US" sz="1400" dirty="0"/>
-          </a:p>
-        </p:txBody>
-      </p:sp>
-      <p:sp>
-        <p:nvSpPr>
-          <p:cNvPr id="19" name="Rounded Rectangle 18">
-            <a:extLst>
-              <a:ext uri="{FF2B5EF4-FFF2-40B4-BE49-F238E27FC236}">
-                <a16:creationId xmlns:a16="http://schemas.microsoft.com/office/drawing/2014/main" id="{8D4ED193-CE25-A044-9E50-6DAEB380B145}"/>
-              </a:ext>
-            </a:extLst>
-          </p:cNvPr>
-          <p:cNvSpPr/>
-          <p:nvPr/>
-        </p:nvSpPr>
-        <p:spPr>
-          <a:xfrm>
-            <a:off x="4274436" y="2790065"/>
-            <a:ext cx="1344349" cy="646546"/>
-          </a:xfrm>
-          <a:prstGeom prst="roundRect">
-            <a:avLst/>
-          </a:prstGeom>
-          <a:solidFill>
-            <a:schemeClr val="accent1">
-              <a:lumMod val="20000"/>
-              <a:lumOff val="80000"/>
-            </a:schemeClr>
-          </a:solidFill>
-        </p:spPr>
-        <p:style>
-          <a:lnRef idx="1">
-            <a:schemeClr val="accent1"/>
-          </a:lnRef>
-          <a:fillRef idx="3">
-            <a:schemeClr val="accent1"/>
-          </a:fillRef>
-          <a:effectRef idx="2">
-            <a:schemeClr val="accent1"/>
-          </a:effectRef>
-          <a:fontRef idx="minor">
-            <a:schemeClr val="lt1"/>
-          </a:fontRef>
-        </p:style>
-        <p:txBody>
-          <a:bodyPr rtlCol="0" anchor="ctr"/>
-          <a:lstStyle/>
-          <a:p>
-            <a:pPr algn="ctr"/>
-            <a:r>
-              <a:rPr lang="en-US" sz="1600" dirty="0">
-                <a:solidFill>
-                  <a:sysClr val="windowText" lastClr="000000"/>
-                </a:solidFill>
-              </a:rPr>
-              <a:t>Endpoint</a:t>
-            </a:r>
-          </a:p>
-        </p:txBody>
-      </p:sp>
-      <p:cxnSp>
-        <p:nvCxnSpPr>
-          <p:cNvPr id="20" name="Straight Arrow Connector 19">
-            <a:extLst>
-              <a:ext uri="{FF2B5EF4-FFF2-40B4-BE49-F238E27FC236}">
-                <a16:creationId xmlns:a16="http://schemas.microsoft.com/office/drawing/2014/main" id="{7FEA508D-96C0-524C-A71C-F67A3FB64EAB}"/>
-              </a:ext>
-            </a:extLst>
-          </p:cNvPr>
-          <p:cNvCxnSpPr>
-            <a:cxnSpLocks/>
-            <a:stCxn id="6" idx="1"/>
-            <a:endCxn id="19" idx="3"/>
-          </p:cNvCxnSpPr>
-          <p:nvPr/>
-        </p:nvCxnSpPr>
-        <p:spPr>
-          <a:xfrm flipH="1" flipV="1">
-            <a:off x="5618785" y="3113338"/>
-            <a:ext cx="1417181" cy="491403"/>
-          </a:xfrm>
-          <a:prstGeom prst="straightConnector1">
-            <a:avLst/>
-          </a:prstGeom>
-          <a:ln>
-            <a:headEnd type="none" w="lg" len="lg"/>
-            <a:tailEnd type="triangle" w="lg" len="lg"/>
-          </a:ln>
-        </p:spPr>
-        <p:style>
-          <a:lnRef idx="2">
-            <a:schemeClr val="accent1"/>
-          </a:lnRef>
-          <a:fillRef idx="0">
-            <a:schemeClr val="accent1"/>
-          </a:fillRef>
-          <a:effectRef idx="1">
-            <a:schemeClr val="accent1"/>
-          </a:effectRef>
-          <a:fontRef idx="minor">
-            <a:schemeClr val="tx1"/>
-          </a:fontRef>
-        </p:style>
-      </p:cxnSp>
-      <p:sp>
-        <p:nvSpPr>
-          <p:cNvPr id="21" name="Rectangle 20">
-            <a:extLst>
-              <a:ext uri="{FF2B5EF4-FFF2-40B4-BE49-F238E27FC236}">
-                <a16:creationId xmlns:a16="http://schemas.microsoft.com/office/drawing/2014/main" id="{165281D2-128B-8C45-9E73-4EFAB9762EB7}"/>
-              </a:ext>
-            </a:extLst>
-          </p:cNvPr>
-          <p:cNvSpPr/>
-          <p:nvPr/>
-        </p:nvSpPr>
-        <p:spPr>
-          <a:xfrm>
-            <a:off x="5975064" y="3330984"/>
-            <a:ext cx="657783" cy="307777"/>
-          </a:xfrm>
-          <a:prstGeom prst="rect">
-            <a:avLst/>
-          </a:prstGeom>
-        </p:spPr>
-        <p:txBody>
-          <a:bodyPr wrap="square">
-            <a:spAutoFit/>
-          </a:bodyPr>
-          <a:lstStyle/>
-          <a:p>
-            <a:r>
-              <a:rPr lang="en-US" sz="1400" dirty="0">
-                <a:solidFill>
-                  <a:srgbClr val="333333"/>
-                </a:solidFill>
-                <a:latin typeface="verdana" panose="020B0604030504040204" pitchFamily="34" charset="0"/>
-              </a:rPr>
-              <a:t>0..*</a:t>
-            </a:r>
-            <a:endParaRPr lang="en-US" sz="1400" dirty="0"/>
-          </a:p>
-        </p:txBody>
-      </p:sp>
-      <p:sp>
-        <p:nvSpPr>
-          <p:cNvPr id="22" name="Rectangle 21">
-            <a:extLst>
-              <a:ext uri="{FF2B5EF4-FFF2-40B4-BE49-F238E27FC236}">
-                <a16:creationId xmlns:a16="http://schemas.microsoft.com/office/drawing/2014/main" id="{F8FF3D25-4C18-8647-8599-B215121DECC3}"/>
-              </a:ext>
-            </a:extLst>
-          </p:cNvPr>
-          <p:cNvSpPr/>
-          <p:nvPr/>
-        </p:nvSpPr>
-        <p:spPr>
-          <a:xfrm>
-            <a:off x="5862984" y="4056834"/>
-            <a:ext cx="657783" cy="307777"/>
-          </a:xfrm>
-          <a:prstGeom prst="rect">
-            <a:avLst/>
-          </a:prstGeom>
-        </p:spPr>
-        <p:txBody>
-          <a:bodyPr wrap="square">
-            <a:spAutoFit/>
-          </a:bodyPr>
-          <a:lstStyle/>
-          <a:p>
-            <a:r>
-              <a:rPr lang="en-US" sz="1400" dirty="0">
-                <a:solidFill>
-                  <a:srgbClr val="333333"/>
-                </a:solidFill>
-                <a:latin typeface="verdana" panose="020B0604030504040204" pitchFamily="34" charset="0"/>
-              </a:rPr>
-              <a:t>0..*</a:t>
-            </a:r>
-            <a:endParaRPr lang="en-US" sz="1400" dirty="0"/>
-          </a:p>
-        </p:txBody>
-      </p:sp>
-      <p:sp>
-        <p:nvSpPr>
-          <p:cNvPr id="23" name="Rounded Rectangle 22">
-            <a:extLst>
-              <a:ext uri="{FF2B5EF4-FFF2-40B4-BE49-F238E27FC236}">
-                <a16:creationId xmlns:a16="http://schemas.microsoft.com/office/drawing/2014/main" id="{466745EC-0B76-6549-BB13-A5FA715D3CD9}"/>
-              </a:ext>
-            </a:extLst>
-          </p:cNvPr>
-          <p:cNvSpPr/>
-          <p:nvPr/>
-        </p:nvSpPr>
-        <p:spPr>
-          <a:xfrm>
-            <a:off x="4280067" y="1784548"/>
-            <a:ext cx="1344349" cy="646546"/>
-          </a:xfrm>
-          <a:prstGeom prst="roundRect">
-            <a:avLst/>
-          </a:prstGeom>
-          <a:solidFill>
-            <a:schemeClr val="accent1">
-              <a:lumMod val="20000"/>
-              <a:lumOff val="80000"/>
-            </a:schemeClr>
-          </a:solidFill>
-        </p:spPr>
-        <p:style>
-          <a:lnRef idx="1">
-            <a:schemeClr val="accent1"/>
-          </a:lnRef>
-          <a:fillRef idx="3">
-            <a:schemeClr val="accent1"/>
-          </a:fillRef>
-          <a:effectRef idx="2">
-            <a:schemeClr val="accent1"/>
-          </a:effectRef>
-          <a:fontRef idx="minor">
-            <a:schemeClr val="lt1"/>
-          </a:fontRef>
-        </p:style>
-        <p:txBody>
-          <a:bodyPr rtlCol="0" anchor="ctr"/>
-          <a:lstStyle/>
-          <a:p>
-            <a:pPr algn="ctr"/>
-            <a:r>
-              <a:rPr lang="en-US" sz="1600" dirty="0">
-                <a:solidFill>
-                  <a:sysClr val="windowText" lastClr="000000"/>
-                </a:solidFill>
-              </a:rPr>
-              <a:t>Network</a:t>
-            </a:r>
-          </a:p>
-        </p:txBody>
-      </p:sp>
-      <p:sp>
-        <p:nvSpPr>
-          <p:cNvPr id="24" name="Rectangle 23">
-            <a:extLst>
-              <a:ext uri="{FF2B5EF4-FFF2-40B4-BE49-F238E27FC236}">
-                <a16:creationId xmlns:a16="http://schemas.microsoft.com/office/drawing/2014/main" id="{4FCA7557-EC50-4547-B12B-05690D2D7CC8}"/>
-              </a:ext>
-            </a:extLst>
-          </p:cNvPr>
-          <p:cNvSpPr/>
-          <p:nvPr/>
-        </p:nvSpPr>
-        <p:spPr>
-          <a:xfrm>
-            <a:off x="4454472" y="4457156"/>
-            <a:ext cx="657783" cy="307777"/>
-          </a:xfrm>
-          <a:prstGeom prst="rect">
-            <a:avLst/>
-          </a:prstGeom>
-        </p:spPr>
-        <p:txBody>
-          <a:bodyPr wrap="square">
-            <a:spAutoFit/>
-          </a:bodyPr>
-          <a:lstStyle/>
-          <a:p>
-            <a:r>
-              <a:rPr lang="en-US" sz="1400" dirty="0">
-                <a:solidFill>
-                  <a:srgbClr val="333333"/>
-                </a:solidFill>
-                <a:latin typeface="verdana" panose="020B0604030504040204" pitchFamily="34" charset="0"/>
-              </a:rPr>
-              <a:t>0..*</a:t>
-            </a:r>
-            <a:endParaRPr lang="en-US" sz="1400" dirty="0"/>
-          </a:p>
-        </p:txBody>
-      </p:sp>
-      <p:cxnSp>
-        <p:nvCxnSpPr>
-          <p:cNvPr id="25" name="Straight Arrow Connector 24">
-            <a:extLst>
-              <a:ext uri="{FF2B5EF4-FFF2-40B4-BE49-F238E27FC236}">
-                <a16:creationId xmlns:a16="http://schemas.microsoft.com/office/drawing/2014/main" id="{01B9F285-909E-F043-8700-C420B4C5D003}"/>
-              </a:ext>
-            </a:extLst>
-          </p:cNvPr>
-          <p:cNvCxnSpPr>
-            <a:cxnSpLocks/>
-            <a:stCxn id="6" idx="1"/>
-          </p:cNvCxnSpPr>
-          <p:nvPr/>
-        </p:nvCxnSpPr>
-        <p:spPr>
-          <a:xfrm flipH="1" flipV="1">
-            <a:off x="5595486" y="2120809"/>
-            <a:ext cx="1440480" cy="1483932"/>
-          </a:xfrm>
-          <a:prstGeom prst="straightConnector1">
-            <a:avLst/>
-          </a:prstGeom>
-          <a:ln>
-            <a:headEnd type="none" w="lg" len="lg"/>
-            <a:tailEnd type="triangle" w="lg" len="lg"/>
-          </a:ln>
-        </p:spPr>
-        <p:style>
-          <a:lnRef idx="2">
-            <a:schemeClr val="accent1"/>
-          </a:lnRef>
-          <a:fillRef idx="0">
-            <a:schemeClr val="accent1"/>
-          </a:fillRef>
-          <a:effectRef idx="1">
-            <a:schemeClr val="accent1"/>
-          </a:effectRef>
-          <a:fontRef idx="minor">
-            <a:schemeClr val="tx1"/>
-          </a:fontRef>
-        </p:style>
-      </p:cxnSp>
-      <p:sp>
-        <p:nvSpPr>
-          <p:cNvPr id="33" name="Rectangle 32">
-            <a:extLst>
-              <a:ext uri="{FF2B5EF4-FFF2-40B4-BE49-F238E27FC236}">
-                <a16:creationId xmlns:a16="http://schemas.microsoft.com/office/drawing/2014/main" id="{37E2E009-AA27-3145-B8B6-29713D9DAFEC}"/>
-              </a:ext>
-            </a:extLst>
-          </p:cNvPr>
-          <p:cNvSpPr/>
-          <p:nvPr/>
-        </p:nvSpPr>
-        <p:spPr>
-          <a:xfrm>
-            <a:off x="7237526" y="4093922"/>
-            <a:ext cx="657783" cy="307777"/>
-          </a:xfrm>
-          <a:prstGeom prst="rect">
-            <a:avLst/>
-          </a:prstGeom>
-        </p:spPr>
-        <p:txBody>
-          <a:bodyPr wrap="square">
-            <a:spAutoFit/>
-          </a:bodyPr>
-          <a:lstStyle/>
-          <a:p>
-            <a:r>
-              <a:rPr lang="en-US" sz="1400" dirty="0">
-                <a:solidFill>
-                  <a:srgbClr val="333333"/>
-                </a:solidFill>
-                <a:latin typeface="verdana" panose="020B0604030504040204" pitchFamily="34" charset="0"/>
-              </a:rPr>
-              <a:t>0..1</a:t>
-            </a:r>
-            <a:endParaRPr lang="en-US" sz="1400" dirty="0"/>
-          </a:p>
-        </p:txBody>
-      </p:sp>
-      <p:sp>
-        <p:nvSpPr>
           <p:cNvPr id="34" name="Slide Number Placeholder 3">
             <a:extLst>
               <a:ext uri="{FF2B5EF4-FFF2-40B4-BE49-F238E27FC236}">
@@ -4361,2297 +3525,3154 @@
           </a:p>
         </p:txBody>
       </p:sp>
-      <p:sp>
-        <p:nvSpPr>
-          <p:cNvPr id="35" name="Rounded Rectangle 34">
-            <a:extLst>
-              <a:ext uri="{FF2B5EF4-FFF2-40B4-BE49-F238E27FC236}">
-                <a16:creationId xmlns:a16="http://schemas.microsoft.com/office/drawing/2014/main" id="{7608DC55-9208-8544-93AD-2ACC9A0D8F5C}"/>
-              </a:ext>
-            </a:extLst>
-          </p:cNvPr>
-          <p:cNvSpPr/>
+      <p:grpSp>
+        <p:nvGrpSpPr>
+          <p:cNvPr id="2" name="Group 1">
+            <a:extLst>
+              <a:ext uri="{FF2B5EF4-FFF2-40B4-BE49-F238E27FC236}">
+                <a16:creationId xmlns:a16="http://schemas.microsoft.com/office/drawing/2014/main" id="{D7C221B4-5B47-9243-B4F3-9CB433B61392}"/>
+              </a:ext>
+            </a:extLst>
+          </p:cNvPr>
+          <p:cNvGrpSpPr/>
           <p:nvPr/>
-        </p:nvSpPr>
-        <p:spPr>
+        </p:nvGrpSpPr>
+        <p:grpSpPr>
           <a:xfrm>
-            <a:off x="838200" y="3233932"/>
-            <a:ext cx="1344349" cy="646546"/>
-          </a:xfrm>
-          <a:prstGeom prst="roundRect">
-            <a:avLst/>
-          </a:prstGeom>
-          <a:noFill/>
-          <a:ln w="38100"/>
-        </p:spPr>
-        <p:style>
-          <a:lnRef idx="1">
-            <a:schemeClr val="accent1"/>
-          </a:lnRef>
-          <a:fillRef idx="3">
-            <a:schemeClr val="accent1"/>
-          </a:fillRef>
-          <a:effectRef idx="2">
-            <a:schemeClr val="accent1"/>
-          </a:effectRef>
-          <a:fontRef idx="minor">
-            <a:schemeClr val="lt1"/>
-          </a:fontRef>
-        </p:style>
-        <p:txBody>
-          <a:bodyPr rtlCol="0" anchor="ctr"/>
-          <a:lstStyle/>
-          <a:p>
-            <a:pPr algn="ctr"/>
-            <a:r>
-              <a:rPr lang="en-US" sz="1600" dirty="0">
+            <a:off x="573987" y="366232"/>
+            <a:ext cx="11482168" cy="5178177"/>
+            <a:chOff x="573987" y="366232"/>
+            <a:chExt cx="11482168" cy="5178177"/>
+          </a:xfrm>
+        </p:grpSpPr>
+        <p:sp>
+          <p:nvSpPr>
+            <p:cNvPr id="6" name="Rounded Rectangle 5">
+              <a:extLst>
+                <a:ext uri="{FF2B5EF4-FFF2-40B4-BE49-F238E27FC236}">
+                  <a16:creationId xmlns:a16="http://schemas.microsoft.com/office/drawing/2014/main" id="{07481767-DB58-E446-A7F1-DB3C0D7A871D}"/>
+                </a:ext>
+              </a:extLst>
+            </p:cNvPr>
+            <p:cNvSpPr/>
+            <p:nvPr/>
+          </p:nvSpPr>
+          <p:spPr>
+            <a:xfrm>
+              <a:off x="7035966" y="3281468"/>
+              <a:ext cx="1344349" cy="646546"/>
+            </a:xfrm>
+            <a:prstGeom prst="roundRect">
+              <a:avLst/>
+            </a:prstGeom>
+            <a:noFill/>
+            <a:ln>
+              <a:solidFill>
+                <a:schemeClr val="tx1"/>
+              </a:solidFill>
+            </a:ln>
+          </p:spPr>
+          <p:style>
+            <a:lnRef idx="1">
+              <a:schemeClr val="accent1"/>
+            </a:lnRef>
+            <a:fillRef idx="3">
+              <a:schemeClr val="accent1"/>
+            </a:fillRef>
+            <a:effectRef idx="2">
+              <a:schemeClr val="accent1"/>
+            </a:effectRef>
+            <a:fontRef idx="minor">
+              <a:schemeClr val="lt1"/>
+            </a:fontRef>
+          </p:style>
+          <p:txBody>
+            <a:bodyPr rtlCol="0" anchor="ctr"/>
+            <a:lstStyle/>
+            <a:p>
+              <a:pPr algn="ctr"/>
+              <a:r>
+                <a:rPr lang="en-US" sz="1400" b="1" dirty="0">
+                  <a:solidFill>
+                    <a:srgbClr val="002060"/>
+                  </a:solidFill>
+                </a:rPr>
+                <a:t>Organization Affiliation</a:t>
+              </a:r>
+            </a:p>
+          </p:txBody>
+        </p:sp>
+        <p:sp>
+          <p:nvSpPr>
+            <p:cNvPr id="7" name="Rounded Rectangle 6">
+              <a:extLst>
+                <a:ext uri="{FF2B5EF4-FFF2-40B4-BE49-F238E27FC236}">
+                  <a16:creationId xmlns:a16="http://schemas.microsoft.com/office/drawing/2014/main" id="{9EECA639-743E-9344-8AAE-07DA04275268}"/>
+                </a:ext>
+              </a:extLst>
+            </p:cNvPr>
+            <p:cNvSpPr/>
+            <p:nvPr/>
+          </p:nvSpPr>
+          <p:spPr>
+            <a:xfrm>
+              <a:off x="4317075" y="3731897"/>
+              <a:ext cx="1344349" cy="646546"/>
+            </a:xfrm>
+            <a:prstGeom prst="roundRect">
+              <a:avLst/>
+            </a:prstGeom>
+            <a:solidFill>
+              <a:schemeClr val="accent1">
+                <a:lumMod val="20000"/>
+                <a:lumOff val="80000"/>
+              </a:schemeClr>
+            </a:solidFill>
+          </p:spPr>
+          <p:style>
+            <a:lnRef idx="1">
+              <a:schemeClr val="accent1"/>
+            </a:lnRef>
+            <a:fillRef idx="3">
+              <a:schemeClr val="accent1"/>
+            </a:fillRef>
+            <a:effectRef idx="2">
+              <a:schemeClr val="accent1"/>
+            </a:effectRef>
+            <a:fontRef idx="minor">
+              <a:schemeClr val="lt1"/>
+            </a:fontRef>
+          </p:style>
+          <p:txBody>
+            <a:bodyPr rtlCol="0" anchor="ctr"/>
+            <a:lstStyle/>
+            <a:p>
+              <a:pPr algn="ctr"/>
+              <a:r>
+                <a:rPr lang="en-US" sz="1600" dirty="0">
+                  <a:solidFill>
+                    <a:sysClr val="windowText" lastClr="000000"/>
+                  </a:solidFill>
+                </a:rPr>
+                <a:t>Healthcare Service</a:t>
+              </a:r>
+            </a:p>
+          </p:txBody>
+        </p:sp>
+        <p:cxnSp>
+          <p:nvCxnSpPr>
+            <p:cNvPr id="8" name="Straight Arrow Connector 7">
+              <a:extLst>
+                <a:ext uri="{FF2B5EF4-FFF2-40B4-BE49-F238E27FC236}">
+                  <a16:creationId xmlns:a16="http://schemas.microsoft.com/office/drawing/2014/main" id="{A7D5178D-27DE-CB42-84DE-16CEB7951355}"/>
+                </a:ext>
+              </a:extLst>
+            </p:cNvPr>
+            <p:cNvCxnSpPr>
+              <a:cxnSpLocks/>
+              <a:endCxn id="13" idx="0"/>
+            </p:cNvCxnSpPr>
+            <p:nvPr/>
+          </p:nvCxnSpPr>
+          <p:spPr>
+            <a:xfrm>
+              <a:off x="7695536" y="3949638"/>
+              <a:ext cx="0" cy="922319"/>
+            </a:xfrm>
+            <a:prstGeom prst="straightConnector1">
+              <a:avLst/>
+            </a:prstGeom>
+            <a:ln>
+              <a:headEnd type="none" w="lg" len="lg"/>
+              <a:tailEnd type="triangle" w="lg" len="lg"/>
+            </a:ln>
+          </p:spPr>
+          <p:style>
+            <a:lnRef idx="2">
+              <a:schemeClr val="accent1"/>
+            </a:lnRef>
+            <a:fillRef idx="0">
+              <a:schemeClr val="accent1"/>
+            </a:fillRef>
+            <a:effectRef idx="1">
+              <a:schemeClr val="accent1"/>
+            </a:effectRef>
+            <a:fontRef idx="minor">
+              <a:schemeClr val="tx1"/>
+            </a:fontRef>
+          </p:style>
+        </p:cxnSp>
+        <p:cxnSp>
+          <p:nvCxnSpPr>
+            <p:cNvPr id="9" name="Straight Arrow Connector 8">
+              <a:extLst>
+                <a:ext uri="{FF2B5EF4-FFF2-40B4-BE49-F238E27FC236}">
+                  <a16:creationId xmlns:a16="http://schemas.microsoft.com/office/drawing/2014/main" id="{B6A86D25-8564-434F-8866-AED24181A7FE}"/>
+                </a:ext>
+              </a:extLst>
+            </p:cNvPr>
+            <p:cNvCxnSpPr>
+              <a:cxnSpLocks/>
+              <a:stCxn id="6" idx="1"/>
+              <a:endCxn id="7" idx="3"/>
+            </p:cNvCxnSpPr>
+            <p:nvPr/>
+          </p:nvCxnSpPr>
+          <p:spPr>
+            <a:xfrm flipH="1">
+              <a:off x="5661424" y="3604741"/>
+              <a:ext cx="1374542" cy="450429"/>
+            </a:xfrm>
+            <a:prstGeom prst="straightConnector1">
+              <a:avLst/>
+            </a:prstGeom>
+            <a:ln>
+              <a:headEnd type="none" w="lg" len="lg"/>
+              <a:tailEnd type="triangle" w="lg" len="lg"/>
+            </a:ln>
+          </p:spPr>
+          <p:style>
+            <a:lnRef idx="2">
+              <a:schemeClr val="accent1"/>
+            </a:lnRef>
+            <a:fillRef idx="0">
+              <a:schemeClr val="accent1"/>
+            </a:fillRef>
+            <a:effectRef idx="1">
+              <a:schemeClr val="accent1"/>
+            </a:effectRef>
+            <a:fontRef idx="minor">
+              <a:schemeClr val="tx1"/>
+            </a:fontRef>
+          </p:style>
+        </p:cxnSp>
+        <p:sp>
+          <p:nvSpPr>
+            <p:cNvPr id="11" name="Rounded Rectangle 11">
+              <a:extLst>
+                <a:ext uri="{FF2B5EF4-FFF2-40B4-BE49-F238E27FC236}">
+                  <a16:creationId xmlns:a16="http://schemas.microsoft.com/office/drawing/2014/main" id="{F712283E-783A-874C-ACCF-F336A469BBD3}"/>
+                </a:ext>
+              </a:extLst>
+            </p:cNvPr>
+            <p:cNvSpPr/>
+            <p:nvPr/>
+          </p:nvSpPr>
+          <p:spPr>
+            <a:xfrm>
+              <a:off x="4301177" y="4897863"/>
+              <a:ext cx="1368974" cy="646546"/>
+            </a:xfrm>
+            <a:prstGeom prst="roundRect">
+              <a:avLst/>
+            </a:prstGeom>
+            <a:solidFill>
+              <a:schemeClr val="accent1">
+                <a:lumMod val="20000"/>
+                <a:lumOff val="80000"/>
+              </a:schemeClr>
+            </a:solidFill>
+            <a:ln>
+              <a:solidFill>
+                <a:schemeClr val="tx1"/>
+              </a:solidFill>
+            </a:ln>
+          </p:spPr>
+          <p:style>
+            <a:lnRef idx="1">
+              <a:schemeClr val="accent1"/>
+            </a:lnRef>
+            <a:fillRef idx="3">
+              <a:schemeClr val="accent1"/>
+            </a:fillRef>
+            <a:effectRef idx="2">
+              <a:schemeClr val="accent1"/>
+            </a:effectRef>
+            <a:fontRef idx="minor">
+              <a:schemeClr val="lt1"/>
+            </a:fontRef>
+          </p:style>
+          <p:txBody>
+            <a:bodyPr rtlCol="0" anchor="ctr"/>
+            <a:lstStyle/>
+            <a:p>
+              <a:pPr algn="ctr"/>
+              <a:r>
+                <a:rPr lang="en-US" sz="1600" dirty="0">
+                  <a:solidFill>
+                    <a:srgbClr val="002060"/>
+                  </a:solidFill>
+                </a:rPr>
+                <a:t>Location</a:t>
+              </a:r>
+            </a:p>
+          </p:txBody>
+        </p:sp>
+        <p:cxnSp>
+          <p:nvCxnSpPr>
+            <p:cNvPr id="12" name="Straight Arrow Connector 11">
+              <a:extLst>
+                <a:ext uri="{FF2B5EF4-FFF2-40B4-BE49-F238E27FC236}">
+                  <a16:creationId xmlns:a16="http://schemas.microsoft.com/office/drawing/2014/main" id="{6001BBE7-AF67-764C-A62C-1B5DD1FCD271}"/>
+                </a:ext>
+              </a:extLst>
+            </p:cNvPr>
+            <p:cNvCxnSpPr>
+              <a:cxnSpLocks/>
+              <a:stCxn id="6" idx="1"/>
+              <a:endCxn id="11" idx="3"/>
+            </p:cNvCxnSpPr>
+            <p:nvPr/>
+          </p:nvCxnSpPr>
+          <p:spPr>
+            <a:xfrm flipH="1">
+              <a:off x="5670151" y="3604741"/>
+              <a:ext cx="1365815" cy="1616395"/>
+            </a:xfrm>
+            <a:prstGeom prst="straightConnector1">
+              <a:avLst/>
+            </a:prstGeom>
+            <a:ln>
+              <a:headEnd type="none" w="lg" len="lg"/>
+              <a:tailEnd type="triangle" w="lg" len="lg"/>
+            </a:ln>
+          </p:spPr>
+          <p:style>
+            <a:lnRef idx="2">
+              <a:schemeClr val="accent1"/>
+            </a:lnRef>
+            <a:fillRef idx="0">
+              <a:schemeClr val="accent1"/>
+            </a:fillRef>
+            <a:effectRef idx="1">
+              <a:schemeClr val="accent1"/>
+            </a:effectRef>
+            <a:fontRef idx="minor">
+              <a:schemeClr val="tx1"/>
+            </a:fontRef>
+          </p:style>
+        </p:cxnSp>
+        <p:sp>
+          <p:nvSpPr>
+            <p:cNvPr id="13" name="Rounded Rectangle 12">
+              <a:extLst>
+                <a:ext uri="{FF2B5EF4-FFF2-40B4-BE49-F238E27FC236}">
+                  <a16:creationId xmlns:a16="http://schemas.microsoft.com/office/drawing/2014/main" id="{F9D4711B-60F3-D44D-B0F0-3E52BABBBE70}"/>
+                </a:ext>
+              </a:extLst>
+            </p:cNvPr>
+            <p:cNvSpPr/>
+            <p:nvPr/>
+          </p:nvSpPr>
+          <p:spPr>
+            <a:xfrm>
+              <a:off x="6845307" y="4871957"/>
+              <a:ext cx="1700458" cy="646546"/>
+            </a:xfrm>
+            <a:prstGeom prst="roundRect">
+              <a:avLst/>
+            </a:prstGeom>
+            <a:solidFill>
+              <a:schemeClr val="accent1">
+                <a:lumMod val="20000"/>
+                <a:lumOff val="80000"/>
+              </a:schemeClr>
+            </a:solidFill>
+          </p:spPr>
+          <p:style>
+            <a:lnRef idx="1">
+              <a:schemeClr val="accent1"/>
+            </a:lnRef>
+            <a:fillRef idx="3">
+              <a:schemeClr val="accent1"/>
+            </a:fillRef>
+            <a:effectRef idx="2">
+              <a:schemeClr val="accent1"/>
+            </a:effectRef>
+            <a:fontRef idx="minor">
+              <a:schemeClr val="lt1"/>
+            </a:fontRef>
+          </p:style>
+          <p:txBody>
+            <a:bodyPr rtlCol="0" anchor="ctr"/>
+            <a:lstStyle/>
+            <a:p>
+              <a:pPr algn="ctr"/>
+              <a:r>
+                <a:rPr lang="en-US" sz="1600" dirty="0">
+                  <a:solidFill>
+                    <a:sysClr val="windowText" lastClr="000000"/>
+                  </a:solidFill>
+                </a:rPr>
+                <a:t>Organization</a:t>
+              </a:r>
+            </a:p>
+          </p:txBody>
+        </p:sp>
+        <p:sp>
+          <p:nvSpPr>
+            <p:cNvPr id="14" name="TextBox 13">
+              <a:extLst>
+                <a:ext uri="{FF2B5EF4-FFF2-40B4-BE49-F238E27FC236}">
+                  <a16:creationId xmlns:a16="http://schemas.microsoft.com/office/drawing/2014/main" id="{4811DF0B-A6C2-AB48-80CB-54F44623298C}"/>
+                </a:ext>
+              </a:extLst>
+            </p:cNvPr>
+            <p:cNvSpPr txBox="1"/>
+            <p:nvPr/>
+          </p:nvSpPr>
+          <p:spPr>
+            <a:xfrm>
+              <a:off x="7727780" y="4041273"/>
+              <a:ext cx="1343060" cy="369332"/>
+            </a:xfrm>
+            <a:prstGeom prst="rect">
+              <a:avLst/>
+            </a:prstGeom>
+            <a:noFill/>
+          </p:spPr>
+          <p:txBody>
+            <a:bodyPr wrap="none" rtlCol="0">
+              <a:spAutoFit/>
+            </a:bodyPr>
+            <a:lstStyle/>
+            <a:p>
+              <a:r>
+                <a:rPr lang="en-US" dirty="0"/>
+                <a:t>organization</a:t>
+              </a:r>
+            </a:p>
+          </p:txBody>
+        </p:sp>
+        <p:sp>
+          <p:nvSpPr>
+            <p:cNvPr id="16" name="TextBox 15">
+              <a:extLst>
+                <a:ext uri="{FF2B5EF4-FFF2-40B4-BE49-F238E27FC236}">
+                  <a16:creationId xmlns:a16="http://schemas.microsoft.com/office/drawing/2014/main" id="{DA5DE5EF-C88A-CF42-B929-98CAA23FE5E1}"/>
+                </a:ext>
+              </a:extLst>
+            </p:cNvPr>
+            <p:cNvSpPr txBox="1"/>
+            <p:nvPr/>
+          </p:nvSpPr>
+          <p:spPr>
+            <a:xfrm>
+              <a:off x="7729510" y="2849201"/>
+              <a:ext cx="2557623" cy="369332"/>
+            </a:xfrm>
+            <a:prstGeom prst="rect">
+              <a:avLst/>
+            </a:prstGeom>
+            <a:noFill/>
+          </p:spPr>
+          <p:txBody>
+            <a:bodyPr wrap="none" rtlCol="0">
+              <a:spAutoFit/>
+            </a:bodyPr>
+            <a:lstStyle/>
+            <a:p>
+              <a:r>
+                <a:rPr lang="en-US" dirty="0" err="1"/>
+                <a:t>participatingOrganization</a:t>
+              </a:r>
+              <a:endParaRPr lang="en-US" dirty="0"/>
+            </a:p>
+          </p:txBody>
+        </p:sp>
+        <p:sp>
+          <p:nvSpPr>
+            <p:cNvPr id="18" name="Rectangle 17">
+              <a:extLst>
+                <a:ext uri="{FF2B5EF4-FFF2-40B4-BE49-F238E27FC236}">
+                  <a16:creationId xmlns:a16="http://schemas.microsoft.com/office/drawing/2014/main" id="{1C5A2E7D-2BB8-5448-AE69-6A7568753482}"/>
+                </a:ext>
+              </a:extLst>
+            </p:cNvPr>
+            <p:cNvSpPr/>
+            <p:nvPr/>
+          </p:nvSpPr>
+          <p:spPr>
+            <a:xfrm>
+              <a:off x="6019803" y="4735399"/>
+              <a:ext cx="657783" cy="307777"/>
+            </a:xfrm>
+            <a:prstGeom prst="rect">
+              <a:avLst/>
+            </a:prstGeom>
+          </p:spPr>
+          <p:txBody>
+            <a:bodyPr wrap="square">
+              <a:spAutoFit/>
+            </a:bodyPr>
+            <a:lstStyle/>
+            <a:p>
+              <a:r>
+                <a:rPr lang="en-US" sz="1400" dirty="0">
+                  <a:solidFill>
+                    <a:srgbClr val="333333"/>
+                  </a:solidFill>
+                  <a:latin typeface="verdana" panose="020B0604030504040204" pitchFamily="34" charset="0"/>
+                </a:rPr>
+                <a:t>0..*</a:t>
+              </a:r>
+              <a:endParaRPr lang="en-US" sz="1400" dirty="0"/>
+            </a:p>
+          </p:txBody>
+        </p:sp>
+        <p:sp>
+          <p:nvSpPr>
+            <p:cNvPr id="19" name="Rounded Rectangle 18">
+              <a:extLst>
+                <a:ext uri="{FF2B5EF4-FFF2-40B4-BE49-F238E27FC236}">
+                  <a16:creationId xmlns:a16="http://schemas.microsoft.com/office/drawing/2014/main" id="{8D4ED193-CE25-A044-9E50-6DAEB380B145}"/>
+                </a:ext>
+              </a:extLst>
+            </p:cNvPr>
+            <p:cNvSpPr/>
+            <p:nvPr/>
+          </p:nvSpPr>
+          <p:spPr>
+            <a:xfrm>
+              <a:off x="4274436" y="2790065"/>
+              <a:ext cx="1344349" cy="646546"/>
+            </a:xfrm>
+            <a:prstGeom prst="roundRect">
+              <a:avLst/>
+            </a:prstGeom>
+            <a:solidFill>
+              <a:schemeClr val="accent1">
+                <a:lumMod val="20000"/>
+                <a:lumOff val="80000"/>
+              </a:schemeClr>
+            </a:solidFill>
+          </p:spPr>
+          <p:style>
+            <a:lnRef idx="1">
+              <a:schemeClr val="accent1"/>
+            </a:lnRef>
+            <a:fillRef idx="3">
+              <a:schemeClr val="accent1"/>
+            </a:fillRef>
+            <a:effectRef idx="2">
+              <a:schemeClr val="accent1"/>
+            </a:effectRef>
+            <a:fontRef idx="minor">
+              <a:schemeClr val="lt1"/>
+            </a:fontRef>
+          </p:style>
+          <p:txBody>
+            <a:bodyPr rtlCol="0" anchor="ctr"/>
+            <a:lstStyle/>
+            <a:p>
+              <a:pPr algn="ctr"/>
+              <a:r>
+                <a:rPr lang="en-US" sz="1600" dirty="0">
+                  <a:solidFill>
+                    <a:sysClr val="windowText" lastClr="000000"/>
+                  </a:solidFill>
+                </a:rPr>
+                <a:t>Endpoint</a:t>
+              </a:r>
+            </a:p>
+          </p:txBody>
+        </p:sp>
+        <p:cxnSp>
+          <p:nvCxnSpPr>
+            <p:cNvPr id="20" name="Straight Arrow Connector 19">
+              <a:extLst>
+                <a:ext uri="{FF2B5EF4-FFF2-40B4-BE49-F238E27FC236}">
+                  <a16:creationId xmlns:a16="http://schemas.microsoft.com/office/drawing/2014/main" id="{7FEA508D-96C0-524C-A71C-F67A3FB64EAB}"/>
+                </a:ext>
+              </a:extLst>
+            </p:cNvPr>
+            <p:cNvCxnSpPr>
+              <a:cxnSpLocks/>
+              <a:stCxn id="6" idx="1"/>
+              <a:endCxn id="19" idx="3"/>
+            </p:cNvCxnSpPr>
+            <p:nvPr/>
+          </p:nvCxnSpPr>
+          <p:spPr>
+            <a:xfrm flipH="1" flipV="1">
+              <a:off x="5618785" y="3113338"/>
+              <a:ext cx="1417181" cy="491403"/>
+            </a:xfrm>
+            <a:prstGeom prst="straightConnector1">
+              <a:avLst/>
+            </a:prstGeom>
+            <a:ln>
+              <a:headEnd type="none" w="lg" len="lg"/>
+              <a:tailEnd type="triangle" w="lg" len="lg"/>
+            </a:ln>
+          </p:spPr>
+          <p:style>
+            <a:lnRef idx="2">
+              <a:schemeClr val="accent1"/>
+            </a:lnRef>
+            <a:fillRef idx="0">
+              <a:schemeClr val="accent1"/>
+            </a:fillRef>
+            <a:effectRef idx="1">
+              <a:schemeClr val="accent1"/>
+            </a:effectRef>
+            <a:fontRef idx="minor">
+              <a:schemeClr val="tx1"/>
+            </a:fontRef>
+          </p:style>
+        </p:cxnSp>
+        <p:sp>
+          <p:nvSpPr>
+            <p:cNvPr id="21" name="Rectangle 20">
+              <a:extLst>
+                <a:ext uri="{FF2B5EF4-FFF2-40B4-BE49-F238E27FC236}">
+                  <a16:creationId xmlns:a16="http://schemas.microsoft.com/office/drawing/2014/main" id="{165281D2-128B-8C45-9E73-4EFAB9762EB7}"/>
+                </a:ext>
+              </a:extLst>
+            </p:cNvPr>
+            <p:cNvSpPr/>
+            <p:nvPr/>
+          </p:nvSpPr>
+          <p:spPr>
+            <a:xfrm>
+              <a:off x="5975064" y="3330984"/>
+              <a:ext cx="657783" cy="307777"/>
+            </a:xfrm>
+            <a:prstGeom prst="rect">
+              <a:avLst/>
+            </a:prstGeom>
+          </p:spPr>
+          <p:txBody>
+            <a:bodyPr wrap="square">
+              <a:spAutoFit/>
+            </a:bodyPr>
+            <a:lstStyle/>
+            <a:p>
+              <a:r>
+                <a:rPr lang="en-US" sz="1400" dirty="0">
+                  <a:solidFill>
+                    <a:srgbClr val="333333"/>
+                  </a:solidFill>
+                  <a:latin typeface="verdana" panose="020B0604030504040204" pitchFamily="34" charset="0"/>
+                </a:rPr>
+                <a:t>0..*</a:t>
+              </a:r>
+              <a:endParaRPr lang="en-US" sz="1400" dirty="0"/>
+            </a:p>
+          </p:txBody>
+        </p:sp>
+        <p:sp>
+          <p:nvSpPr>
+            <p:cNvPr id="22" name="Rectangle 21">
+              <a:extLst>
+                <a:ext uri="{FF2B5EF4-FFF2-40B4-BE49-F238E27FC236}">
+                  <a16:creationId xmlns:a16="http://schemas.microsoft.com/office/drawing/2014/main" id="{F8FF3D25-4C18-8647-8599-B215121DECC3}"/>
+                </a:ext>
+              </a:extLst>
+            </p:cNvPr>
+            <p:cNvSpPr/>
+            <p:nvPr/>
+          </p:nvSpPr>
+          <p:spPr>
+            <a:xfrm>
+              <a:off x="5862984" y="4056834"/>
+              <a:ext cx="657783" cy="307777"/>
+            </a:xfrm>
+            <a:prstGeom prst="rect">
+              <a:avLst/>
+            </a:prstGeom>
+          </p:spPr>
+          <p:txBody>
+            <a:bodyPr wrap="square">
+              <a:spAutoFit/>
+            </a:bodyPr>
+            <a:lstStyle/>
+            <a:p>
+              <a:r>
+                <a:rPr lang="en-US" sz="1400" dirty="0">
+                  <a:solidFill>
+                    <a:srgbClr val="333333"/>
+                  </a:solidFill>
+                  <a:latin typeface="verdana" panose="020B0604030504040204" pitchFamily="34" charset="0"/>
+                </a:rPr>
+                <a:t>0..*</a:t>
+              </a:r>
+              <a:endParaRPr lang="en-US" sz="1400" dirty="0"/>
+            </a:p>
+          </p:txBody>
+        </p:sp>
+        <p:sp>
+          <p:nvSpPr>
+            <p:cNvPr id="23" name="Rounded Rectangle 22">
+              <a:extLst>
+                <a:ext uri="{FF2B5EF4-FFF2-40B4-BE49-F238E27FC236}">
+                  <a16:creationId xmlns:a16="http://schemas.microsoft.com/office/drawing/2014/main" id="{466745EC-0B76-6549-BB13-A5FA715D3CD9}"/>
+                </a:ext>
+              </a:extLst>
+            </p:cNvPr>
+            <p:cNvSpPr/>
+            <p:nvPr/>
+          </p:nvSpPr>
+          <p:spPr>
+            <a:xfrm>
+              <a:off x="4280067" y="1784548"/>
+              <a:ext cx="1344349" cy="646546"/>
+            </a:xfrm>
+            <a:prstGeom prst="roundRect">
+              <a:avLst/>
+            </a:prstGeom>
+            <a:solidFill>
+              <a:schemeClr val="accent1">
+                <a:lumMod val="20000"/>
+                <a:lumOff val="80000"/>
+              </a:schemeClr>
+            </a:solidFill>
+          </p:spPr>
+          <p:style>
+            <a:lnRef idx="1">
+              <a:schemeClr val="accent1"/>
+            </a:lnRef>
+            <a:fillRef idx="3">
+              <a:schemeClr val="accent1"/>
+            </a:fillRef>
+            <a:effectRef idx="2">
+              <a:schemeClr val="accent1"/>
+            </a:effectRef>
+            <a:fontRef idx="minor">
+              <a:schemeClr val="lt1"/>
+            </a:fontRef>
+          </p:style>
+          <p:txBody>
+            <a:bodyPr rtlCol="0" anchor="ctr"/>
+            <a:lstStyle/>
+            <a:p>
+              <a:pPr algn="ctr"/>
+              <a:r>
+                <a:rPr lang="en-US" sz="1600" dirty="0">
+                  <a:solidFill>
+                    <a:sysClr val="windowText" lastClr="000000"/>
+                  </a:solidFill>
+                </a:rPr>
+                <a:t>Network</a:t>
+              </a:r>
+            </a:p>
+          </p:txBody>
+        </p:sp>
+        <p:sp>
+          <p:nvSpPr>
+            <p:cNvPr id="24" name="Rectangle 23">
+              <a:extLst>
+                <a:ext uri="{FF2B5EF4-FFF2-40B4-BE49-F238E27FC236}">
+                  <a16:creationId xmlns:a16="http://schemas.microsoft.com/office/drawing/2014/main" id="{4FCA7557-EC50-4547-B12B-05690D2D7CC8}"/>
+                </a:ext>
+              </a:extLst>
+            </p:cNvPr>
+            <p:cNvSpPr/>
+            <p:nvPr/>
+          </p:nvSpPr>
+          <p:spPr>
+            <a:xfrm>
+              <a:off x="4454472" y="4457156"/>
+              <a:ext cx="657783" cy="307777"/>
+            </a:xfrm>
+            <a:prstGeom prst="rect">
+              <a:avLst/>
+            </a:prstGeom>
+          </p:spPr>
+          <p:txBody>
+            <a:bodyPr wrap="square">
+              <a:spAutoFit/>
+            </a:bodyPr>
+            <a:lstStyle/>
+            <a:p>
+              <a:r>
+                <a:rPr lang="en-US" sz="1400" dirty="0">
+                  <a:solidFill>
+                    <a:srgbClr val="333333"/>
+                  </a:solidFill>
+                  <a:latin typeface="verdana" panose="020B0604030504040204" pitchFamily="34" charset="0"/>
+                </a:rPr>
+                <a:t>0..*</a:t>
+              </a:r>
+              <a:endParaRPr lang="en-US" sz="1400" dirty="0"/>
+            </a:p>
+          </p:txBody>
+        </p:sp>
+        <p:cxnSp>
+          <p:nvCxnSpPr>
+            <p:cNvPr id="25" name="Straight Arrow Connector 24">
+              <a:extLst>
+                <a:ext uri="{FF2B5EF4-FFF2-40B4-BE49-F238E27FC236}">
+                  <a16:creationId xmlns:a16="http://schemas.microsoft.com/office/drawing/2014/main" id="{01B9F285-909E-F043-8700-C420B4C5D003}"/>
+                </a:ext>
+              </a:extLst>
+            </p:cNvPr>
+            <p:cNvCxnSpPr>
+              <a:cxnSpLocks/>
+              <a:stCxn id="6" idx="1"/>
+            </p:cNvCxnSpPr>
+            <p:nvPr/>
+          </p:nvCxnSpPr>
+          <p:spPr>
+            <a:xfrm flipH="1" flipV="1">
+              <a:off x="5595486" y="2120809"/>
+              <a:ext cx="1440480" cy="1483932"/>
+            </a:xfrm>
+            <a:prstGeom prst="straightConnector1">
+              <a:avLst/>
+            </a:prstGeom>
+            <a:ln>
+              <a:headEnd type="none" w="lg" len="lg"/>
+              <a:tailEnd type="triangle" w="lg" len="lg"/>
+            </a:ln>
+          </p:spPr>
+          <p:style>
+            <a:lnRef idx="2">
+              <a:schemeClr val="accent1"/>
+            </a:lnRef>
+            <a:fillRef idx="0">
+              <a:schemeClr val="accent1"/>
+            </a:fillRef>
+            <a:effectRef idx="1">
+              <a:schemeClr val="accent1"/>
+            </a:effectRef>
+            <a:fontRef idx="minor">
+              <a:schemeClr val="tx1"/>
+            </a:fontRef>
+          </p:style>
+        </p:cxnSp>
+        <p:sp>
+          <p:nvSpPr>
+            <p:cNvPr id="33" name="Rectangle 32">
+              <a:extLst>
+                <a:ext uri="{FF2B5EF4-FFF2-40B4-BE49-F238E27FC236}">
+                  <a16:creationId xmlns:a16="http://schemas.microsoft.com/office/drawing/2014/main" id="{37E2E009-AA27-3145-B8B6-29713D9DAFEC}"/>
+                </a:ext>
+              </a:extLst>
+            </p:cNvPr>
+            <p:cNvSpPr/>
+            <p:nvPr/>
+          </p:nvSpPr>
+          <p:spPr>
+            <a:xfrm>
+              <a:off x="7237526" y="4093922"/>
+              <a:ext cx="657783" cy="307777"/>
+            </a:xfrm>
+            <a:prstGeom prst="rect">
+              <a:avLst/>
+            </a:prstGeom>
+          </p:spPr>
+          <p:txBody>
+            <a:bodyPr wrap="square">
+              <a:spAutoFit/>
+            </a:bodyPr>
+            <a:lstStyle/>
+            <a:p>
+              <a:r>
+                <a:rPr lang="en-US" sz="1400" dirty="0">
+                  <a:solidFill>
+                    <a:srgbClr val="333333"/>
+                  </a:solidFill>
+                  <a:latin typeface="verdana" panose="020B0604030504040204" pitchFamily="34" charset="0"/>
+                </a:rPr>
+                <a:t>0..1</a:t>
+              </a:r>
+              <a:endParaRPr lang="en-US" sz="1400" dirty="0"/>
+            </a:p>
+          </p:txBody>
+        </p:sp>
+        <p:sp>
+          <p:nvSpPr>
+            <p:cNvPr id="35" name="Rounded Rectangle 34">
+              <a:extLst>
+                <a:ext uri="{FF2B5EF4-FFF2-40B4-BE49-F238E27FC236}">
+                  <a16:creationId xmlns:a16="http://schemas.microsoft.com/office/drawing/2014/main" id="{7608DC55-9208-8544-93AD-2ACC9A0D8F5C}"/>
+                </a:ext>
+              </a:extLst>
+            </p:cNvPr>
+            <p:cNvSpPr/>
+            <p:nvPr/>
+          </p:nvSpPr>
+          <p:spPr>
+            <a:xfrm>
+              <a:off x="838200" y="3233932"/>
+              <a:ext cx="1344349" cy="646546"/>
+            </a:xfrm>
+            <a:prstGeom prst="roundRect">
+              <a:avLst/>
+            </a:prstGeom>
+            <a:noFill/>
+            <a:ln w="38100"/>
+          </p:spPr>
+          <p:style>
+            <a:lnRef idx="1">
+              <a:schemeClr val="accent1"/>
+            </a:lnRef>
+            <a:fillRef idx="3">
+              <a:schemeClr val="accent1"/>
+            </a:fillRef>
+            <a:effectRef idx="2">
+              <a:schemeClr val="accent1"/>
+            </a:effectRef>
+            <a:fontRef idx="minor">
+              <a:schemeClr val="lt1"/>
+            </a:fontRef>
+          </p:style>
+          <p:txBody>
+            <a:bodyPr rtlCol="0" anchor="ctr"/>
+            <a:lstStyle/>
+            <a:p>
+              <a:pPr algn="ctr"/>
+              <a:r>
+                <a:rPr lang="en-US" sz="1600" dirty="0">
+                  <a:solidFill>
+                    <a:sysClr val="windowText" lastClr="000000"/>
+                  </a:solidFill>
+                </a:rPr>
+                <a:t>Practitioner</a:t>
+              </a:r>
+            </a:p>
+            <a:p>
+              <a:pPr algn="ctr"/>
+              <a:r>
+                <a:rPr lang="en-US" sz="1600" dirty="0">
+                  <a:solidFill>
+                    <a:sysClr val="windowText" lastClr="000000"/>
+                  </a:solidFill>
+                </a:rPr>
+                <a:t>Role</a:t>
+              </a:r>
+            </a:p>
+          </p:txBody>
+        </p:sp>
+        <p:cxnSp>
+          <p:nvCxnSpPr>
+            <p:cNvPr id="37" name="Straight Arrow Connector 36">
+              <a:extLst>
+                <a:ext uri="{FF2B5EF4-FFF2-40B4-BE49-F238E27FC236}">
+                  <a16:creationId xmlns:a16="http://schemas.microsoft.com/office/drawing/2014/main" id="{3DAF5524-6305-D946-876C-F567255CE477}"/>
+                </a:ext>
+              </a:extLst>
+            </p:cNvPr>
+            <p:cNvCxnSpPr>
+              <a:stCxn id="35" idx="2"/>
+              <a:endCxn id="39" idx="0"/>
+            </p:cNvCxnSpPr>
+            <p:nvPr/>
+          </p:nvCxnSpPr>
+          <p:spPr>
+            <a:xfrm>
+              <a:off x="1510375" y="3880478"/>
+              <a:ext cx="0" cy="975415"/>
+            </a:xfrm>
+            <a:prstGeom prst="straightConnector1">
+              <a:avLst/>
+            </a:prstGeom>
+            <a:ln>
+              <a:headEnd type="none" w="lg" len="lg"/>
+              <a:tailEnd type="triangle" w="lg" len="lg"/>
+            </a:ln>
+          </p:spPr>
+          <p:style>
+            <a:lnRef idx="2">
+              <a:schemeClr val="accent1"/>
+            </a:lnRef>
+            <a:fillRef idx="0">
+              <a:schemeClr val="accent1"/>
+            </a:fillRef>
+            <a:effectRef idx="1">
+              <a:schemeClr val="accent1"/>
+            </a:effectRef>
+            <a:fontRef idx="minor">
+              <a:schemeClr val="tx1"/>
+            </a:fontRef>
+          </p:style>
+        </p:cxnSp>
+        <p:sp>
+          <p:nvSpPr>
+            <p:cNvPr id="39" name="Rounded Rectangle 26">
+              <a:extLst>
+                <a:ext uri="{FF2B5EF4-FFF2-40B4-BE49-F238E27FC236}">
+                  <a16:creationId xmlns:a16="http://schemas.microsoft.com/office/drawing/2014/main" id="{B3F50D37-1482-1345-9977-0352A11CB003}"/>
+                </a:ext>
+              </a:extLst>
+            </p:cNvPr>
+            <p:cNvSpPr/>
+            <p:nvPr/>
+          </p:nvSpPr>
+          <p:spPr>
+            <a:xfrm>
+              <a:off x="838200" y="4855893"/>
+              <a:ext cx="1344349" cy="646546"/>
+            </a:xfrm>
+            <a:prstGeom prst="roundRect">
+              <a:avLst/>
+            </a:prstGeom>
+            <a:solidFill>
+              <a:schemeClr val="accent1">
+                <a:lumMod val="20000"/>
+                <a:lumOff val="80000"/>
+              </a:schemeClr>
+            </a:solidFill>
+          </p:spPr>
+          <p:style>
+            <a:lnRef idx="1">
+              <a:schemeClr val="accent1"/>
+            </a:lnRef>
+            <a:fillRef idx="3">
+              <a:schemeClr val="accent1"/>
+            </a:fillRef>
+            <a:effectRef idx="2">
+              <a:schemeClr val="accent1"/>
+            </a:effectRef>
+            <a:fontRef idx="minor">
+              <a:schemeClr val="lt1"/>
+            </a:fontRef>
+          </p:style>
+          <p:txBody>
+            <a:bodyPr rtlCol="0" anchor="ctr"/>
+            <a:lstStyle/>
+            <a:p>
+              <a:pPr algn="ctr"/>
+              <a:r>
+                <a:rPr lang="en-US" sz="1600" dirty="0">
+                  <a:solidFill>
+                    <a:sysClr val="windowText" lastClr="000000"/>
+                  </a:solidFill>
+                </a:rPr>
+                <a:t>Practitioner</a:t>
+              </a:r>
+            </a:p>
+          </p:txBody>
+        </p:sp>
+        <p:cxnSp>
+          <p:nvCxnSpPr>
+            <p:cNvPr id="42" name="Straight Arrow Connector 41">
+              <a:extLst>
+                <a:ext uri="{FF2B5EF4-FFF2-40B4-BE49-F238E27FC236}">
+                  <a16:creationId xmlns:a16="http://schemas.microsoft.com/office/drawing/2014/main" id="{A0435810-C1B4-AA44-ABA6-822AA63374D2}"/>
+                </a:ext>
+              </a:extLst>
+            </p:cNvPr>
+            <p:cNvCxnSpPr>
+              <a:cxnSpLocks/>
+              <a:endCxn id="11" idx="1"/>
+            </p:cNvCxnSpPr>
+            <p:nvPr/>
+          </p:nvCxnSpPr>
+          <p:spPr>
+            <a:xfrm>
+              <a:off x="2233408" y="3637015"/>
+              <a:ext cx="2067769" cy="1584121"/>
+            </a:xfrm>
+            <a:prstGeom prst="straightConnector1">
+              <a:avLst/>
+            </a:prstGeom>
+            <a:ln>
+              <a:headEnd type="none" w="lg" len="lg"/>
+              <a:tailEnd type="triangle" w="lg" len="lg"/>
+            </a:ln>
+          </p:spPr>
+          <p:style>
+            <a:lnRef idx="2">
+              <a:schemeClr val="accent1"/>
+            </a:lnRef>
+            <a:fillRef idx="0">
+              <a:schemeClr val="accent1"/>
+            </a:fillRef>
+            <a:effectRef idx="1">
+              <a:schemeClr val="accent1"/>
+            </a:effectRef>
+            <a:fontRef idx="minor">
+              <a:schemeClr val="tx1"/>
+            </a:fontRef>
+          </p:style>
+        </p:cxnSp>
+        <p:cxnSp>
+          <p:nvCxnSpPr>
+            <p:cNvPr id="44" name="Straight Arrow Connector 43">
+              <a:extLst>
+                <a:ext uri="{FF2B5EF4-FFF2-40B4-BE49-F238E27FC236}">
+                  <a16:creationId xmlns:a16="http://schemas.microsoft.com/office/drawing/2014/main" id="{9431BC94-9392-A842-A77D-9E941010B8F7}"/>
+                </a:ext>
+              </a:extLst>
+            </p:cNvPr>
+            <p:cNvCxnSpPr>
+              <a:cxnSpLocks/>
+              <a:endCxn id="23" idx="1"/>
+            </p:cNvCxnSpPr>
+            <p:nvPr/>
+          </p:nvCxnSpPr>
+          <p:spPr>
+            <a:xfrm flipV="1">
+              <a:off x="2194844" y="2107821"/>
+              <a:ext cx="2085223" cy="1506772"/>
+            </a:xfrm>
+            <a:prstGeom prst="straightConnector1">
+              <a:avLst/>
+            </a:prstGeom>
+            <a:ln>
+              <a:headEnd type="none" w="lg" len="lg"/>
+              <a:tailEnd type="triangle" w="lg" len="lg"/>
+            </a:ln>
+          </p:spPr>
+          <p:style>
+            <a:lnRef idx="2">
+              <a:schemeClr val="accent1"/>
+            </a:lnRef>
+            <a:fillRef idx="0">
+              <a:schemeClr val="accent1"/>
+            </a:fillRef>
+            <a:effectRef idx="1">
+              <a:schemeClr val="accent1"/>
+            </a:effectRef>
+            <a:fontRef idx="minor">
+              <a:schemeClr val="tx1"/>
+            </a:fontRef>
+          </p:style>
+        </p:cxnSp>
+        <p:cxnSp>
+          <p:nvCxnSpPr>
+            <p:cNvPr id="45" name="Straight Arrow Connector 44">
+              <a:extLst>
+                <a:ext uri="{FF2B5EF4-FFF2-40B4-BE49-F238E27FC236}">
+                  <a16:creationId xmlns:a16="http://schemas.microsoft.com/office/drawing/2014/main" id="{9AB6BF3F-6717-F440-8B4C-7A7757602DFE}"/>
+                </a:ext>
+              </a:extLst>
+            </p:cNvPr>
+            <p:cNvCxnSpPr>
+              <a:cxnSpLocks/>
+              <a:stCxn id="35" idx="0"/>
+            </p:cNvCxnSpPr>
+            <p:nvPr/>
+          </p:nvCxnSpPr>
+          <p:spPr>
+            <a:xfrm flipH="1" flipV="1">
+              <a:off x="1495249" y="2183148"/>
+              <a:ext cx="15126" cy="1050784"/>
+            </a:xfrm>
+            <a:prstGeom prst="straightConnector1">
+              <a:avLst/>
+            </a:prstGeom>
+            <a:ln>
+              <a:headEnd type="none" w="lg" len="lg"/>
+              <a:tailEnd type="triangle" w="lg" len="lg"/>
+            </a:ln>
+          </p:spPr>
+          <p:style>
+            <a:lnRef idx="2">
+              <a:schemeClr val="accent1"/>
+            </a:lnRef>
+            <a:fillRef idx="0">
+              <a:schemeClr val="accent1"/>
+            </a:fillRef>
+            <a:effectRef idx="1">
+              <a:schemeClr val="accent1"/>
+            </a:effectRef>
+            <a:fontRef idx="minor">
+              <a:schemeClr val="tx1"/>
+            </a:fontRef>
+          </p:style>
+        </p:cxnSp>
+        <p:sp>
+          <p:nvSpPr>
+            <p:cNvPr id="46" name="Rectangle 45">
+              <a:extLst>
+                <a:ext uri="{FF2B5EF4-FFF2-40B4-BE49-F238E27FC236}">
+                  <a16:creationId xmlns:a16="http://schemas.microsoft.com/office/drawing/2014/main" id="{976FC416-1B0D-D64A-92FF-097CF115855C}"/>
+                </a:ext>
+              </a:extLst>
+            </p:cNvPr>
+            <p:cNvSpPr/>
+            <p:nvPr/>
+          </p:nvSpPr>
+          <p:spPr>
+            <a:xfrm>
+              <a:off x="1561182" y="2736121"/>
+              <a:ext cx="657783" cy="307777"/>
+            </a:xfrm>
+            <a:prstGeom prst="rect">
+              <a:avLst/>
+            </a:prstGeom>
+          </p:spPr>
+          <p:txBody>
+            <a:bodyPr wrap="square">
+              <a:spAutoFit/>
+            </a:bodyPr>
+            <a:lstStyle/>
+            <a:p>
+              <a:r>
+                <a:rPr lang="en-US" sz="1400" dirty="0">
+                  <a:solidFill>
+                    <a:srgbClr val="333333"/>
+                  </a:solidFill>
+                  <a:latin typeface="verdana" panose="020B0604030504040204" pitchFamily="34" charset="0"/>
+                </a:rPr>
+                <a:t>0..1</a:t>
+              </a:r>
+              <a:endParaRPr lang="en-US" sz="1400" dirty="0"/>
+            </a:p>
+          </p:txBody>
+        </p:sp>
+        <p:sp>
+          <p:nvSpPr>
+            <p:cNvPr id="47" name="Rectangle 46">
+              <a:extLst>
+                <a:ext uri="{FF2B5EF4-FFF2-40B4-BE49-F238E27FC236}">
+                  <a16:creationId xmlns:a16="http://schemas.microsoft.com/office/drawing/2014/main" id="{D7604876-6214-8A42-9DBA-B3578EFBF73B}"/>
+                </a:ext>
+              </a:extLst>
+            </p:cNvPr>
+            <p:cNvSpPr/>
+            <p:nvPr/>
+          </p:nvSpPr>
+          <p:spPr>
+            <a:xfrm>
+              <a:off x="1529630" y="4142948"/>
+              <a:ext cx="657783" cy="307777"/>
+            </a:xfrm>
+            <a:prstGeom prst="rect">
+              <a:avLst/>
+            </a:prstGeom>
+          </p:spPr>
+          <p:txBody>
+            <a:bodyPr wrap="square">
+              <a:spAutoFit/>
+            </a:bodyPr>
+            <a:lstStyle/>
+            <a:p>
+              <a:r>
+                <a:rPr lang="en-US" sz="1400" dirty="0">
+                  <a:solidFill>
+                    <a:srgbClr val="333333"/>
+                  </a:solidFill>
+                  <a:latin typeface="verdana" panose="020B0604030504040204" pitchFamily="34" charset="0"/>
+                </a:rPr>
+                <a:t>0..1</a:t>
+              </a:r>
+              <a:endParaRPr lang="en-US" sz="1400" dirty="0"/>
+            </a:p>
+          </p:txBody>
+        </p:sp>
+        <p:sp>
+          <p:nvSpPr>
+            <p:cNvPr id="48" name="Rectangle 47">
+              <a:extLst>
+                <a:ext uri="{FF2B5EF4-FFF2-40B4-BE49-F238E27FC236}">
+                  <a16:creationId xmlns:a16="http://schemas.microsoft.com/office/drawing/2014/main" id="{AF2721CC-313B-024F-BE85-71F711A6151D}"/>
+                </a:ext>
+              </a:extLst>
+            </p:cNvPr>
+            <p:cNvSpPr/>
+            <p:nvPr/>
+          </p:nvSpPr>
+          <p:spPr>
+            <a:xfrm>
+              <a:off x="2672621" y="2598352"/>
+              <a:ext cx="657783" cy="307777"/>
+            </a:xfrm>
+            <a:prstGeom prst="rect">
+              <a:avLst/>
+            </a:prstGeom>
+          </p:spPr>
+          <p:txBody>
+            <a:bodyPr wrap="square">
+              <a:spAutoFit/>
+            </a:bodyPr>
+            <a:lstStyle/>
+            <a:p>
+              <a:r>
+                <a:rPr lang="en-US" sz="1400" dirty="0">
+                  <a:solidFill>
+                    <a:srgbClr val="333333"/>
+                  </a:solidFill>
+                  <a:latin typeface="verdana" panose="020B0604030504040204" pitchFamily="34" charset="0"/>
+                </a:rPr>
+                <a:t>0..*</a:t>
+              </a:r>
+              <a:endParaRPr lang="en-US" sz="1400" dirty="0"/>
+            </a:p>
+          </p:txBody>
+        </p:sp>
+        <p:sp>
+          <p:nvSpPr>
+            <p:cNvPr id="49" name="Rectangle 48">
+              <a:extLst>
+                <a:ext uri="{FF2B5EF4-FFF2-40B4-BE49-F238E27FC236}">
+                  <a16:creationId xmlns:a16="http://schemas.microsoft.com/office/drawing/2014/main" id="{C0035825-946F-FF4B-8869-6A5BCBD5D6EC}"/>
+                </a:ext>
+              </a:extLst>
+            </p:cNvPr>
+            <p:cNvSpPr/>
+            <p:nvPr/>
+          </p:nvSpPr>
+          <p:spPr>
+            <a:xfrm>
+              <a:off x="2960474" y="3509002"/>
+              <a:ext cx="657783" cy="307777"/>
+            </a:xfrm>
+            <a:prstGeom prst="rect">
+              <a:avLst/>
+            </a:prstGeom>
+          </p:spPr>
+          <p:txBody>
+            <a:bodyPr wrap="square">
+              <a:spAutoFit/>
+            </a:bodyPr>
+            <a:lstStyle/>
+            <a:p>
+              <a:r>
+                <a:rPr lang="en-US" sz="1400" dirty="0">
+                  <a:solidFill>
+                    <a:srgbClr val="333333"/>
+                  </a:solidFill>
+                  <a:latin typeface="verdana" panose="020B0604030504040204" pitchFamily="34" charset="0"/>
+                </a:rPr>
+                <a:t>0..*</a:t>
+              </a:r>
+              <a:endParaRPr lang="en-US" sz="1400" dirty="0"/>
+            </a:p>
+          </p:txBody>
+        </p:sp>
+        <p:cxnSp>
+          <p:nvCxnSpPr>
+            <p:cNvPr id="62" name="Straight Arrow Connector 61">
+              <a:extLst>
+                <a:ext uri="{FF2B5EF4-FFF2-40B4-BE49-F238E27FC236}">
+                  <a16:creationId xmlns:a16="http://schemas.microsoft.com/office/drawing/2014/main" id="{F1FFF47A-C941-4C44-A12B-0120C328F0F7}"/>
+                </a:ext>
+              </a:extLst>
+            </p:cNvPr>
+            <p:cNvCxnSpPr>
+              <a:cxnSpLocks/>
+              <a:stCxn id="35" idx="3"/>
+            </p:cNvCxnSpPr>
+            <p:nvPr/>
+          </p:nvCxnSpPr>
+          <p:spPr>
+            <a:xfrm>
+              <a:off x="2182549" y="3557205"/>
+              <a:ext cx="2073263" cy="548660"/>
+            </a:xfrm>
+            <a:prstGeom prst="straightConnector1">
+              <a:avLst/>
+            </a:prstGeom>
+            <a:ln>
+              <a:headEnd type="none" w="lg" len="lg"/>
+              <a:tailEnd type="triangle" w="lg" len="lg"/>
+            </a:ln>
+          </p:spPr>
+          <p:style>
+            <a:lnRef idx="2">
+              <a:schemeClr val="accent1"/>
+            </a:lnRef>
+            <a:fillRef idx="0">
+              <a:schemeClr val="accent1"/>
+            </a:fillRef>
+            <a:effectRef idx="1">
+              <a:schemeClr val="accent1"/>
+            </a:effectRef>
+            <a:fontRef idx="minor">
+              <a:schemeClr val="tx1"/>
+            </a:fontRef>
+          </p:style>
+        </p:cxnSp>
+        <p:sp>
+          <p:nvSpPr>
+            <p:cNvPr id="73" name="TextBox 72">
+              <a:extLst>
+                <a:ext uri="{FF2B5EF4-FFF2-40B4-BE49-F238E27FC236}">
+                  <a16:creationId xmlns:a16="http://schemas.microsoft.com/office/drawing/2014/main" id="{763C87CF-D40E-F140-9F36-ABDA77D736F6}"/>
+                </a:ext>
+              </a:extLst>
+            </p:cNvPr>
+            <p:cNvSpPr txBox="1"/>
+            <p:nvPr/>
+          </p:nvSpPr>
+          <p:spPr>
+            <a:xfrm>
+              <a:off x="8915533" y="4850333"/>
+              <a:ext cx="797013" cy="369332"/>
+            </a:xfrm>
+            <a:prstGeom prst="rect">
+              <a:avLst/>
+            </a:prstGeom>
+            <a:noFill/>
+          </p:spPr>
+          <p:txBody>
+            <a:bodyPr wrap="none" rtlCol="0">
+              <a:spAutoFit/>
+            </a:bodyPr>
+            <a:lstStyle/>
+            <a:p>
+              <a:r>
+                <a:rPr lang="en-US" dirty="0" err="1"/>
+                <a:t>partOf</a:t>
+              </a:r>
+              <a:endParaRPr lang="en-US" dirty="0"/>
+            </a:p>
+          </p:txBody>
+        </p:sp>
+        <p:sp>
+          <p:nvSpPr>
+            <p:cNvPr id="74" name="Rectangle 73">
+              <a:extLst>
+                <a:ext uri="{FF2B5EF4-FFF2-40B4-BE49-F238E27FC236}">
+                  <a16:creationId xmlns:a16="http://schemas.microsoft.com/office/drawing/2014/main" id="{85095D09-9731-E64E-AC8C-4BC5D600C25F}"/>
+                </a:ext>
+              </a:extLst>
+            </p:cNvPr>
+            <p:cNvSpPr/>
+            <p:nvPr/>
+          </p:nvSpPr>
+          <p:spPr>
+            <a:xfrm>
+              <a:off x="8443012" y="4615694"/>
+              <a:ext cx="657783" cy="307777"/>
+            </a:xfrm>
+            <a:prstGeom prst="rect">
+              <a:avLst/>
+            </a:prstGeom>
+          </p:spPr>
+          <p:txBody>
+            <a:bodyPr wrap="square">
+              <a:spAutoFit/>
+            </a:bodyPr>
+            <a:lstStyle/>
+            <a:p>
+              <a:r>
+                <a:rPr lang="en-US" sz="1400" dirty="0">
+                  <a:solidFill>
+                    <a:srgbClr val="333333"/>
+                  </a:solidFill>
+                  <a:latin typeface="verdana" panose="020B0604030504040204" pitchFamily="34" charset="0"/>
+                </a:rPr>
+                <a:t>0..1</a:t>
+              </a:r>
+              <a:endParaRPr lang="en-US" sz="1400" dirty="0"/>
+            </a:p>
+          </p:txBody>
+        </p:sp>
+        <p:sp>
+          <p:nvSpPr>
+            <p:cNvPr id="75" name="Curved Left Arrow 74">
+              <a:extLst>
+                <a:ext uri="{FF2B5EF4-FFF2-40B4-BE49-F238E27FC236}">
+                  <a16:creationId xmlns:a16="http://schemas.microsoft.com/office/drawing/2014/main" id="{93570988-85D9-E640-ABBB-1D2A51BB4E89}"/>
+                </a:ext>
+              </a:extLst>
+            </p:cNvPr>
+            <p:cNvSpPr/>
+            <p:nvPr/>
+          </p:nvSpPr>
+          <p:spPr>
+            <a:xfrm>
+              <a:off x="8565577" y="4969643"/>
+              <a:ext cx="349956" cy="365125"/>
+            </a:xfrm>
+            <a:prstGeom prst="curvedLeftArrow">
+              <a:avLst/>
+            </a:prstGeom>
+          </p:spPr>
+          <p:style>
+            <a:lnRef idx="2">
+              <a:schemeClr val="accent1">
+                <a:shade val="50000"/>
+              </a:schemeClr>
+            </a:lnRef>
+            <a:fillRef idx="1">
+              <a:schemeClr val="accent1"/>
+            </a:fillRef>
+            <a:effectRef idx="0">
+              <a:schemeClr val="accent1"/>
+            </a:effectRef>
+            <a:fontRef idx="minor">
+              <a:schemeClr val="lt1"/>
+            </a:fontRef>
+          </p:style>
+          <p:txBody>
+            <a:bodyPr rtlCol="0" anchor="ctr"/>
+            <a:lstStyle/>
+            <a:p>
+              <a:pPr algn="ctr"/>
+              <a:endParaRPr lang="en-US">
+                <a:solidFill>
+                  <a:schemeClr val="tx1"/>
+                </a:solidFill>
+              </a:endParaRPr>
+            </a:p>
+          </p:txBody>
+        </p:sp>
+        <p:cxnSp>
+          <p:nvCxnSpPr>
+            <p:cNvPr id="76" name="Straight Arrow Connector 75">
+              <a:extLst>
+                <a:ext uri="{FF2B5EF4-FFF2-40B4-BE49-F238E27FC236}">
+                  <a16:creationId xmlns:a16="http://schemas.microsoft.com/office/drawing/2014/main" id="{CEEDA36D-01D4-2247-B8D0-28A93B2C9E20}"/>
+                </a:ext>
+              </a:extLst>
+            </p:cNvPr>
+            <p:cNvCxnSpPr>
+              <a:cxnSpLocks/>
+              <a:stCxn id="35" idx="3"/>
+              <a:endCxn id="19" idx="1"/>
+            </p:cNvCxnSpPr>
+            <p:nvPr/>
+          </p:nvCxnSpPr>
+          <p:spPr>
+            <a:xfrm flipV="1">
+              <a:off x="2182549" y="3113338"/>
+              <a:ext cx="2091887" cy="443867"/>
+            </a:xfrm>
+            <a:prstGeom prst="straightConnector1">
+              <a:avLst/>
+            </a:prstGeom>
+            <a:ln>
+              <a:headEnd type="none" w="lg" len="lg"/>
+              <a:tailEnd type="triangle" w="lg" len="lg"/>
+            </a:ln>
+          </p:spPr>
+          <p:style>
+            <a:lnRef idx="2">
+              <a:schemeClr val="accent1"/>
+            </a:lnRef>
+            <a:fillRef idx="0">
+              <a:schemeClr val="accent1"/>
+            </a:fillRef>
+            <a:effectRef idx="1">
+              <a:schemeClr val="accent1"/>
+            </a:effectRef>
+            <a:fontRef idx="minor">
+              <a:schemeClr val="tx1"/>
+            </a:fontRef>
+          </p:style>
+        </p:cxnSp>
+        <p:sp>
+          <p:nvSpPr>
+            <p:cNvPr id="79" name="Rectangle 78">
+              <a:extLst>
+                <a:ext uri="{FF2B5EF4-FFF2-40B4-BE49-F238E27FC236}">
+                  <a16:creationId xmlns:a16="http://schemas.microsoft.com/office/drawing/2014/main" id="{82C01AA8-1F26-8945-9471-C0E9BB5D137D}"/>
+                </a:ext>
+              </a:extLst>
+            </p:cNvPr>
+            <p:cNvSpPr/>
+            <p:nvPr/>
+          </p:nvSpPr>
+          <p:spPr>
+            <a:xfrm>
+              <a:off x="2980702" y="3018471"/>
+              <a:ext cx="657783" cy="307777"/>
+            </a:xfrm>
+            <a:prstGeom prst="rect">
+              <a:avLst/>
+            </a:prstGeom>
+          </p:spPr>
+          <p:txBody>
+            <a:bodyPr wrap="square">
+              <a:spAutoFit/>
+            </a:bodyPr>
+            <a:lstStyle/>
+            <a:p>
+              <a:r>
+                <a:rPr lang="en-US" sz="1400" dirty="0">
+                  <a:solidFill>
+                    <a:srgbClr val="333333"/>
+                  </a:solidFill>
+                  <a:latin typeface="verdana" panose="020B0604030504040204" pitchFamily="34" charset="0"/>
+                </a:rPr>
+                <a:t>0..*</a:t>
+              </a:r>
+              <a:endParaRPr lang="en-US" sz="1400" dirty="0"/>
+            </a:p>
+          </p:txBody>
+        </p:sp>
+        <p:sp>
+          <p:nvSpPr>
+            <p:cNvPr id="80" name="Rectangle 79">
+              <a:extLst>
+                <a:ext uri="{FF2B5EF4-FFF2-40B4-BE49-F238E27FC236}">
+                  <a16:creationId xmlns:a16="http://schemas.microsoft.com/office/drawing/2014/main" id="{020EF6C3-943A-0843-90E1-11795599503E}"/>
+                </a:ext>
+              </a:extLst>
+            </p:cNvPr>
+            <p:cNvSpPr/>
+            <p:nvPr/>
+          </p:nvSpPr>
+          <p:spPr>
+            <a:xfrm>
+              <a:off x="3051092" y="4052348"/>
+              <a:ext cx="657783" cy="307777"/>
+            </a:xfrm>
+            <a:prstGeom prst="rect">
+              <a:avLst/>
+            </a:prstGeom>
+          </p:spPr>
+          <p:txBody>
+            <a:bodyPr wrap="square">
+              <a:spAutoFit/>
+            </a:bodyPr>
+            <a:lstStyle/>
+            <a:p>
+              <a:r>
+                <a:rPr lang="en-US" sz="1400" dirty="0">
+                  <a:solidFill>
+                    <a:srgbClr val="333333"/>
+                  </a:solidFill>
+                  <a:latin typeface="verdana" panose="020B0604030504040204" pitchFamily="34" charset="0"/>
+                </a:rPr>
+                <a:t>0..*</a:t>
+              </a:r>
+              <a:endParaRPr lang="en-US" sz="1400" dirty="0"/>
+            </a:p>
+          </p:txBody>
+        </p:sp>
+        <p:sp>
+          <p:nvSpPr>
+            <p:cNvPr id="81" name="Rounded Rectangle 80">
+              <a:extLst>
+                <a:ext uri="{FF2B5EF4-FFF2-40B4-BE49-F238E27FC236}">
+                  <a16:creationId xmlns:a16="http://schemas.microsoft.com/office/drawing/2014/main" id="{D95E67C5-8355-AC47-92CB-6C6E98F66BEF}"/>
+                </a:ext>
+              </a:extLst>
+            </p:cNvPr>
+            <p:cNvSpPr/>
+            <p:nvPr/>
+          </p:nvSpPr>
+          <p:spPr>
+            <a:xfrm>
+              <a:off x="4020835" y="667086"/>
+              <a:ext cx="1700458" cy="646546"/>
+            </a:xfrm>
+            <a:prstGeom prst="roundRect">
+              <a:avLst/>
+            </a:prstGeom>
+            <a:solidFill>
+              <a:schemeClr val="accent1">
+                <a:lumMod val="20000"/>
+                <a:lumOff val="80000"/>
+              </a:schemeClr>
+            </a:solidFill>
+          </p:spPr>
+          <p:style>
+            <a:lnRef idx="1">
+              <a:schemeClr val="accent1"/>
+            </a:lnRef>
+            <a:fillRef idx="3">
+              <a:schemeClr val="accent1"/>
+            </a:fillRef>
+            <a:effectRef idx="2">
+              <a:schemeClr val="accent1"/>
+            </a:effectRef>
+            <a:fontRef idx="minor">
+              <a:schemeClr val="lt1"/>
+            </a:fontRef>
+          </p:style>
+          <p:txBody>
+            <a:bodyPr rtlCol="0" anchor="ctr"/>
+            <a:lstStyle/>
+            <a:p>
+              <a:pPr algn="ctr"/>
+              <a:r>
+                <a:rPr lang="en-US" sz="1600" dirty="0">
+                  <a:solidFill>
+                    <a:sysClr val="windowText" lastClr="000000"/>
+                  </a:solidFill>
+                </a:rPr>
+                <a:t>Organization</a:t>
+              </a:r>
+            </a:p>
+          </p:txBody>
+        </p:sp>
+        <p:sp>
+          <p:nvSpPr>
+            <p:cNvPr id="83" name="Rounded Rectangle 82">
+              <a:extLst>
+                <a:ext uri="{FF2B5EF4-FFF2-40B4-BE49-F238E27FC236}">
+                  <a16:creationId xmlns:a16="http://schemas.microsoft.com/office/drawing/2014/main" id="{FE2940BE-806C-B747-B5C7-45CE2DF41561}"/>
+                </a:ext>
+              </a:extLst>
+            </p:cNvPr>
+            <p:cNvSpPr/>
+            <p:nvPr/>
+          </p:nvSpPr>
+          <p:spPr>
+            <a:xfrm>
+              <a:off x="7040840" y="1788430"/>
+              <a:ext cx="1700458" cy="646546"/>
+            </a:xfrm>
+            <a:prstGeom prst="roundRect">
+              <a:avLst/>
+            </a:prstGeom>
+            <a:solidFill>
+              <a:schemeClr val="accent1">
+                <a:lumMod val="20000"/>
+                <a:lumOff val="80000"/>
+              </a:schemeClr>
+            </a:solidFill>
+          </p:spPr>
+          <p:style>
+            <a:lnRef idx="1">
+              <a:schemeClr val="accent1"/>
+            </a:lnRef>
+            <a:fillRef idx="3">
+              <a:schemeClr val="accent1"/>
+            </a:fillRef>
+            <a:effectRef idx="2">
+              <a:schemeClr val="accent1"/>
+            </a:effectRef>
+            <a:fontRef idx="minor">
+              <a:schemeClr val="lt1"/>
+            </a:fontRef>
+          </p:style>
+          <p:txBody>
+            <a:bodyPr rtlCol="0" anchor="ctr"/>
+            <a:lstStyle/>
+            <a:p>
+              <a:pPr algn="ctr"/>
+              <a:r>
+                <a:rPr lang="en-US" sz="1600" dirty="0" err="1">
+                  <a:solidFill>
+                    <a:sysClr val="windowText" lastClr="000000"/>
+                  </a:solidFill>
+                </a:rPr>
+                <a:t>InsurancePlan</a:t>
+              </a:r>
+              <a:endParaRPr lang="en-US" sz="1600" dirty="0">
                 <a:solidFill>
                   <a:sysClr val="windowText" lastClr="000000"/>
                 </a:solidFill>
-              </a:rPr>
-              <a:t>Practitioner</a:t>
-            </a:r>
-          </a:p>
-          <a:p>
-            <a:pPr algn="ctr"/>
-            <a:r>
-              <a:rPr lang="en-US" sz="1600" dirty="0">
+              </a:endParaRPr>
+            </a:p>
+          </p:txBody>
+        </p:sp>
+        <p:cxnSp>
+          <p:nvCxnSpPr>
+            <p:cNvPr id="84" name="Straight Arrow Connector 83">
+              <a:extLst>
+                <a:ext uri="{FF2B5EF4-FFF2-40B4-BE49-F238E27FC236}">
+                  <a16:creationId xmlns:a16="http://schemas.microsoft.com/office/drawing/2014/main" id="{053E48BF-643D-3941-8E57-5652562EF307}"/>
+                </a:ext>
+              </a:extLst>
+            </p:cNvPr>
+            <p:cNvCxnSpPr>
+              <a:cxnSpLocks/>
+            </p:cNvCxnSpPr>
+            <p:nvPr/>
+          </p:nvCxnSpPr>
+          <p:spPr>
+            <a:xfrm flipV="1">
+              <a:off x="4947842" y="1313632"/>
+              <a:ext cx="0" cy="453297"/>
+            </a:xfrm>
+            <a:prstGeom prst="straightConnector1">
+              <a:avLst/>
+            </a:prstGeom>
+            <a:ln>
+              <a:headEnd type="none" w="lg" len="lg"/>
+              <a:tailEnd type="triangle" w="lg" len="lg"/>
+            </a:ln>
+          </p:spPr>
+          <p:style>
+            <a:lnRef idx="2">
+              <a:schemeClr val="accent1"/>
+            </a:lnRef>
+            <a:fillRef idx="0">
+              <a:schemeClr val="accent1"/>
+            </a:fillRef>
+            <a:effectRef idx="1">
+              <a:schemeClr val="accent1"/>
+            </a:effectRef>
+            <a:fontRef idx="minor">
+              <a:schemeClr val="tx1"/>
+            </a:fontRef>
+          </p:style>
+        </p:cxnSp>
+        <p:cxnSp>
+          <p:nvCxnSpPr>
+            <p:cNvPr id="86" name="Straight Arrow Connector 85">
+              <a:extLst>
+                <a:ext uri="{FF2B5EF4-FFF2-40B4-BE49-F238E27FC236}">
+                  <a16:creationId xmlns:a16="http://schemas.microsoft.com/office/drawing/2014/main" id="{77DEFD5C-CA41-0D4D-9BA4-C50996680A4E}"/>
+                </a:ext>
+              </a:extLst>
+            </p:cNvPr>
+            <p:cNvCxnSpPr>
+              <a:cxnSpLocks/>
+              <a:stCxn id="83" idx="0"/>
+              <a:endCxn id="81" idx="3"/>
+            </p:cNvCxnSpPr>
+            <p:nvPr/>
+          </p:nvCxnSpPr>
+          <p:spPr>
+            <a:xfrm flipH="1" flipV="1">
+              <a:off x="5721293" y="990359"/>
+              <a:ext cx="2169776" cy="798071"/>
+            </a:xfrm>
+            <a:prstGeom prst="straightConnector1">
+              <a:avLst/>
+            </a:prstGeom>
+            <a:ln>
+              <a:headEnd type="none" w="lg" len="lg"/>
+              <a:tailEnd type="triangle" w="lg" len="lg"/>
+            </a:ln>
+          </p:spPr>
+          <p:style>
+            <a:lnRef idx="2">
+              <a:schemeClr val="accent1"/>
+            </a:lnRef>
+            <a:fillRef idx="0">
+              <a:schemeClr val="accent1"/>
+            </a:fillRef>
+            <a:effectRef idx="1">
+              <a:schemeClr val="accent1"/>
+            </a:effectRef>
+            <a:fontRef idx="minor">
+              <a:schemeClr val="tx1"/>
+            </a:fontRef>
+          </p:style>
+        </p:cxnSp>
+        <p:sp>
+          <p:nvSpPr>
+            <p:cNvPr id="90" name="TextBox 89">
+              <a:extLst>
+                <a:ext uri="{FF2B5EF4-FFF2-40B4-BE49-F238E27FC236}">
+                  <a16:creationId xmlns:a16="http://schemas.microsoft.com/office/drawing/2014/main" id="{2EFDA358-F371-2847-B41A-1B7F476B7CDF}"/>
+                </a:ext>
+              </a:extLst>
+            </p:cNvPr>
+            <p:cNvSpPr txBox="1"/>
+            <p:nvPr/>
+          </p:nvSpPr>
+          <p:spPr>
+            <a:xfrm>
+              <a:off x="2760160" y="808299"/>
+              <a:ext cx="797013" cy="369332"/>
+            </a:xfrm>
+            <a:prstGeom prst="rect">
+              <a:avLst/>
+            </a:prstGeom>
+            <a:noFill/>
+          </p:spPr>
+          <p:txBody>
+            <a:bodyPr wrap="none" rtlCol="0">
+              <a:spAutoFit/>
+            </a:bodyPr>
+            <a:lstStyle/>
+            <a:p>
+              <a:r>
+                <a:rPr lang="en-US" dirty="0" err="1"/>
+                <a:t>partOf</a:t>
+              </a:r>
+              <a:endParaRPr lang="en-US" dirty="0"/>
+            </a:p>
+          </p:txBody>
+        </p:sp>
+        <p:sp>
+          <p:nvSpPr>
+            <p:cNvPr id="91" name="Rectangle 90">
+              <a:extLst>
+                <a:ext uri="{FF2B5EF4-FFF2-40B4-BE49-F238E27FC236}">
+                  <a16:creationId xmlns:a16="http://schemas.microsoft.com/office/drawing/2014/main" id="{7C4A11AA-3DCC-A443-B9C7-CC5796F69287}"/>
+                </a:ext>
+              </a:extLst>
+            </p:cNvPr>
+            <p:cNvSpPr/>
+            <p:nvPr/>
+          </p:nvSpPr>
+          <p:spPr>
+            <a:xfrm>
+              <a:off x="3488748" y="459877"/>
+              <a:ext cx="657783" cy="307777"/>
+            </a:xfrm>
+            <a:prstGeom prst="rect">
+              <a:avLst/>
+            </a:prstGeom>
+          </p:spPr>
+          <p:txBody>
+            <a:bodyPr wrap="square">
+              <a:spAutoFit/>
+            </a:bodyPr>
+            <a:lstStyle/>
+            <a:p>
+              <a:r>
+                <a:rPr lang="en-US" sz="1400" dirty="0">
+                  <a:solidFill>
+                    <a:srgbClr val="333333"/>
+                  </a:solidFill>
+                  <a:latin typeface="verdana" panose="020B0604030504040204" pitchFamily="34" charset="0"/>
+                </a:rPr>
+                <a:t>0..1</a:t>
+              </a:r>
+              <a:endParaRPr lang="en-US" sz="1400" dirty="0"/>
+            </a:p>
+          </p:txBody>
+        </p:sp>
+        <p:sp>
+          <p:nvSpPr>
+            <p:cNvPr id="92" name="Curved Left Arrow 91">
+              <a:extLst>
+                <a:ext uri="{FF2B5EF4-FFF2-40B4-BE49-F238E27FC236}">
+                  <a16:creationId xmlns:a16="http://schemas.microsoft.com/office/drawing/2014/main" id="{EDD70B0E-4120-254C-9E5D-BAFD53EFAA48}"/>
+                </a:ext>
+              </a:extLst>
+            </p:cNvPr>
+            <p:cNvSpPr/>
+            <p:nvPr/>
+          </p:nvSpPr>
+          <p:spPr>
+            <a:xfrm flipH="1">
+              <a:off x="3611313" y="813826"/>
+              <a:ext cx="349956" cy="365125"/>
+            </a:xfrm>
+            <a:prstGeom prst="curvedLeftArrow">
+              <a:avLst/>
+            </a:prstGeom>
+          </p:spPr>
+          <p:style>
+            <a:lnRef idx="2">
+              <a:schemeClr val="accent1">
+                <a:shade val="50000"/>
+              </a:schemeClr>
+            </a:lnRef>
+            <a:fillRef idx="1">
+              <a:schemeClr val="accent1"/>
+            </a:fillRef>
+            <a:effectRef idx="0">
+              <a:schemeClr val="accent1"/>
+            </a:effectRef>
+            <a:fontRef idx="minor">
+              <a:schemeClr val="lt1"/>
+            </a:fontRef>
+          </p:style>
+          <p:txBody>
+            <a:bodyPr rtlCol="0" anchor="ctr"/>
+            <a:lstStyle/>
+            <a:p>
+              <a:pPr algn="ctr"/>
+              <a:endParaRPr lang="en-US">
                 <a:solidFill>
-                  <a:sysClr val="windowText" lastClr="000000"/>
+                  <a:schemeClr val="tx1"/>
                 </a:solidFill>
-              </a:rPr>
-              <a:t>Role</a:t>
-            </a:r>
-          </a:p>
-        </p:txBody>
-      </p:sp>
-      <p:cxnSp>
-        <p:nvCxnSpPr>
-          <p:cNvPr id="37" name="Straight Arrow Connector 36">
-            <a:extLst>
-              <a:ext uri="{FF2B5EF4-FFF2-40B4-BE49-F238E27FC236}">
-                <a16:creationId xmlns:a16="http://schemas.microsoft.com/office/drawing/2014/main" id="{3DAF5524-6305-D946-876C-F567255CE477}"/>
-              </a:ext>
-            </a:extLst>
-          </p:cNvPr>
-          <p:cNvCxnSpPr>
-            <a:stCxn id="35" idx="2"/>
-            <a:endCxn id="39" idx="0"/>
-          </p:cNvCxnSpPr>
-          <p:nvPr/>
-        </p:nvCxnSpPr>
-        <p:spPr>
-          <a:xfrm>
-            <a:off x="1510375" y="3880478"/>
-            <a:ext cx="0" cy="975415"/>
-          </a:xfrm>
-          <a:prstGeom prst="straightConnector1">
-            <a:avLst/>
-          </a:prstGeom>
-          <a:ln>
-            <a:headEnd type="none" w="lg" len="lg"/>
-            <a:tailEnd type="triangle" w="lg" len="lg"/>
-          </a:ln>
-        </p:spPr>
-        <p:style>
-          <a:lnRef idx="2">
-            <a:schemeClr val="accent1"/>
-          </a:lnRef>
-          <a:fillRef idx="0">
-            <a:schemeClr val="accent1"/>
-          </a:fillRef>
-          <a:effectRef idx="1">
-            <a:schemeClr val="accent1"/>
-          </a:effectRef>
-          <a:fontRef idx="minor">
-            <a:schemeClr val="tx1"/>
-          </a:fontRef>
-        </p:style>
-      </p:cxnSp>
-      <p:sp>
-        <p:nvSpPr>
-          <p:cNvPr id="39" name="Rounded Rectangle 26">
-            <a:extLst>
-              <a:ext uri="{FF2B5EF4-FFF2-40B4-BE49-F238E27FC236}">
-                <a16:creationId xmlns:a16="http://schemas.microsoft.com/office/drawing/2014/main" id="{B3F50D37-1482-1345-9977-0352A11CB003}"/>
-              </a:ext>
-            </a:extLst>
-          </p:cNvPr>
-          <p:cNvSpPr/>
-          <p:nvPr/>
-        </p:nvSpPr>
-        <p:spPr>
-          <a:xfrm>
-            <a:off x="838200" y="4855893"/>
-            <a:ext cx="1344349" cy="646546"/>
-          </a:xfrm>
-          <a:prstGeom prst="roundRect">
-            <a:avLst/>
-          </a:prstGeom>
-          <a:solidFill>
-            <a:schemeClr val="accent1">
-              <a:lumMod val="20000"/>
-              <a:lumOff val="80000"/>
-            </a:schemeClr>
-          </a:solidFill>
-        </p:spPr>
-        <p:style>
-          <a:lnRef idx="1">
-            <a:schemeClr val="accent1"/>
-          </a:lnRef>
-          <a:fillRef idx="3">
-            <a:schemeClr val="accent1"/>
-          </a:fillRef>
-          <a:effectRef idx="2">
-            <a:schemeClr val="accent1"/>
-          </a:effectRef>
-          <a:fontRef idx="minor">
-            <a:schemeClr val="lt1"/>
-          </a:fontRef>
-        </p:style>
-        <p:txBody>
-          <a:bodyPr rtlCol="0" anchor="ctr"/>
-          <a:lstStyle/>
-          <a:p>
-            <a:pPr algn="ctr"/>
-            <a:r>
-              <a:rPr lang="en-US" sz="1600" dirty="0">
+              </a:endParaRPr>
+            </a:p>
+          </p:txBody>
+        </p:sp>
+        <p:cxnSp>
+          <p:nvCxnSpPr>
+            <p:cNvPr id="94" name="Straight Arrow Connector 93">
+              <a:extLst>
+                <a:ext uri="{FF2B5EF4-FFF2-40B4-BE49-F238E27FC236}">
+                  <a16:creationId xmlns:a16="http://schemas.microsoft.com/office/drawing/2014/main" id="{A73558DC-4CF4-6E45-8395-CB6FB2FC4A4B}"/>
+                </a:ext>
+              </a:extLst>
+            </p:cNvPr>
+            <p:cNvCxnSpPr>
+              <a:cxnSpLocks/>
+              <a:stCxn id="83" idx="1"/>
+              <a:endCxn id="23" idx="3"/>
+            </p:cNvCxnSpPr>
+            <p:nvPr/>
+          </p:nvCxnSpPr>
+          <p:spPr>
+            <a:xfrm flipH="1" flipV="1">
+              <a:off x="5624416" y="2107821"/>
+              <a:ext cx="1416424" cy="3882"/>
+            </a:xfrm>
+            <a:prstGeom prst="straightConnector1">
+              <a:avLst/>
+            </a:prstGeom>
+            <a:ln>
+              <a:headEnd type="none" w="lg" len="lg"/>
+              <a:tailEnd type="triangle" w="lg" len="lg"/>
+            </a:ln>
+          </p:spPr>
+          <p:style>
+            <a:lnRef idx="2">
+              <a:schemeClr val="accent1"/>
+            </a:lnRef>
+            <a:fillRef idx="0">
+              <a:schemeClr val="accent1"/>
+            </a:fillRef>
+            <a:effectRef idx="1">
+              <a:schemeClr val="accent1"/>
+            </a:effectRef>
+            <a:fontRef idx="minor">
+              <a:schemeClr val="tx1"/>
+            </a:fontRef>
+          </p:style>
+        </p:cxnSp>
+        <p:sp>
+          <p:nvSpPr>
+            <p:cNvPr id="100" name="TextBox 99">
+              <a:extLst>
+                <a:ext uri="{FF2B5EF4-FFF2-40B4-BE49-F238E27FC236}">
+                  <a16:creationId xmlns:a16="http://schemas.microsoft.com/office/drawing/2014/main" id="{CF8FEB5F-3668-6249-8949-5485C1D0FE0B}"/>
+                </a:ext>
+              </a:extLst>
+            </p:cNvPr>
+            <p:cNvSpPr txBox="1"/>
+            <p:nvPr/>
+          </p:nvSpPr>
+          <p:spPr>
+            <a:xfrm>
+              <a:off x="5897309" y="1298010"/>
+              <a:ext cx="1056764" cy="369332"/>
+            </a:xfrm>
+            <a:prstGeom prst="rect">
+              <a:avLst/>
+            </a:prstGeom>
+            <a:noFill/>
+          </p:spPr>
+          <p:txBody>
+            <a:bodyPr wrap="none" rtlCol="0">
+              <a:spAutoFit/>
+            </a:bodyPr>
+            <a:lstStyle/>
+            <a:p>
+              <a:r>
+                <a:rPr lang="en-US" dirty="0" err="1"/>
+                <a:t>ownedBy</a:t>
+              </a:r>
+              <a:endParaRPr lang="en-US" dirty="0"/>
+            </a:p>
+          </p:txBody>
+        </p:sp>
+        <p:sp>
+          <p:nvSpPr>
+            <p:cNvPr id="101" name="Rectangle 100">
+              <a:extLst>
+                <a:ext uri="{FF2B5EF4-FFF2-40B4-BE49-F238E27FC236}">
+                  <a16:creationId xmlns:a16="http://schemas.microsoft.com/office/drawing/2014/main" id="{C7B1DB05-2D3B-424D-887A-B1ECAF99D072}"/>
+                </a:ext>
+              </a:extLst>
+            </p:cNvPr>
+            <p:cNvSpPr/>
+            <p:nvPr/>
+          </p:nvSpPr>
+          <p:spPr>
+            <a:xfrm>
+              <a:off x="7002511" y="1254253"/>
+              <a:ext cx="657783" cy="307777"/>
+            </a:xfrm>
+            <a:prstGeom prst="rect">
+              <a:avLst/>
+            </a:prstGeom>
+          </p:spPr>
+          <p:txBody>
+            <a:bodyPr wrap="square">
+              <a:spAutoFit/>
+            </a:bodyPr>
+            <a:lstStyle/>
+            <a:p>
+              <a:r>
+                <a:rPr lang="en-US" sz="1400" dirty="0">
+                  <a:solidFill>
+                    <a:srgbClr val="333333"/>
+                  </a:solidFill>
+                  <a:latin typeface="verdana" panose="020B0604030504040204" pitchFamily="34" charset="0"/>
+                </a:rPr>
+                <a:t>1..1</a:t>
+              </a:r>
+              <a:endParaRPr lang="en-US" sz="1400" dirty="0"/>
+            </a:p>
+          </p:txBody>
+        </p:sp>
+        <p:sp>
+          <p:nvSpPr>
+            <p:cNvPr id="102" name="Rounded Rectangle 101">
+              <a:extLst>
+                <a:ext uri="{FF2B5EF4-FFF2-40B4-BE49-F238E27FC236}">
+                  <a16:creationId xmlns:a16="http://schemas.microsoft.com/office/drawing/2014/main" id="{A0772DEC-94EB-7648-B3B1-C464708B0690}"/>
+                </a:ext>
+              </a:extLst>
+            </p:cNvPr>
+            <p:cNvSpPr/>
+            <p:nvPr/>
+          </p:nvSpPr>
+          <p:spPr>
+            <a:xfrm>
+              <a:off x="7994651" y="600081"/>
+              <a:ext cx="1700458" cy="646546"/>
+            </a:xfrm>
+            <a:prstGeom prst="roundRect">
+              <a:avLst/>
+            </a:prstGeom>
+            <a:solidFill>
+              <a:schemeClr val="accent1">
+                <a:lumMod val="20000"/>
+                <a:lumOff val="80000"/>
+              </a:schemeClr>
+            </a:solidFill>
+          </p:spPr>
+          <p:style>
+            <a:lnRef idx="1">
+              <a:schemeClr val="accent1"/>
+            </a:lnRef>
+            <a:fillRef idx="3">
+              <a:schemeClr val="accent1"/>
+            </a:fillRef>
+            <a:effectRef idx="2">
+              <a:schemeClr val="accent1"/>
+            </a:effectRef>
+            <a:fontRef idx="minor">
+              <a:schemeClr val="lt1"/>
+            </a:fontRef>
+          </p:style>
+          <p:txBody>
+            <a:bodyPr rtlCol="0" anchor="ctr"/>
+            <a:lstStyle/>
+            <a:p>
+              <a:pPr algn="ctr"/>
+              <a:r>
+                <a:rPr lang="en-US" sz="1600" dirty="0">
+                  <a:solidFill>
+                    <a:sysClr val="windowText" lastClr="000000"/>
+                  </a:solidFill>
+                </a:rPr>
+                <a:t>Organization</a:t>
+              </a:r>
+            </a:p>
+          </p:txBody>
+        </p:sp>
+        <p:sp>
+          <p:nvSpPr>
+            <p:cNvPr id="104" name="TextBox 103">
+              <a:extLst>
+                <a:ext uri="{FF2B5EF4-FFF2-40B4-BE49-F238E27FC236}">
+                  <a16:creationId xmlns:a16="http://schemas.microsoft.com/office/drawing/2014/main" id="{4A97D9B3-38AB-A84C-928C-C7554896912C}"/>
+                </a:ext>
+              </a:extLst>
+            </p:cNvPr>
+            <p:cNvSpPr txBox="1"/>
+            <p:nvPr/>
+          </p:nvSpPr>
+          <p:spPr>
+            <a:xfrm>
+              <a:off x="10054906" y="600871"/>
+              <a:ext cx="797013" cy="369332"/>
+            </a:xfrm>
+            <a:prstGeom prst="rect">
+              <a:avLst/>
+            </a:prstGeom>
+            <a:noFill/>
+          </p:spPr>
+          <p:txBody>
+            <a:bodyPr wrap="none" rtlCol="0">
+              <a:spAutoFit/>
+            </a:bodyPr>
+            <a:lstStyle/>
+            <a:p>
+              <a:r>
+                <a:rPr lang="en-US" dirty="0" err="1"/>
+                <a:t>partOf</a:t>
+              </a:r>
+              <a:endParaRPr lang="en-US" dirty="0"/>
+            </a:p>
+          </p:txBody>
+        </p:sp>
+        <p:sp>
+          <p:nvSpPr>
+            <p:cNvPr id="105" name="Rectangle 104">
+              <a:extLst>
+                <a:ext uri="{FF2B5EF4-FFF2-40B4-BE49-F238E27FC236}">
+                  <a16:creationId xmlns:a16="http://schemas.microsoft.com/office/drawing/2014/main" id="{11C72FC9-E012-7348-B2F9-073DE54EA1E0}"/>
+                </a:ext>
+              </a:extLst>
+            </p:cNvPr>
+            <p:cNvSpPr/>
+            <p:nvPr/>
+          </p:nvSpPr>
+          <p:spPr>
+            <a:xfrm>
+              <a:off x="9582385" y="366232"/>
+              <a:ext cx="657783" cy="307777"/>
+            </a:xfrm>
+            <a:prstGeom prst="rect">
+              <a:avLst/>
+            </a:prstGeom>
+          </p:spPr>
+          <p:txBody>
+            <a:bodyPr wrap="square">
+              <a:spAutoFit/>
+            </a:bodyPr>
+            <a:lstStyle/>
+            <a:p>
+              <a:r>
+                <a:rPr lang="en-US" sz="1400" dirty="0">
+                  <a:solidFill>
+                    <a:srgbClr val="333333"/>
+                  </a:solidFill>
+                  <a:latin typeface="verdana" panose="020B0604030504040204" pitchFamily="34" charset="0"/>
+                </a:rPr>
+                <a:t>0..1</a:t>
+              </a:r>
+              <a:endParaRPr lang="en-US" sz="1400" dirty="0"/>
+            </a:p>
+          </p:txBody>
+        </p:sp>
+        <p:sp>
+          <p:nvSpPr>
+            <p:cNvPr id="106" name="Curved Left Arrow 105">
+              <a:extLst>
+                <a:ext uri="{FF2B5EF4-FFF2-40B4-BE49-F238E27FC236}">
+                  <a16:creationId xmlns:a16="http://schemas.microsoft.com/office/drawing/2014/main" id="{EB89360F-CC44-664D-93A5-60D139DFFFCC}"/>
+                </a:ext>
+              </a:extLst>
+            </p:cNvPr>
+            <p:cNvSpPr/>
+            <p:nvPr/>
+          </p:nvSpPr>
+          <p:spPr>
+            <a:xfrm>
+              <a:off x="9704950" y="720181"/>
+              <a:ext cx="349956" cy="365125"/>
+            </a:xfrm>
+            <a:prstGeom prst="curvedLeftArrow">
+              <a:avLst/>
+            </a:prstGeom>
+          </p:spPr>
+          <p:style>
+            <a:lnRef idx="2">
+              <a:schemeClr val="accent1">
+                <a:shade val="50000"/>
+              </a:schemeClr>
+            </a:lnRef>
+            <a:fillRef idx="1">
+              <a:schemeClr val="accent1"/>
+            </a:fillRef>
+            <a:effectRef idx="0">
+              <a:schemeClr val="accent1"/>
+            </a:effectRef>
+            <a:fontRef idx="minor">
+              <a:schemeClr val="lt1"/>
+            </a:fontRef>
+          </p:style>
+          <p:txBody>
+            <a:bodyPr rtlCol="0" anchor="ctr"/>
+            <a:lstStyle/>
+            <a:p>
+              <a:pPr algn="ctr"/>
+              <a:endParaRPr lang="en-US">
                 <a:solidFill>
-                  <a:sysClr val="windowText" lastClr="000000"/>
+                  <a:schemeClr val="tx1"/>
                 </a:solidFill>
-              </a:rPr>
-              <a:t>Practitioner</a:t>
-            </a:r>
-          </a:p>
-        </p:txBody>
-      </p:sp>
-      <p:cxnSp>
-        <p:nvCxnSpPr>
-          <p:cNvPr id="42" name="Straight Arrow Connector 41">
-            <a:extLst>
-              <a:ext uri="{FF2B5EF4-FFF2-40B4-BE49-F238E27FC236}">
-                <a16:creationId xmlns:a16="http://schemas.microsoft.com/office/drawing/2014/main" id="{A0435810-C1B4-AA44-ABA6-822AA63374D2}"/>
-              </a:ext>
-            </a:extLst>
-          </p:cNvPr>
-          <p:cNvCxnSpPr>
-            <a:cxnSpLocks/>
-            <a:endCxn id="11" idx="1"/>
-          </p:cNvCxnSpPr>
-          <p:nvPr/>
-        </p:nvCxnSpPr>
-        <p:spPr>
-          <a:xfrm>
-            <a:off x="2233408" y="3637015"/>
-            <a:ext cx="2067769" cy="1584121"/>
-          </a:xfrm>
-          <a:prstGeom prst="straightConnector1">
-            <a:avLst/>
-          </a:prstGeom>
-          <a:ln>
-            <a:headEnd type="none" w="lg" len="lg"/>
-            <a:tailEnd type="triangle" w="lg" len="lg"/>
-          </a:ln>
-        </p:spPr>
-        <p:style>
-          <a:lnRef idx="2">
-            <a:schemeClr val="accent1"/>
-          </a:lnRef>
-          <a:fillRef idx="0">
-            <a:schemeClr val="accent1"/>
-          </a:fillRef>
-          <a:effectRef idx="1">
-            <a:schemeClr val="accent1"/>
-          </a:effectRef>
-          <a:fontRef idx="minor">
-            <a:schemeClr val="tx1"/>
-          </a:fontRef>
-        </p:style>
-      </p:cxnSp>
-      <p:cxnSp>
-        <p:nvCxnSpPr>
-          <p:cNvPr id="44" name="Straight Arrow Connector 43">
-            <a:extLst>
-              <a:ext uri="{FF2B5EF4-FFF2-40B4-BE49-F238E27FC236}">
-                <a16:creationId xmlns:a16="http://schemas.microsoft.com/office/drawing/2014/main" id="{9431BC94-9392-A842-A77D-9E941010B8F7}"/>
-              </a:ext>
-            </a:extLst>
-          </p:cNvPr>
-          <p:cNvCxnSpPr>
-            <a:cxnSpLocks/>
-            <a:endCxn id="23" idx="1"/>
-          </p:cNvCxnSpPr>
-          <p:nvPr/>
-        </p:nvCxnSpPr>
-        <p:spPr>
-          <a:xfrm flipV="1">
-            <a:off x="2194844" y="2107821"/>
-            <a:ext cx="2085223" cy="1506772"/>
-          </a:xfrm>
-          <a:prstGeom prst="straightConnector1">
-            <a:avLst/>
-          </a:prstGeom>
-          <a:ln>
-            <a:headEnd type="none" w="lg" len="lg"/>
-            <a:tailEnd type="triangle" w="lg" len="lg"/>
-          </a:ln>
-        </p:spPr>
-        <p:style>
-          <a:lnRef idx="2">
-            <a:schemeClr val="accent1"/>
-          </a:lnRef>
-          <a:fillRef idx="0">
-            <a:schemeClr val="accent1"/>
-          </a:fillRef>
-          <a:effectRef idx="1">
-            <a:schemeClr val="accent1"/>
-          </a:effectRef>
-          <a:fontRef idx="minor">
-            <a:schemeClr val="tx1"/>
-          </a:fontRef>
-        </p:style>
-      </p:cxnSp>
-      <p:cxnSp>
-        <p:nvCxnSpPr>
-          <p:cNvPr id="45" name="Straight Arrow Connector 44">
-            <a:extLst>
-              <a:ext uri="{FF2B5EF4-FFF2-40B4-BE49-F238E27FC236}">
-                <a16:creationId xmlns:a16="http://schemas.microsoft.com/office/drawing/2014/main" id="{9AB6BF3F-6717-F440-8B4C-7A7757602DFE}"/>
-              </a:ext>
-            </a:extLst>
-          </p:cNvPr>
-          <p:cNvCxnSpPr>
-            <a:cxnSpLocks/>
-            <a:stCxn id="35" idx="0"/>
-          </p:cNvCxnSpPr>
-          <p:nvPr/>
-        </p:nvCxnSpPr>
-        <p:spPr>
-          <a:xfrm flipH="1" flipV="1">
-            <a:off x="1495249" y="2183148"/>
-            <a:ext cx="15126" cy="1050784"/>
-          </a:xfrm>
-          <a:prstGeom prst="straightConnector1">
-            <a:avLst/>
-          </a:prstGeom>
-          <a:ln>
-            <a:headEnd type="none" w="lg" len="lg"/>
-            <a:tailEnd type="triangle" w="lg" len="lg"/>
-          </a:ln>
-        </p:spPr>
-        <p:style>
-          <a:lnRef idx="2">
-            <a:schemeClr val="accent1"/>
-          </a:lnRef>
-          <a:fillRef idx="0">
-            <a:schemeClr val="accent1"/>
-          </a:fillRef>
-          <a:effectRef idx="1">
-            <a:schemeClr val="accent1"/>
-          </a:effectRef>
-          <a:fontRef idx="minor">
-            <a:schemeClr val="tx1"/>
-          </a:fontRef>
-        </p:style>
-      </p:cxnSp>
-      <p:sp>
-        <p:nvSpPr>
-          <p:cNvPr id="46" name="Rectangle 45">
-            <a:extLst>
-              <a:ext uri="{FF2B5EF4-FFF2-40B4-BE49-F238E27FC236}">
-                <a16:creationId xmlns:a16="http://schemas.microsoft.com/office/drawing/2014/main" id="{976FC416-1B0D-D64A-92FF-097CF115855C}"/>
-              </a:ext>
-            </a:extLst>
-          </p:cNvPr>
-          <p:cNvSpPr/>
-          <p:nvPr/>
-        </p:nvSpPr>
-        <p:spPr>
-          <a:xfrm>
-            <a:off x="1561182" y="2736121"/>
-            <a:ext cx="657783" cy="307777"/>
-          </a:xfrm>
-          <a:prstGeom prst="rect">
-            <a:avLst/>
-          </a:prstGeom>
-        </p:spPr>
-        <p:txBody>
-          <a:bodyPr wrap="square">
-            <a:spAutoFit/>
-          </a:bodyPr>
-          <a:lstStyle/>
-          <a:p>
-            <a:r>
-              <a:rPr lang="en-US" sz="1400" dirty="0">
+              </a:endParaRPr>
+            </a:p>
+          </p:txBody>
+        </p:sp>
+        <p:cxnSp>
+          <p:nvCxnSpPr>
+            <p:cNvPr id="107" name="Straight Arrow Connector 106">
+              <a:extLst>
+                <a:ext uri="{FF2B5EF4-FFF2-40B4-BE49-F238E27FC236}">
+                  <a16:creationId xmlns:a16="http://schemas.microsoft.com/office/drawing/2014/main" id="{CEB5D9E1-72F6-9E4B-9251-FF6FA5C82AB9}"/>
+                </a:ext>
+              </a:extLst>
+            </p:cNvPr>
+            <p:cNvCxnSpPr>
+              <a:cxnSpLocks/>
+              <a:stCxn id="83" idx="0"/>
+              <a:endCxn id="102" idx="2"/>
+            </p:cNvCxnSpPr>
+            <p:nvPr/>
+          </p:nvCxnSpPr>
+          <p:spPr>
+            <a:xfrm flipV="1">
+              <a:off x="7891069" y="1246627"/>
+              <a:ext cx="953811" cy="541803"/>
+            </a:xfrm>
+            <a:prstGeom prst="straightConnector1">
+              <a:avLst/>
+            </a:prstGeom>
+            <a:ln>
+              <a:headEnd type="none" w="lg" len="lg"/>
+              <a:tailEnd type="triangle" w="lg" len="lg"/>
+            </a:ln>
+          </p:spPr>
+          <p:style>
+            <a:lnRef idx="2">
+              <a:schemeClr val="accent1"/>
+            </a:lnRef>
+            <a:fillRef idx="0">
+              <a:schemeClr val="accent1"/>
+            </a:fillRef>
+            <a:effectRef idx="1">
+              <a:schemeClr val="accent1"/>
+            </a:effectRef>
+            <a:fontRef idx="minor">
+              <a:schemeClr val="tx1"/>
+            </a:fontRef>
+          </p:style>
+        </p:cxnSp>
+        <p:sp>
+          <p:nvSpPr>
+            <p:cNvPr id="110" name="TextBox 109">
+              <a:extLst>
+                <a:ext uri="{FF2B5EF4-FFF2-40B4-BE49-F238E27FC236}">
+                  <a16:creationId xmlns:a16="http://schemas.microsoft.com/office/drawing/2014/main" id="{B04EBE4B-9563-8648-A204-9A4350ACEF6D}"/>
+                </a:ext>
+              </a:extLst>
+            </p:cNvPr>
+            <p:cNvSpPr txBox="1"/>
+            <p:nvPr/>
+          </p:nvSpPr>
+          <p:spPr>
+            <a:xfrm>
+              <a:off x="8664519" y="1268566"/>
+              <a:ext cx="1647502" cy="369332"/>
+            </a:xfrm>
+            <a:prstGeom prst="rect">
+              <a:avLst/>
+            </a:prstGeom>
+            <a:noFill/>
+          </p:spPr>
+          <p:txBody>
+            <a:bodyPr wrap="none" rtlCol="0">
+              <a:spAutoFit/>
+            </a:bodyPr>
+            <a:lstStyle/>
+            <a:p>
+              <a:r>
+                <a:rPr lang="en-US" dirty="0" err="1"/>
+                <a:t>administeredBy</a:t>
+              </a:r>
+              <a:endParaRPr lang="en-US" dirty="0"/>
+            </a:p>
+          </p:txBody>
+        </p:sp>
+        <p:sp>
+          <p:nvSpPr>
+            <p:cNvPr id="111" name="Rectangle 110">
+              <a:extLst>
+                <a:ext uri="{FF2B5EF4-FFF2-40B4-BE49-F238E27FC236}">
+                  <a16:creationId xmlns:a16="http://schemas.microsoft.com/office/drawing/2014/main" id="{C63BE8D3-E513-2A41-9B78-742203B0DB88}"/>
+                </a:ext>
+              </a:extLst>
+            </p:cNvPr>
+            <p:cNvSpPr/>
+            <p:nvPr/>
+          </p:nvSpPr>
+          <p:spPr>
+            <a:xfrm>
+              <a:off x="7915796" y="1260868"/>
+              <a:ext cx="657783" cy="307777"/>
+            </a:xfrm>
+            <a:prstGeom prst="rect">
+              <a:avLst/>
+            </a:prstGeom>
+          </p:spPr>
+          <p:txBody>
+            <a:bodyPr wrap="square">
+              <a:spAutoFit/>
+            </a:bodyPr>
+            <a:lstStyle/>
+            <a:p>
+              <a:r>
+                <a:rPr lang="en-US" sz="1400" dirty="0">
+                  <a:solidFill>
+                    <a:srgbClr val="333333"/>
+                  </a:solidFill>
+                  <a:latin typeface="verdana" panose="020B0604030504040204" pitchFamily="34" charset="0"/>
+                </a:rPr>
+                <a:t>1..1</a:t>
+              </a:r>
+              <a:endParaRPr lang="en-US" sz="1400" dirty="0"/>
+            </a:p>
+          </p:txBody>
+        </p:sp>
+        <p:sp>
+          <p:nvSpPr>
+            <p:cNvPr id="114" name="Rounded Rectangle 113">
+              <a:extLst>
+                <a:ext uri="{FF2B5EF4-FFF2-40B4-BE49-F238E27FC236}">
+                  <a16:creationId xmlns:a16="http://schemas.microsoft.com/office/drawing/2014/main" id="{5D60DA75-399A-C243-AC42-93E784192CEC}"/>
+                </a:ext>
+              </a:extLst>
+            </p:cNvPr>
+            <p:cNvSpPr/>
+            <p:nvPr/>
+          </p:nvSpPr>
+          <p:spPr>
+            <a:xfrm>
+              <a:off x="9603183" y="3281623"/>
+              <a:ext cx="1700458" cy="646546"/>
+            </a:xfrm>
+            <a:prstGeom prst="roundRect">
+              <a:avLst/>
+            </a:prstGeom>
+            <a:solidFill>
+              <a:schemeClr val="accent1">
+                <a:lumMod val="20000"/>
+                <a:lumOff val="80000"/>
+              </a:schemeClr>
+            </a:solidFill>
+          </p:spPr>
+          <p:style>
+            <a:lnRef idx="1">
+              <a:schemeClr val="accent1"/>
+            </a:lnRef>
+            <a:fillRef idx="3">
+              <a:schemeClr val="accent1"/>
+            </a:fillRef>
+            <a:effectRef idx="2">
+              <a:schemeClr val="accent1"/>
+            </a:effectRef>
+            <a:fontRef idx="minor">
+              <a:schemeClr val="lt1"/>
+            </a:fontRef>
+          </p:style>
+          <p:txBody>
+            <a:bodyPr rtlCol="0" anchor="ctr"/>
+            <a:lstStyle/>
+            <a:p>
+              <a:pPr algn="ctr"/>
+              <a:r>
+                <a:rPr lang="en-US" sz="1600" dirty="0">
+                  <a:solidFill>
+                    <a:sysClr val="windowText" lastClr="000000"/>
+                  </a:solidFill>
+                </a:rPr>
+                <a:t>Organization</a:t>
+              </a:r>
+            </a:p>
+          </p:txBody>
+        </p:sp>
+        <p:cxnSp>
+          <p:nvCxnSpPr>
+            <p:cNvPr id="115" name="Straight Arrow Connector 114">
+              <a:extLst>
+                <a:ext uri="{FF2B5EF4-FFF2-40B4-BE49-F238E27FC236}">
+                  <a16:creationId xmlns:a16="http://schemas.microsoft.com/office/drawing/2014/main" id="{3A8B173D-1B05-3F44-86C0-695FF3F47776}"/>
+                </a:ext>
+              </a:extLst>
+            </p:cNvPr>
+            <p:cNvCxnSpPr>
+              <a:cxnSpLocks/>
+              <a:stCxn id="6" idx="3"/>
+              <a:endCxn id="114" idx="1"/>
+            </p:cNvCxnSpPr>
+            <p:nvPr/>
+          </p:nvCxnSpPr>
+          <p:spPr>
+            <a:xfrm>
+              <a:off x="8380315" y="3604741"/>
+              <a:ext cx="1222868" cy="155"/>
+            </a:xfrm>
+            <a:prstGeom prst="straightConnector1">
+              <a:avLst/>
+            </a:prstGeom>
+            <a:ln>
+              <a:headEnd type="none" w="lg" len="lg"/>
+              <a:tailEnd type="triangle" w="lg" len="lg"/>
+            </a:ln>
+          </p:spPr>
+          <p:style>
+            <a:lnRef idx="2">
+              <a:schemeClr val="accent1"/>
+            </a:lnRef>
+            <a:fillRef idx="0">
+              <a:schemeClr val="accent1"/>
+            </a:fillRef>
+            <a:effectRef idx="1">
+              <a:schemeClr val="accent1"/>
+            </a:effectRef>
+            <a:fontRef idx="minor">
+              <a:schemeClr val="tx1"/>
+            </a:fontRef>
+          </p:style>
+        </p:cxnSp>
+        <p:sp>
+          <p:nvSpPr>
+            <p:cNvPr id="118" name="Rectangle 117">
+              <a:extLst>
+                <a:ext uri="{FF2B5EF4-FFF2-40B4-BE49-F238E27FC236}">
+                  <a16:creationId xmlns:a16="http://schemas.microsoft.com/office/drawing/2014/main" id="{108D8AB9-8D83-414C-997B-2E504BDF0060}"/>
+                </a:ext>
+              </a:extLst>
+            </p:cNvPr>
+            <p:cNvSpPr/>
+            <p:nvPr/>
+          </p:nvSpPr>
+          <p:spPr>
+            <a:xfrm>
+              <a:off x="8662857" y="3306816"/>
+              <a:ext cx="657783" cy="307777"/>
+            </a:xfrm>
+            <a:prstGeom prst="rect">
+              <a:avLst/>
+            </a:prstGeom>
+          </p:spPr>
+          <p:txBody>
+            <a:bodyPr wrap="square">
+              <a:spAutoFit/>
+            </a:bodyPr>
+            <a:lstStyle/>
+            <a:p>
+              <a:r>
+                <a:rPr lang="en-US" sz="1400" dirty="0">
+                  <a:solidFill>
+                    <a:srgbClr val="333333"/>
+                  </a:solidFill>
+                  <a:latin typeface="verdana" panose="020B0604030504040204" pitchFamily="34" charset="0"/>
+                </a:rPr>
+                <a:t>0..1</a:t>
+              </a:r>
+              <a:endParaRPr lang="en-US" sz="1400" dirty="0"/>
+            </a:p>
+          </p:txBody>
+        </p:sp>
+        <p:sp>
+          <p:nvSpPr>
+            <p:cNvPr id="119" name="TextBox 118">
+              <a:extLst>
+                <a:ext uri="{FF2B5EF4-FFF2-40B4-BE49-F238E27FC236}">
+                  <a16:creationId xmlns:a16="http://schemas.microsoft.com/office/drawing/2014/main" id="{84117AC7-818B-8B45-B8FE-4D6D642CB89E}"/>
+                </a:ext>
+              </a:extLst>
+            </p:cNvPr>
+            <p:cNvSpPr txBox="1"/>
+            <p:nvPr/>
+          </p:nvSpPr>
+          <p:spPr>
+            <a:xfrm>
+              <a:off x="11259142" y="3729548"/>
+              <a:ext cx="797013" cy="369332"/>
+            </a:xfrm>
+            <a:prstGeom prst="rect">
+              <a:avLst/>
+            </a:prstGeom>
+            <a:noFill/>
+          </p:spPr>
+          <p:txBody>
+            <a:bodyPr wrap="none" rtlCol="0">
+              <a:spAutoFit/>
+            </a:bodyPr>
+            <a:lstStyle/>
+            <a:p>
+              <a:r>
+                <a:rPr lang="en-US" dirty="0" err="1"/>
+                <a:t>partOf</a:t>
+              </a:r>
+              <a:endParaRPr lang="en-US" dirty="0"/>
+            </a:p>
+          </p:txBody>
+        </p:sp>
+        <p:sp>
+          <p:nvSpPr>
+            <p:cNvPr id="120" name="Rectangle 119">
+              <a:extLst>
+                <a:ext uri="{FF2B5EF4-FFF2-40B4-BE49-F238E27FC236}">
+                  <a16:creationId xmlns:a16="http://schemas.microsoft.com/office/drawing/2014/main" id="{9354A664-C339-734D-ADAA-6A83E293CEF9}"/>
+                </a:ext>
+              </a:extLst>
+            </p:cNvPr>
+            <p:cNvSpPr/>
+            <p:nvPr/>
+          </p:nvSpPr>
+          <p:spPr>
+            <a:xfrm>
+              <a:off x="11186212" y="3064962"/>
+              <a:ext cx="657783" cy="307777"/>
+            </a:xfrm>
+            <a:prstGeom prst="rect">
+              <a:avLst/>
+            </a:prstGeom>
+          </p:spPr>
+          <p:txBody>
+            <a:bodyPr wrap="square">
+              <a:spAutoFit/>
+            </a:bodyPr>
+            <a:lstStyle/>
+            <a:p>
+              <a:r>
+                <a:rPr lang="en-US" sz="1400" dirty="0">
+                  <a:solidFill>
+                    <a:srgbClr val="333333"/>
+                  </a:solidFill>
+                  <a:latin typeface="verdana" panose="020B0604030504040204" pitchFamily="34" charset="0"/>
+                </a:rPr>
+                <a:t>0..1</a:t>
+              </a:r>
+              <a:endParaRPr lang="en-US" sz="1400" dirty="0"/>
+            </a:p>
+          </p:txBody>
+        </p:sp>
+        <p:sp>
+          <p:nvSpPr>
+            <p:cNvPr id="121" name="Curved Left Arrow 120">
+              <a:extLst>
+                <a:ext uri="{FF2B5EF4-FFF2-40B4-BE49-F238E27FC236}">
+                  <a16:creationId xmlns:a16="http://schemas.microsoft.com/office/drawing/2014/main" id="{351AB65B-37A0-6343-AF17-00B2B12D9AC2}"/>
+                </a:ext>
+              </a:extLst>
+            </p:cNvPr>
+            <p:cNvSpPr/>
+            <p:nvPr/>
+          </p:nvSpPr>
+          <p:spPr>
+            <a:xfrm>
+              <a:off x="11308777" y="3418911"/>
+              <a:ext cx="349956" cy="365125"/>
+            </a:xfrm>
+            <a:prstGeom prst="curvedLeftArrow">
+              <a:avLst/>
+            </a:prstGeom>
+          </p:spPr>
+          <p:style>
+            <a:lnRef idx="2">
+              <a:schemeClr val="accent1">
+                <a:shade val="50000"/>
+              </a:schemeClr>
+            </a:lnRef>
+            <a:fillRef idx="1">
+              <a:schemeClr val="accent1"/>
+            </a:fillRef>
+            <a:effectRef idx="0">
+              <a:schemeClr val="accent1"/>
+            </a:effectRef>
+            <a:fontRef idx="minor">
+              <a:schemeClr val="lt1"/>
+            </a:fontRef>
+          </p:style>
+          <p:txBody>
+            <a:bodyPr rtlCol="0" anchor="ctr"/>
+            <a:lstStyle/>
+            <a:p>
+              <a:pPr algn="ctr"/>
+              <a:endParaRPr lang="en-US">
                 <a:solidFill>
-                  <a:srgbClr val="333333"/>
+                  <a:schemeClr val="tx1"/>
                 </a:solidFill>
-                <a:latin typeface="verdana" panose="020B0604030504040204" pitchFamily="34" charset="0"/>
-              </a:rPr>
-              <a:t>0..1</a:t>
-            </a:r>
-            <a:endParaRPr lang="en-US" sz="1400" dirty="0"/>
-          </a:p>
-        </p:txBody>
-      </p:sp>
-      <p:sp>
-        <p:nvSpPr>
-          <p:cNvPr id="47" name="Rectangle 46">
-            <a:extLst>
-              <a:ext uri="{FF2B5EF4-FFF2-40B4-BE49-F238E27FC236}">
-                <a16:creationId xmlns:a16="http://schemas.microsoft.com/office/drawing/2014/main" id="{D7604876-6214-8A42-9DBA-B3578EFBF73B}"/>
-              </a:ext>
-            </a:extLst>
-          </p:cNvPr>
-          <p:cNvSpPr/>
-          <p:nvPr/>
-        </p:nvSpPr>
-        <p:spPr>
-          <a:xfrm>
-            <a:off x="1529630" y="4142948"/>
-            <a:ext cx="657783" cy="307777"/>
-          </a:xfrm>
-          <a:prstGeom prst="rect">
-            <a:avLst/>
-          </a:prstGeom>
-        </p:spPr>
-        <p:txBody>
-          <a:bodyPr wrap="square">
-            <a:spAutoFit/>
-          </a:bodyPr>
-          <a:lstStyle/>
-          <a:p>
-            <a:r>
-              <a:rPr lang="en-US" sz="1400" dirty="0">
+              </a:endParaRPr>
+            </a:p>
+          </p:txBody>
+        </p:sp>
+        <p:sp>
+          <p:nvSpPr>
+            <p:cNvPr id="125" name="Rounded Rectangle 124">
+              <a:extLst>
+                <a:ext uri="{FF2B5EF4-FFF2-40B4-BE49-F238E27FC236}">
+                  <a16:creationId xmlns:a16="http://schemas.microsoft.com/office/drawing/2014/main" id="{1DA60D01-71E1-8B43-A3F9-9BC288516463}"/>
+                </a:ext>
+              </a:extLst>
+            </p:cNvPr>
+            <p:cNvSpPr/>
+            <p:nvPr/>
+          </p:nvSpPr>
+          <p:spPr>
+            <a:xfrm>
+              <a:off x="573987" y="1525051"/>
+              <a:ext cx="1700458" cy="646546"/>
+            </a:xfrm>
+            <a:prstGeom prst="roundRect">
+              <a:avLst/>
+            </a:prstGeom>
+            <a:solidFill>
+              <a:schemeClr val="accent1">
+                <a:lumMod val="20000"/>
+                <a:lumOff val="80000"/>
+              </a:schemeClr>
+            </a:solidFill>
+          </p:spPr>
+          <p:style>
+            <a:lnRef idx="1">
+              <a:schemeClr val="accent1"/>
+            </a:lnRef>
+            <a:fillRef idx="3">
+              <a:schemeClr val="accent1"/>
+            </a:fillRef>
+            <a:effectRef idx="2">
+              <a:schemeClr val="accent1"/>
+            </a:effectRef>
+            <a:fontRef idx="minor">
+              <a:schemeClr val="lt1"/>
+            </a:fontRef>
+          </p:style>
+          <p:txBody>
+            <a:bodyPr rtlCol="0" anchor="ctr"/>
+            <a:lstStyle/>
+            <a:p>
+              <a:pPr algn="ctr"/>
+              <a:r>
+                <a:rPr lang="en-US" sz="1600" dirty="0">
+                  <a:solidFill>
+                    <a:sysClr val="windowText" lastClr="000000"/>
+                  </a:solidFill>
+                </a:rPr>
+                <a:t>Organization</a:t>
+              </a:r>
+            </a:p>
+          </p:txBody>
+        </p:sp>
+        <p:sp>
+          <p:nvSpPr>
+            <p:cNvPr id="126" name="TextBox 125">
+              <a:extLst>
+                <a:ext uri="{FF2B5EF4-FFF2-40B4-BE49-F238E27FC236}">
+                  <a16:creationId xmlns:a16="http://schemas.microsoft.com/office/drawing/2014/main" id="{DE6F8A2E-B23A-D849-9CD6-338DEBCEF676}"/>
+                </a:ext>
+              </a:extLst>
+            </p:cNvPr>
+            <p:cNvSpPr txBox="1"/>
+            <p:nvPr/>
+          </p:nvSpPr>
+          <p:spPr>
+            <a:xfrm>
+              <a:off x="2644213" y="1503427"/>
+              <a:ext cx="797013" cy="369332"/>
+            </a:xfrm>
+            <a:prstGeom prst="rect">
+              <a:avLst/>
+            </a:prstGeom>
+            <a:noFill/>
+          </p:spPr>
+          <p:txBody>
+            <a:bodyPr wrap="none" rtlCol="0">
+              <a:spAutoFit/>
+            </a:bodyPr>
+            <a:lstStyle/>
+            <a:p>
+              <a:r>
+                <a:rPr lang="en-US" dirty="0" err="1"/>
+                <a:t>partOf</a:t>
+              </a:r>
+              <a:endParaRPr lang="en-US" dirty="0"/>
+            </a:p>
+          </p:txBody>
+        </p:sp>
+        <p:sp>
+          <p:nvSpPr>
+            <p:cNvPr id="127" name="Rectangle 126">
+              <a:extLst>
+                <a:ext uri="{FF2B5EF4-FFF2-40B4-BE49-F238E27FC236}">
+                  <a16:creationId xmlns:a16="http://schemas.microsoft.com/office/drawing/2014/main" id="{748B1F50-A702-B14D-8AAA-2A15992B5179}"/>
+                </a:ext>
+              </a:extLst>
+            </p:cNvPr>
+            <p:cNvSpPr/>
+            <p:nvPr/>
+          </p:nvSpPr>
+          <p:spPr>
+            <a:xfrm>
+              <a:off x="2171692" y="1268788"/>
+              <a:ext cx="657783" cy="307777"/>
+            </a:xfrm>
+            <a:prstGeom prst="rect">
+              <a:avLst/>
+            </a:prstGeom>
+          </p:spPr>
+          <p:txBody>
+            <a:bodyPr wrap="square">
+              <a:spAutoFit/>
+            </a:bodyPr>
+            <a:lstStyle/>
+            <a:p>
+              <a:r>
+                <a:rPr lang="en-US" sz="1400" dirty="0">
+                  <a:solidFill>
+                    <a:srgbClr val="333333"/>
+                  </a:solidFill>
+                  <a:latin typeface="verdana" panose="020B0604030504040204" pitchFamily="34" charset="0"/>
+                </a:rPr>
+                <a:t>0..1</a:t>
+              </a:r>
+              <a:endParaRPr lang="en-US" sz="1400" dirty="0"/>
+            </a:p>
+          </p:txBody>
+        </p:sp>
+        <p:sp>
+          <p:nvSpPr>
+            <p:cNvPr id="128" name="Curved Left Arrow 127">
+              <a:extLst>
+                <a:ext uri="{FF2B5EF4-FFF2-40B4-BE49-F238E27FC236}">
+                  <a16:creationId xmlns:a16="http://schemas.microsoft.com/office/drawing/2014/main" id="{E7FB01C1-A7D6-2142-A75C-AC58172578E5}"/>
+                </a:ext>
+              </a:extLst>
+            </p:cNvPr>
+            <p:cNvSpPr/>
+            <p:nvPr/>
+          </p:nvSpPr>
+          <p:spPr>
+            <a:xfrm>
+              <a:off x="2294257" y="1622737"/>
+              <a:ext cx="349956" cy="365125"/>
+            </a:xfrm>
+            <a:prstGeom prst="curvedLeftArrow">
+              <a:avLst/>
+            </a:prstGeom>
+          </p:spPr>
+          <p:style>
+            <a:lnRef idx="2">
+              <a:schemeClr val="accent1">
+                <a:shade val="50000"/>
+              </a:schemeClr>
+            </a:lnRef>
+            <a:fillRef idx="1">
+              <a:schemeClr val="accent1"/>
+            </a:fillRef>
+            <a:effectRef idx="0">
+              <a:schemeClr val="accent1"/>
+            </a:effectRef>
+            <a:fontRef idx="minor">
+              <a:schemeClr val="lt1"/>
+            </a:fontRef>
+          </p:style>
+          <p:txBody>
+            <a:bodyPr rtlCol="0" anchor="ctr"/>
+            <a:lstStyle/>
+            <a:p>
+              <a:pPr algn="ctr"/>
+              <a:endParaRPr lang="en-US">
                 <a:solidFill>
-                  <a:srgbClr val="333333"/>
+                  <a:schemeClr val="tx1"/>
                 </a:solidFill>
-                <a:latin typeface="verdana" panose="020B0604030504040204" pitchFamily="34" charset="0"/>
-              </a:rPr>
-              <a:t>0..1</a:t>
-            </a:r>
-            <a:endParaRPr lang="en-US" sz="1400" dirty="0"/>
-          </a:p>
-        </p:txBody>
-      </p:sp>
-      <p:sp>
-        <p:nvSpPr>
-          <p:cNvPr id="48" name="Rectangle 47">
-            <a:extLst>
-              <a:ext uri="{FF2B5EF4-FFF2-40B4-BE49-F238E27FC236}">
-                <a16:creationId xmlns:a16="http://schemas.microsoft.com/office/drawing/2014/main" id="{AF2721CC-313B-024F-BE85-71F711A6151D}"/>
-              </a:ext>
-            </a:extLst>
-          </p:cNvPr>
-          <p:cNvSpPr/>
-          <p:nvPr/>
-        </p:nvSpPr>
-        <p:spPr>
-          <a:xfrm>
-            <a:off x="2672621" y="2598352"/>
-            <a:ext cx="657783" cy="307777"/>
-          </a:xfrm>
-          <a:prstGeom prst="rect">
-            <a:avLst/>
-          </a:prstGeom>
-        </p:spPr>
-        <p:txBody>
-          <a:bodyPr wrap="square">
-            <a:spAutoFit/>
-          </a:bodyPr>
-          <a:lstStyle/>
-          <a:p>
-            <a:r>
-              <a:rPr lang="en-US" sz="1400" dirty="0">
-                <a:solidFill>
-                  <a:srgbClr val="333333"/>
-                </a:solidFill>
-                <a:latin typeface="verdana" panose="020B0604030504040204" pitchFamily="34" charset="0"/>
-              </a:rPr>
-              <a:t>0..*</a:t>
-            </a:r>
-            <a:endParaRPr lang="en-US" sz="1400" dirty="0"/>
-          </a:p>
-        </p:txBody>
-      </p:sp>
-      <p:sp>
-        <p:nvSpPr>
-          <p:cNvPr id="49" name="Rectangle 48">
-            <a:extLst>
-              <a:ext uri="{FF2B5EF4-FFF2-40B4-BE49-F238E27FC236}">
-                <a16:creationId xmlns:a16="http://schemas.microsoft.com/office/drawing/2014/main" id="{C0035825-946F-FF4B-8869-6A5BCBD5D6EC}"/>
-              </a:ext>
-            </a:extLst>
-          </p:cNvPr>
-          <p:cNvSpPr/>
-          <p:nvPr/>
-        </p:nvSpPr>
-        <p:spPr>
-          <a:xfrm>
-            <a:off x="2960474" y="3509002"/>
-            <a:ext cx="657783" cy="307777"/>
-          </a:xfrm>
-          <a:prstGeom prst="rect">
-            <a:avLst/>
-          </a:prstGeom>
-        </p:spPr>
-        <p:txBody>
-          <a:bodyPr wrap="square">
-            <a:spAutoFit/>
-          </a:bodyPr>
-          <a:lstStyle/>
-          <a:p>
-            <a:r>
-              <a:rPr lang="en-US" sz="1400" dirty="0">
-                <a:solidFill>
-                  <a:srgbClr val="333333"/>
-                </a:solidFill>
-                <a:latin typeface="verdana" panose="020B0604030504040204" pitchFamily="34" charset="0"/>
-              </a:rPr>
-              <a:t>0..*</a:t>
-            </a:r>
-            <a:endParaRPr lang="en-US" sz="1400" dirty="0"/>
-          </a:p>
-        </p:txBody>
-      </p:sp>
-      <p:cxnSp>
-        <p:nvCxnSpPr>
-          <p:cNvPr id="62" name="Straight Arrow Connector 61">
-            <a:extLst>
-              <a:ext uri="{FF2B5EF4-FFF2-40B4-BE49-F238E27FC236}">
-                <a16:creationId xmlns:a16="http://schemas.microsoft.com/office/drawing/2014/main" id="{F1FFF47A-C941-4C44-A12B-0120C328F0F7}"/>
-              </a:ext>
-            </a:extLst>
-          </p:cNvPr>
-          <p:cNvCxnSpPr>
-            <a:cxnSpLocks/>
-            <a:stCxn id="35" idx="3"/>
-          </p:cNvCxnSpPr>
-          <p:nvPr/>
-        </p:nvCxnSpPr>
-        <p:spPr>
-          <a:xfrm>
-            <a:off x="2182549" y="3557205"/>
-            <a:ext cx="2073263" cy="548660"/>
-          </a:xfrm>
-          <a:prstGeom prst="straightConnector1">
-            <a:avLst/>
-          </a:prstGeom>
-          <a:ln>
-            <a:headEnd type="none" w="lg" len="lg"/>
-            <a:tailEnd type="triangle" w="lg" len="lg"/>
-          </a:ln>
-        </p:spPr>
-        <p:style>
-          <a:lnRef idx="2">
-            <a:schemeClr val="accent1"/>
-          </a:lnRef>
-          <a:fillRef idx="0">
-            <a:schemeClr val="accent1"/>
-          </a:fillRef>
-          <a:effectRef idx="1">
-            <a:schemeClr val="accent1"/>
-          </a:effectRef>
-          <a:fontRef idx="minor">
-            <a:schemeClr val="tx1"/>
-          </a:fontRef>
-        </p:style>
-      </p:cxnSp>
-      <p:sp>
-        <p:nvSpPr>
-          <p:cNvPr id="73" name="TextBox 72">
-            <a:extLst>
-              <a:ext uri="{FF2B5EF4-FFF2-40B4-BE49-F238E27FC236}">
-                <a16:creationId xmlns:a16="http://schemas.microsoft.com/office/drawing/2014/main" id="{763C87CF-D40E-F140-9F36-ABDA77D736F6}"/>
-              </a:ext>
-            </a:extLst>
-          </p:cNvPr>
-          <p:cNvSpPr txBox="1"/>
-          <p:nvPr/>
-        </p:nvSpPr>
-        <p:spPr>
-          <a:xfrm>
-            <a:off x="8915533" y="4850333"/>
-            <a:ext cx="797013" cy="369332"/>
-          </a:xfrm>
-          <a:prstGeom prst="rect">
-            <a:avLst/>
-          </a:prstGeom>
-          <a:noFill/>
-        </p:spPr>
-        <p:txBody>
-          <a:bodyPr wrap="none" rtlCol="0">
-            <a:spAutoFit/>
-          </a:bodyPr>
-          <a:lstStyle/>
-          <a:p>
-            <a:r>
-              <a:rPr lang="en-US" dirty="0" err="1"/>
-              <a:t>partOf</a:t>
-            </a:r>
-            <a:endParaRPr lang="en-US" dirty="0"/>
-          </a:p>
-        </p:txBody>
-      </p:sp>
-      <p:sp>
-        <p:nvSpPr>
-          <p:cNvPr id="74" name="Rectangle 73">
-            <a:extLst>
-              <a:ext uri="{FF2B5EF4-FFF2-40B4-BE49-F238E27FC236}">
-                <a16:creationId xmlns:a16="http://schemas.microsoft.com/office/drawing/2014/main" id="{85095D09-9731-E64E-AC8C-4BC5D600C25F}"/>
-              </a:ext>
-            </a:extLst>
-          </p:cNvPr>
-          <p:cNvSpPr/>
-          <p:nvPr/>
-        </p:nvSpPr>
-        <p:spPr>
-          <a:xfrm>
-            <a:off x="8443012" y="4615694"/>
-            <a:ext cx="657783" cy="307777"/>
-          </a:xfrm>
-          <a:prstGeom prst="rect">
-            <a:avLst/>
-          </a:prstGeom>
-        </p:spPr>
-        <p:txBody>
-          <a:bodyPr wrap="square">
-            <a:spAutoFit/>
-          </a:bodyPr>
-          <a:lstStyle/>
-          <a:p>
-            <a:r>
-              <a:rPr lang="en-US" sz="1400" dirty="0">
-                <a:solidFill>
-                  <a:srgbClr val="333333"/>
-                </a:solidFill>
-                <a:latin typeface="verdana" panose="020B0604030504040204" pitchFamily="34" charset="0"/>
-              </a:rPr>
-              <a:t>0..1</a:t>
-            </a:r>
-            <a:endParaRPr lang="en-US" sz="1400" dirty="0"/>
-          </a:p>
-        </p:txBody>
-      </p:sp>
-      <p:sp>
-        <p:nvSpPr>
-          <p:cNvPr id="75" name="Curved Left Arrow 74">
-            <a:extLst>
-              <a:ext uri="{FF2B5EF4-FFF2-40B4-BE49-F238E27FC236}">
-                <a16:creationId xmlns:a16="http://schemas.microsoft.com/office/drawing/2014/main" id="{93570988-85D9-E640-ABBB-1D2A51BB4E89}"/>
-              </a:ext>
-            </a:extLst>
-          </p:cNvPr>
-          <p:cNvSpPr/>
-          <p:nvPr/>
-        </p:nvSpPr>
-        <p:spPr>
-          <a:xfrm>
-            <a:off x="8565577" y="4969643"/>
-            <a:ext cx="349956" cy="365125"/>
-          </a:xfrm>
-          <a:prstGeom prst="curvedLeftArrow">
-            <a:avLst/>
-          </a:prstGeom>
-        </p:spPr>
-        <p:style>
-          <a:lnRef idx="2">
-            <a:schemeClr val="accent1">
-              <a:shade val="50000"/>
-            </a:schemeClr>
-          </a:lnRef>
-          <a:fillRef idx="1">
-            <a:schemeClr val="accent1"/>
-          </a:fillRef>
-          <a:effectRef idx="0">
-            <a:schemeClr val="accent1"/>
-          </a:effectRef>
-          <a:fontRef idx="minor">
-            <a:schemeClr val="lt1"/>
-          </a:fontRef>
-        </p:style>
-        <p:txBody>
-          <a:bodyPr rtlCol="0" anchor="ctr"/>
-          <a:lstStyle/>
-          <a:p>
-            <a:pPr algn="ctr"/>
-            <a:endParaRPr lang="en-US">
+              </a:endParaRPr>
+            </a:p>
+          </p:txBody>
+        </p:sp>
+        <p:sp>
+          <p:nvSpPr>
+            <p:cNvPr id="129" name="TextBox 128">
+              <a:extLst>
+                <a:ext uri="{FF2B5EF4-FFF2-40B4-BE49-F238E27FC236}">
+                  <a16:creationId xmlns:a16="http://schemas.microsoft.com/office/drawing/2014/main" id="{B05206DA-B679-AA4C-9FA8-DFFE2BEEABE3}"/>
+                </a:ext>
+              </a:extLst>
+            </p:cNvPr>
+            <p:cNvSpPr txBox="1"/>
+            <p:nvPr/>
+          </p:nvSpPr>
+          <p:spPr>
+            <a:xfrm>
+              <a:off x="4958924" y="1345423"/>
+              <a:ext cx="797013" cy="369332"/>
+            </a:xfrm>
+            <a:prstGeom prst="rect">
+              <a:avLst/>
+            </a:prstGeom>
+            <a:noFill/>
+          </p:spPr>
+          <p:txBody>
+            <a:bodyPr wrap="none" rtlCol="0">
+              <a:spAutoFit/>
+            </a:bodyPr>
+            <a:lstStyle/>
+            <a:p>
+              <a:r>
+                <a:rPr lang="en-US" dirty="0" err="1"/>
+                <a:t>partOf</a:t>
+              </a:r>
+              <a:endParaRPr lang="en-US" dirty="0"/>
+            </a:p>
+          </p:txBody>
+        </p:sp>
+        <p:sp>
+          <p:nvSpPr>
+            <p:cNvPr id="130" name="Rectangle 129">
+              <a:extLst>
+                <a:ext uri="{FF2B5EF4-FFF2-40B4-BE49-F238E27FC236}">
+                  <a16:creationId xmlns:a16="http://schemas.microsoft.com/office/drawing/2014/main" id="{3061C37C-7EDA-6244-9D1C-A1AA389204CA}"/>
+                </a:ext>
+              </a:extLst>
+            </p:cNvPr>
+            <p:cNvSpPr/>
+            <p:nvPr/>
+          </p:nvSpPr>
+          <p:spPr>
+            <a:xfrm>
+              <a:off x="4438590" y="1389329"/>
+              <a:ext cx="657783" cy="307777"/>
+            </a:xfrm>
+            <a:prstGeom prst="rect">
+              <a:avLst/>
+            </a:prstGeom>
+          </p:spPr>
+          <p:txBody>
+            <a:bodyPr wrap="square">
+              <a:spAutoFit/>
+            </a:bodyPr>
+            <a:lstStyle/>
+            <a:p>
+              <a:r>
+                <a:rPr lang="en-US" sz="1400" dirty="0">
+                  <a:solidFill>
+                    <a:srgbClr val="333333"/>
+                  </a:solidFill>
+                  <a:latin typeface="verdana" panose="020B0604030504040204" pitchFamily="34" charset="0"/>
+                </a:rPr>
+                <a:t>0..1</a:t>
+              </a:r>
+              <a:endParaRPr lang="en-US" sz="1400" dirty="0"/>
+            </a:p>
+          </p:txBody>
+        </p:sp>
+        <p:sp>
+          <p:nvSpPr>
+            <p:cNvPr id="131" name="Rounded Rectangle 11">
+              <a:extLst>
+                <a:ext uri="{FF2B5EF4-FFF2-40B4-BE49-F238E27FC236}">
+                  <a16:creationId xmlns:a16="http://schemas.microsoft.com/office/drawing/2014/main" id="{A760F0F6-1444-E34A-B00A-10FBBA557303}"/>
+                </a:ext>
+              </a:extLst>
+            </p:cNvPr>
+            <p:cNvSpPr/>
+            <p:nvPr/>
+          </p:nvSpPr>
+          <p:spPr>
+            <a:xfrm>
+              <a:off x="10084533" y="1775707"/>
+              <a:ext cx="1368974" cy="646546"/>
+            </a:xfrm>
+            <a:prstGeom prst="roundRect">
+              <a:avLst/>
+            </a:prstGeom>
+            <a:solidFill>
+              <a:schemeClr val="accent1">
+                <a:lumMod val="20000"/>
+                <a:lumOff val="80000"/>
+              </a:schemeClr>
+            </a:solidFill>
+            <a:ln>
               <a:solidFill>
                 <a:schemeClr val="tx1"/>
               </a:solidFill>
-            </a:endParaRPr>
-          </a:p>
-        </p:txBody>
-      </p:sp>
-      <p:cxnSp>
-        <p:nvCxnSpPr>
-          <p:cNvPr id="76" name="Straight Arrow Connector 75">
-            <a:extLst>
-              <a:ext uri="{FF2B5EF4-FFF2-40B4-BE49-F238E27FC236}">
-                <a16:creationId xmlns:a16="http://schemas.microsoft.com/office/drawing/2014/main" id="{CEEDA36D-01D4-2247-B8D0-28A93B2C9E20}"/>
-              </a:ext>
-            </a:extLst>
-          </p:cNvPr>
-          <p:cNvCxnSpPr>
-            <a:cxnSpLocks/>
-            <a:stCxn id="35" idx="3"/>
-            <a:endCxn id="19" idx="1"/>
-          </p:cNvCxnSpPr>
-          <p:nvPr/>
-        </p:nvCxnSpPr>
-        <p:spPr>
-          <a:xfrm flipV="1">
-            <a:off x="2182549" y="3113338"/>
-            <a:ext cx="2091887" cy="443867"/>
-          </a:xfrm>
-          <a:prstGeom prst="straightConnector1">
-            <a:avLst/>
-          </a:prstGeom>
-          <a:ln>
-            <a:headEnd type="none" w="lg" len="lg"/>
-            <a:tailEnd type="triangle" w="lg" len="lg"/>
-          </a:ln>
-        </p:spPr>
-        <p:style>
-          <a:lnRef idx="2">
-            <a:schemeClr val="accent1"/>
-          </a:lnRef>
-          <a:fillRef idx="0">
-            <a:schemeClr val="accent1"/>
-          </a:fillRef>
-          <a:effectRef idx="1">
-            <a:schemeClr val="accent1"/>
-          </a:effectRef>
-          <a:fontRef idx="minor">
-            <a:schemeClr val="tx1"/>
-          </a:fontRef>
-        </p:style>
-      </p:cxnSp>
-      <p:sp>
-        <p:nvSpPr>
-          <p:cNvPr id="79" name="Rectangle 78">
-            <a:extLst>
-              <a:ext uri="{FF2B5EF4-FFF2-40B4-BE49-F238E27FC236}">
-                <a16:creationId xmlns:a16="http://schemas.microsoft.com/office/drawing/2014/main" id="{82C01AA8-1F26-8945-9471-C0E9BB5D137D}"/>
-              </a:ext>
-            </a:extLst>
-          </p:cNvPr>
-          <p:cNvSpPr/>
-          <p:nvPr/>
-        </p:nvSpPr>
-        <p:spPr>
-          <a:xfrm>
-            <a:off x="2980702" y="3018471"/>
-            <a:ext cx="657783" cy="307777"/>
-          </a:xfrm>
-          <a:prstGeom prst="rect">
-            <a:avLst/>
-          </a:prstGeom>
-        </p:spPr>
-        <p:txBody>
-          <a:bodyPr wrap="square">
-            <a:spAutoFit/>
-          </a:bodyPr>
-          <a:lstStyle/>
-          <a:p>
-            <a:r>
-              <a:rPr lang="en-US" sz="1400" dirty="0">
-                <a:solidFill>
-                  <a:srgbClr val="333333"/>
-                </a:solidFill>
-                <a:latin typeface="verdana" panose="020B0604030504040204" pitchFamily="34" charset="0"/>
-              </a:rPr>
-              <a:t>0..*</a:t>
-            </a:r>
-            <a:endParaRPr lang="en-US" sz="1400" dirty="0"/>
-          </a:p>
-        </p:txBody>
-      </p:sp>
-      <p:sp>
-        <p:nvSpPr>
-          <p:cNvPr id="80" name="Rectangle 79">
-            <a:extLst>
-              <a:ext uri="{FF2B5EF4-FFF2-40B4-BE49-F238E27FC236}">
-                <a16:creationId xmlns:a16="http://schemas.microsoft.com/office/drawing/2014/main" id="{020EF6C3-943A-0843-90E1-11795599503E}"/>
-              </a:ext>
-            </a:extLst>
-          </p:cNvPr>
-          <p:cNvSpPr/>
-          <p:nvPr/>
-        </p:nvSpPr>
-        <p:spPr>
-          <a:xfrm>
-            <a:off x="3051092" y="4052348"/>
-            <a:ext cx="657783" cy="307777"/>
-          </a:xfrm>
-          <a:prstGeom prst="rect">
-            <a:avLst/>
-          </a:prstGeom>
-        </p:spPr>
-        <p:txBody>
-          <a:bodyPr wrap="square">
-            <a:spAutoFit/>
-          </a:bodyPr>
-          <a:lstStyle/>
-          <a:p>
-            <a:r>
-              <a:rPr lang="en-US" sz="1400" dirty="0">
-                <a:solidFill>
-                  <a:srgbClr val="333333"/>
-                </a:solidFill>
-                <a:latin typeface="verdana" panose="020B0604030504040204" pitchFamily="34" charset="0"/>
-              </a:rPr>
-              <a:t>0..*</a:t>
-            </a:r>
-            <a:endParaRPr lang="en-US" sz="1400" dirty="0"/>
-          </a:p>
-        </p:txBody>
-      </p:sp>
-      <p:sp>
-        <p:nvSpPr>
-          <p:cNvPr id="81" name="Rounded Rectangle 80">
-            <a:extLst>
-              <a:ext uri="{FF2B5EF4-FFF2-40B4-BE49-F238E27FC236}">
-                <a16:creationId xmlns:a16="http://schemas.microsoft.com/office/drawing/2014/main" id="{D95E67C5-8355-AC47-92CB-6C6E98F66BEF}"/>
-              </a:ext>
-            </a:extLst>
-          </p:cNvPr>
-          <p:cNvSpPr/>
-          <p:nvPr/>
-        </p:nvSpPr>
-        <p:spPr>
-          <a:xfrm>
-            <a:off x="4020835" y="667086"/>
-            <a:ext cx="1700458" cy="646546"/>
-          </a:xfrm>
-          <a:prstGeom prst="roundRect">
-            <a:avLst/>
-          </a:prstGeom>
-          <a:solidFill>
-            <a:schemeClr val="accent1">
-              <a:lumMod val="20000"/>
-              <a:lumOff val="80000"/>
-            </a:schemeClr>
-          </a:solidFill>
-        </p:spPr>
-        <p:style>
-          <a:lnRef idx="1">
-            <a:schemeClr val="accent1"/>
-          </a:lnRef>
-          <a:fillRef idx="3">
-            <a:schemeClr val="accent1"/>
-          </a:fillRef>
-          <a:effectRef idx="2">
-            <a:schemeClr val="accent1"/>
-          </a:effectRef>
-          <a:fontRef idx="minor">
-            <a:schemeClr val="lt1"/>
-          </a:fontRef>
-        </p:style>
-        <p:txBody>
-          <a:bodyPr rtlCol="0" anchor="ctr"/>
-          <a:lstStyle/>
-          <a:p>
-            <a:pPr algn="ctr"/>
-            <a:r>
-              <a:rPr lang="en-US" sz="1600" dirty="0">
-                <a:solidFill>
-                  <a:sysClr val="windowText" lastClr="000000"/>
-                </a:solidFill>
-              </a:rPr>
-              <a:t>Organization</a:t>
-            </a:r>
-          </a:p>
-        </p:txBody>
-      </p:sp>
-      <p:sp>
-        <p:nvSpPr>
-          <p:cNvPr id="83" name="Rounded Rectangle 82">
-            <a:extLst>
-              <a:ext uri="{FF2B5EF4-FFF2-40B4-BE49-F238E27FC236}">
-                <a16:creationId xmlns:a16="http://schemas.microsoft.com/office/drawing/2014/main" id="{FE2940BE-806C-B747-B5C7-45CE2DF41561}"/>
-              </a:ext>
-            </a:extLst>
-          </p:cNvPr>
-          <p:cNvSpPr/>
-          <p:nvPr/>
-        </p:nvSpPr>
-        <p:spPr>
-          <a:xfrm>
-            <a:off x="7040840" y="1788430"/>
-            <a:ext cx="1700458" cy="646546"/>
-          </a:xfrm>
-          <a:prstGeom prst="roundRect">
-            <a:avLst/>
-          </a:prstGeom>
-          <a:solidFill>
-            <a:schemeClr val="accent1">
-              <a:lumMod val="20000"/>
-              <a:lumOff val="80000"/>
-            </a:schemeClr>
-          </a:solidFill>
-        </p:spPr>
-        <p:style>
-          <a:lnRef idx="1">
-            <a:schemeClr val="accent1"/>
-          </a:lnRef>
-          <a:fillRef idx="3">
-            <a:schemeClr val="accent1"/>
-          </a:fillRef>
-          <a:effectRef idx="2">
-            <a:schemeClr val="accent1"/>
-          </a:effectRef>
-          <a:fontRef idx="minor">
-            <a:schemeClr val="lt1"/>
-          </a:fontRef>
-        </p:style>
-        <p:txBody>
-          <a:bodyPr rtlCol="0" anchor="ctr"/>
-          <a:lstStyle/>
-          <a:p>
-            <a:pPr algn="ctr"/>
-            <a:r>
-              <a:rPr lang="en-US" sz="1600" dirty="0" err="1">
-                <a:solidFill>
-                  <a:sysClr val="windowText" lastClr="000000"/>
-                </a:solidFill>
-              </a:rPr>
-              <a:t>InsurancePlan</a:t>
-            </a:r>
-            <a:endParaRPr lang="en-US" sz="1600" dirty="0">
-              <a:solidFill>
-                <a:sysClr val="windowText" lastClr="000000"/>
-              </a:solidFill>
-            </a:endParaRPr>
-          </a:p>
-        </p:txBody>
-      </p:sp>
-      <p:cxnSp>
-        <p:nvCxnSpPr>
-          <p:cNvPr id="84" name="Straight Arrow Connector 83">
-            <a:extLst>
-              <a:ext uri="{FF2B5EF4-FFF2-40B4-BE49-F238E27FC236}">
-                <a16:creationId xmlns:a16="http://schemas.microsoft.com/office/drawing/2014/main" id="{053E48BF-643D-3941-8E57-5652562EF307}"/>
-              </a:ext>
-            </a:extLst>
-          </p:cNvPr>
-          <p:cNvCxnSpPr>
-            <a:cxnSpLocks/>
-          </p:cNvCxnSpPr>
-          <p:nvPr/>
-        </p:nvCxnSpPr>
-        <p:spPr>
-          <a:xfrm flipV="1">
-            <a:off x="4947842" y="1313632"/>
-            <a:ext cx="0" cy="453297"/>
-          </a:xfrm>
-          <a:prstGeom prst="straightConnector1">
-            <a:avLst/>
-          </a:prstGeom>
-          <a:ln>
-            <a:headEnd type="none" w="lg" len="lg"/>
-            <a:tailEnd type="triangle" w="lg" len="lg"/>
-          </a:ln>
-        </p:spPr>
-        <p:style>
-          <a:lnRef idx="2">
-            <a:schemeClr val="accent1"/>
-          </a:lnRef>
-          <a:fillRef idx="0">
-            <a:schemeClr val="accent1"/>
-          </a:fillRef>
-          <a:effectRef idx="1">
-            <a:schemeClr val="accent1"/>
-          </a:effectRef>
-          <a:fontRef idx="minor">
-            <a:schemeClr val="tx1"/>
-          </a:fontRef>
-        </p:style>
-      </p:cxnSp>
-      <p:cxnSp>
-        <p:nvCxnSpPr>
-          <p:cNvPr id="86" name="Straight Arrow Connector 85">
-            <a:extLst>
-              <a:ext uri="{FF2B5EF4-FFF2-40B4-BE49-F238E27FC236}">
-                <a16:creationId xmlns:a16="http://schemas.microsoft.com/office/drawing/2014/main" id="{77DEFD5C-CA41-0D4D-9BA4-C50996680A4E}"/>
-              </a:ext>
-            </a:extLst>
-          </p:cNvPr>
-          <p:cNvCxnSpPr>
-            <a:cxnSpLocks/>
-            <a:stCxn id="83" idx="0"/>
-            <a:endCxn id="81" idx="3"/>
-          </p:cNvCxnSpPr>
-          <p:nvPr/>
-        </p:nvCxnSpPr>
-        <p:spPr>
-          <a:xfrm flipH="1" flipV="1">
-            <a:off x="5721293" y="990359"/>
-            <a:ext cx="2169776" cy="798071"/>
-          </a:xfrm>
-          <a:prstGeom prst="straightConnector1">
-            <a:avLst/>
-          </a:prstGeom>
-          <a:ln>
-            <a:headEnd type="none" w="lg" len="lg"/>
-            <a:tailEnd type="triangle" w="lg" len="lg"/>
-          </a:ln>
-        </p:spPr>
-        <p:style>
-          <a:lnRef idx="2">
-            <a:schemeClr val="accent1"/>
-          </a:lnRef>
-          <a:fillRef idx="0">
-            <a:schemeClr val="accent1"/>
-          </a:fillRef>
-          <a:effectRef idx="1">
-            <a:schemeClr val="accent1"/>
-          </a:effectRef>
-          <a:fontRef idx="minor">
-            <a:schemeClr val="tx1"/>
-          </a:fontRef>
-        </p:style>
-      </p:cxnSp>
-      <p:sp>
-        <p:nvSpPr>
-          <p:cNvPr id="90" name="TextBox 89">
-            <a:extLst>
-              <a:ext uri="{FF2B5EF4-FFF2-40B4-BE49-F238E27FC236}">
-                <a16:creationId xmlns:a16="http://schemas.microsoft.com/office/drawing/2014/main" id="{2EFDA358-F371-2847-B41A-1B7F476B7CDF}"/>
-              </a:ext>
-            </a:extLst>
-          </p:cNvPr>
-          <p:cNvSpPr txBox="1"/>
-          <p:nvPr/>
-        </p:nvSpPr>
-        <p:spPr>
-          <a:xfrm>
-            <a:off x="2760160" y="808299"/>
-            <a:ext cx="797013" cy="369332"/>
-          </a:xfrm>
-          <a:prstGeom prst="rect">
-            <a:avLst/>
-          </a:prstGeom>
-          <a:noFill/>
-        </p:spPr>
-        <p:txBody>
-          <a:bodyPr wrap="none" rtlCol="0">
-            <a:spAutoFit/>
-          </a:bodyPr>
-          <a:lstStyle/>
-          <a:p>
-            <a:r>
-              <a:rPr lang="en-US" dirty="0" err="1"/>
-              <a:t>partOf</a:t>
-            </a:r>
-            <a:endParaRPr lang="en-US" dirty="0"/>
-          </a:p>
-        </p:txBody>
-      </p:sp>
-      <p:sp>
-        <p:nvSpPr>
-          <p:cNvPr id="91" name="Rectangle 90">
-            <a:extLst>
-              <a:ext uri="{FF2B5EF4-FFF2-40B4-BE49-F238E27FC236}">
-                <a16:creationId xmlns:a16="http://schemas.microsoft.com/office/drawing/2014/main" id="{7C4A11AA-3DCC-A443-B9C7-CC5796F69287}"/>
-              </a:ext>
-            </a:extLst>
-          </p:cNvPr>
-          <p:cNvSpPr/>
-          <p:nvPr/>
-        </p:nvSpPr>
-        <p:spPr>
-          <a:xfrm>
-            <a:off x="3488748" y="459877"/>
-            <a:ext cx="657783" cy="307777"/>
-          </a:xfrm>
-          <a:prstGeom prst="rect">
-            <a:avLst/>
-          </a:prstGeom>
-        </p:spPr>
-        <p:txBody>
-          <a:bodyPr wrap="square">
-            <a:spAutoFit/>
-          </a:bodyPr>
-          <a:lstStyle/>
-          <a:p>
-            <a:r>
-              <a:rPr lang="en-US" sz="1400" dirty="0">
-                <a:solidFill>
-                  <a:srgbClr val="333333"/>
-                </a:solidFill>
-                <a:latin typeface="verdana" panose="020B0604030504040204" pitchFamily="34" charset="0"/>
-              </a:rPr>
-              <a:t>0..1</a:t>
-            </a:r>
-            <a:endParaRPr lang="en-US" sz="1400" dirty="0"/>
-          </a:p>
-        </p:txBody>
-      </p:sp>
-      <p:sp>
-        <p:nvSpPr>
-          <p:cNvPr id="92" name="Curved Left Arrow 91">
-            <a:extLst>
-              <a:ext uri="{FF2B5EF4-FFF2-40B4-BE49-F238E27FC236}">
-                <a16:creationId xmlns:a16="http://schemas.microsoft.com/office/drawing/2014/main" id="{EDD70B0E-4120-254C-9E5D-BAFD53EFAA48}"/>
-              </a:ext>
-            </a:extLst>
-          </p:cNvPr>
-          <p:cNvSpPr/>
-          <p:nvPr/>
-        </p:nvSpPr>
-        <p:spPr>
-          <a:xfrm flipH="1">
-            <a:off x="3611313" y="813826"/>
-            <a:ext cx="349956" cy="365125"/>
-          </a:xfrm>
-          <a:prstGeom prst="curvedLeftArrow">
-            <a:avLst/>
-          </a:prstGeom>
-        </p:spPr>
-        <p:style>
-          <a:lnRef idx="2">
-            <a:schemeClr val="accent1">
-              <a:shade val="50000"/>
-            </a:schemeClr>
-          </a:lnRef>
-          <a:fillRef idx="1">
-            <a:schemeClr val="accent1"/>
-          </a:fillRef>
-          <a:effectRef idx="0">
-            <a:schemeClr val="accent1"/>
-          </a:effectRef>
-          <a:fontRef idx="minor">
-            <a:schemeClr val="lt1"/>
-          </a:fontRef>
-        </p:style>
-        <p:txBody>
-          <a:bodyPr rtlCol="0" anchor="ctr"/>
-          <a:lstStyle/>
-          <a:p>
-            <a:pPr algn="ctr"/>
-            <a:endParaRPr lang="en-US">
-              <a:solidFill>
-                <a:schemeClr val="tx1"/>
-              </a:solidFill>
-            </a:endParaRPr>
-          </a:p>
-        </p:txBody>
-      </p:sp>
-      <p:cxnSp>
-        <p:nvCxnSpPr>
-          <p:cNvPr id="94" name="Straight Arrow Connector 93">
-            <a:extLst>
-              <a:ext uri="{FF2B5EF4-FFF2-40B4-BE49-F238E27FC236}">
-                <a16:creationId xmlns:a16="http://schemas.microsoft.com/office/drawing/2014/main" id="{A73558DC-4CF4-6E45-8395-CB6FB2FC4A4B}"/>
-              </a:ext>
-            </a:extLst>
-          </p:cNvPr>
-          <p:cNvCxnSpPr>
-            <a:cxnSpLocks/>
-            <a:stCxn id="83" idx="1"/>
-            <a:endCxn id="23" idx="3"/>
-          </p:cNvCxnSpPr>
-          <p:nvPr/>
-        </p:nvCxnSpPr>
-        <p:spPr>
-          <a:xfrm flipH="1" flipV="1">
-            <a:off x="5624416" y="2107821"/>
-            <a:ext cx="1416424" cy="3882"/>
-          </a:xfrm>
-          <a:prstGeom prst="straightConnector1">
-            <a:avLst/>
-          </a:prstGeom>
-          <a:ln>
-            <a:headEnd type="none" w="lg" len="lg"/>
-            <a:tailEnd type="triangle" w="lg" len="lg"/>
-          </a:ln>
-        </p:spPr>
-        <p:style>
-          <a:lnRef idx="2">
-            <a:schemeClr val="accent1"/>
-          </a:lnRef>
-          <a:fillRef idx="0">
-            <a:schemeClr val="accent1"/>
-          </a:fillRef>
-          <a:effectRef idx="1">
-            <a:schemeClr val="accent1"/>
-          </a:effectRef>
-          <a:fontRef idx="minor">
-            <a:schemeClr val="tx1"/>
-          </a:fontRef>
-        </p:style>
-      </p:cxnSp>
-      <p:sp>
-        <p:nvSpPr>
-          <p:cNvPr id="100" name="TextBox 99">
-            <a:extLst>
-              <a:ext uri="{FF2B5EF4-FFF2-40B4-BE49-F238E27FC236}">
-                <a16:creationId xmlns:a16="http://schemas.microsoft.com/office/drawing/2014/main" id="{CF8FEB5F-3668-6249-8949-5485C1D0FE0B}"/>
-              </a:ext>
-            </a:extLst>
-          </p:cNvPr>
-          <p:cNvSpPr txBox="1"/>
-          <p:nvPr/>
-        </p:nvSpPr>
-        <p:spPr>
-          <a:xfrm>
-            <a:off x="5897309" y="1298010"/>
-            <a:ext cx="1056764" cy="369332"/>
-          </a:xfrm>
-          <a:prstGeom prst="rect">
-            <a:avLst/>
-          </a:prstGeom>
-          <a:noFill/>
-        </p:spPr>
-        <p:txBody>
-          <a:bodyPr wrap="none" rtlCol="0">
-            <a:spAutoFit/>
-          </a:bodyPr>
-          <a:lstStyle/>
-          <a:p>
-            <a:r>
-              <a:rPr lang="en-US" dirty="0" err="1"/>
-              <a:t>ownedBy</a:t>
-            </a:r>
-            <a:endParaRPr lang="en-US" dirty="0"/>
-          </a:p>
-        </p:txBody>
-      </p:sp>
-      <p:sp>
-        <p:nvSpPr>
-          <p:cNvPr id="101" name="Rectangle 100">
-            <a:extLst>
-              <a:ext uri="{FF2B5EF4-FFF2-40B4-BE49-F238E27FC236}">
-                <a16:creationId xmlns:a16="http://schemas.microsoft.com/office/drawing/2014/main" id="{C7B1DB05-2D3B-424D-887A-B1ECAF99D072}"/>
-              </a:ext>
-            </a:extLst>
-          </p:cNvPr>
-          <p:cNvSpPr/>
-          <p:nvPr/>
-        </p:nvSpPr>
-        <p:spPr>
-          <a:xfrm>
-            <a:off x="7002511" y="1254253"/>
-            <a:ext cx="657783" cy="307777"/>
-          </a:xfrm>
-          <a:prstGeom prst="rect">
-            <a:avLst/>
-          </a:prstGeom>
-        </p:spPr>
-        <p:txBody>
-          <a:bodyPr wrap="square">
-            <a:spAutoFit/>
-          </a:bodyPr>
-          <a:lstStyle/>
-          <a:p>
-            <a:r>
-              <a:rPr lang="en-US" sz="1400" dirty="0">
-                <a:solidFill>
-                  <a:srgbClr val="333333"/>
-                </a:solidFill>
-                <a:latin typeface="verdana" panose="020B0604030504040204" pitchFamily="34" charset="0"/>
-              </a:rPr>
-              <a:t>1..1</a:t>
-            </a:r>
-            <a:endParaRPr lang="en-US" sz="1400" dirty="0"/>
-          </a:p>
-        </p:txBody>
-      </p:sp>
-      <p:sp>
-        <p:nvSpPr>
-          <p:cNvPr id="102" name="Rounded Rectangle 101">
-            <a:extLst>
-              <a:ext uri="{FF2B5EF4-FFF2-40B4-BE49-F238E27FC236}">
-                <a16:creationId xmlns:a16="http://schemas.microsoft.com/office/drawing/2014/main" id="{A0772DEC-94EB-7648-B3B1-C464708B0690}"/>
-              </a:ext>
-            </a:extLst>
-          </p:cNvPr>
-          <p:cNvSpPr/>
-          <p:nvPr/>
-        </p:nvSpPr>
-        <p:spPr>
-          <a:xfrm>
-            <a:off x="7994651" y="600081"/>
-            <a:ext cx="1700458" cy="646546"/>
-          </a:xfrm>
-          <a:prstGeom prst="roundRect">
-            <a:avLst/>
-          </a:prstGeom>
-          <a:solidFill>
-            <a:schemeClr val="accent1">
-              <a:lumMod val="20000"/>
-              <a:lumOff val="80000"/>
-            </a:schemeClr>
-          </a:solidFill>
-        </p:spPr>
-        <p:style>
-          <a:lnRef idx="1">
-            <a:schemeClr val="accent1"/>
-          </a:lnRef>
-          <a:fillRef idx="3">
-            <a:schemeClr val="accent1"/>
-          </a:fillRef>
-          <a:effectRef idx="2">
-            <a:schemeClr val="accent1"/>
-          </a:effectRef>
-          <a:fontRef idx="minor">
-            <a:schemeClr val="lt1"/>
-          </a:fontRef>
-        </p:style>
-        <p:txBody>
-          <a:bodyPr rtlCol="0" anchor="ctr"/>
-          <a:lstStyle/>
-          <a:p>
-            <a:pPr algn="ctr"/>
-            <a:r>
-              <a:rPr lang="en-US" sz="1600" dirty="0">
-                <a:solidFill>
-                  <a:sysClr val="windowText" lastClr="000000"/>
-                </a:solidFill>
-              </a:rPr>
-              <a:t>Organization</a:t>
-            </a:r>
-          </a:p>
-        </p:txBody>
-      </p:sp>
-      <p:sp>
-        <p:nvSpPr>
-          <p:cNvPr id="104" name="TextBox 103">
-            <a:extLst>
-              <a:ext uri="{FF2B5EF4-FFF2-40B4-BE49-F238E27FC236}">
-                <a16:creationId xmlns:a16="http://schemas.microsoft.com/office/drawing/2014/main" id="{4A97D9B3-38AB-A84C-928C-C7554896912C}"/>
-              </a:ext>
-            </a:extLst>
-          </p:cNvPr>
-          <p:cNvSpPr txBox="1"/>
-          <p:nvPr/>
-        </p:nvSpPr>
-        <p:spPr>
-          <a:xfrm>
-            <a:off x="10054906" y="600871"/>
-            <a:ext cx="797013" cy="369332"/>
-          </a:xfrm>
-          <a:prstGeom prst="rect">
-            <a:avLst/>
-          </a:prstGeom>
-          <a:noFill/>
-        </p:spPr>
-        <p:txBody>
-          <a:bodyPr wrap="none" rtlCol="0">
-            <a:spAutoFit/>
-          </a:bodyPr>
-          <a:lstStyle/>
-          <a:p>
-            <a:r>
-              <a:rPr lang="en-US" dirty="0" err="1"/>
-              <a:t>partOf</a:t>
-            </a:r>
-            <a:endParaRPr lang="en-US" dirty="0"/>
-          </a:p>
-        </p:txBody>
-      </p:sp>
-      <p:sp>
-        <p:nvSpPr>
-          <p:cNvPr id="105" name="Rectangle 104">
-            <a:extLst>
-              <a:ext uri="{FF2B5EF4-FFF2-40B4-BE49-F238E27FC236}">
-                <a16:creationId xmlns:a16="http://schemas.microsoft.com/office/drawing/2014/main" id="{11C72FC9-E012-7348-B2F9-073DE54EA1E0}"/>
-              </a:ext>
-            </a:extLst>
-          </p:cNvPr>
-          <p:cNvSpPr/>
-          <p:nvPr/>
-        </p:nvSpPr>
-        <p:spPr>
-          <a:xfrm>
-            <a:off x="9582385" y="366232"/>
-            <a:ext cx="657783" cy="307777"/>
-          </a:xfrm>
-          <a:prstGeom prst="rect">
-            <a:avLst/>
-          </a:prstGeom>
-        </p:spPr>
-        <p:txBody>
-          <a:bodyPr wrap="square">
-            <a:spAutoFit/>
-          </a:bodyPr>
-          <a:lstStyle/>
-          <a:p>
-            <a:r>
-              <a:rPr lang="en-US" sz="1400" dirty="0">
-                <a:solidFill>
-                  <a:srgbClr val="333333"/>
-                </a:solidFill>
-                <a:latin typeface="verdana" panose="020B0604030504040204" pitchFamily="34" charset="0"/>
-              </a:rPr>
-              <a:t>0..1</a:t>
-            </a:r>
-            <a:endParaRPr lang="en-US" sz="1400" dirty="0"/>
-          </a:p>
-        </p:txBody>
-      </p:sp>
-      <p:sp>
-        <p:nvSpPr>
-          <p:cNvPr id="106" name="Curved Left Arrow 105">
-            <a:extLst>
-              <a:ext uri="{FF2B5EF4-FFF2-40B4-BE49-F238E27FC236}">
-                <a16:creationId xmlns:a16="http://schemas.microsoft.com/office/drawing/2014/main" id="{EB89360F-CC44-664D-93A5-60D139DFFFCC}"/>
-              </a:ext>
-            </a:extLst>
-          </p:cNvPr>
-          <p:cNvSpPr/>
-          <p:nvPr/>
-        </p:nvSpPr>
-        <p:spPr>
-          <a:xfrm>
-            <a:off x="9704950" y="720181"/>
-            <a:ext cx="349956" cy="365125"/>
-          </a:xfrm>
-          <a:prstGeom prst="curvedLeftArrow">
-            <a:avLst/>
-          </a:prstGeom>
-        </p:spPr>
-        <p:style>
-          <a:lnRef idx="2">
-            <a:schemeClr val="accent1">
-              <a:shade val="50000"/>
-            </a:schemeClr>
-          </a:lnRef>
-          <a:fillRef idx="1">
-            <a:schemeClr val="accent1"/>
-          </a:fillRef>
-          <a:effectRef idx="0">
-            <a:schemeClr val="accent1"/>
-          </a:effectRef>
-          <a:fontRef idx="minor">
-            <a:schemeClr val="lt1"/>
-          </a:fontRef>
-        </p:style>
-        <p:txBody>
-          <a:bodyPr rtlCol="0" anchor="ctr"/>
-          <a:lstStyle/>
-          <a:p>
-            <a:pPr algn="ctr"/>
-            <a:endParaRPr lang="en-US">
-              <a:solidFill>
-                <a:schemeClr val="tx1"/>
-              </a:solidFill>
-            </a:endParaRPr>
-          </a:p>
-        </p:txBody>
-      </p:sp>
-      <p:cxnSp>
-        <p:nvCxnSpPr>
-          <p:cNvPr id="107" name="Straight Arrow Connector 106">
-            <a:extLst>
-              <a:ext uri="{FF2B5EF4-FFF2-40B4-BE49-F238E27FC236}">
-                <a16:creationId xmlns:a16="http://schemas.microsoft.com/office/drawing/2014/main" id="{CEB5D9E1-72F6-9E4B-9251-FF6FA5C82AB9}"/>
-              </a:ext>
-            </a:extLst>
-          </p:cNvPr>
-          <p:cNvCxnSpPr>
-            <a:cxnSpLocks/>
-            <a:stCxn id="83" idx="0"/>
-            <a:endCxn id="102" idx="2"/>
-          </p:cNvCxnSpPr>
-          <p:nvPr/>
-        </p:nvCxnSpPr>
-        <p:spPr>
-          <a:xfrm flipV="1">
-            <a:off x="7891069" y="1246627"/>
-            <a:ext cx="953811" cy="541803"/>
-          </a:xfrm>
-          <a:prstGeom prst="straightConnector1">
-            <a:avLst/>
-          </a:prstGeom>
-          <a:ln>
-            <a:headEnd type="none" w="lg" len="lg"/>
-            <a:tailEnd type="triangle" w="lg" len="lg"/>
-          </a:ln>
-        </p:spPr>
-        <p:style>
-          <a:lnRef idx="2">
-            <a:schemeClr val="accent1"/>
-          </a:lnRef>
-          <a:fillRef idx="0">
-            <a:schemeClr val="accent1"/>
-          </a:fillRef>
-          <a:effectRef idx="1">
-            <a:schemeClr val="accent1"/>
-          </a:effectRef>
-          <a:fontRef idx="minor">
-            <a:schemeClr val="tx1"/>
-          </a:fontRef>
-        </p:style>
-      </p:cxnSp>
-      <p:sp>
-        <p:nvSpPr>
-          <p:cNvPr id="110" name="TextBox 109">
-            <a:extLst>
-              <a:ext uri="{FF2B5EF4-FFF2-40B4-BE49-F238E27FC236}">
-                <a16:creationId xmlns:a16="http://schemas.microsoft.com/office/drawing/2014/main" id="{B04EBE4B-9563-8648-A204-9A4350ACEF6D}"/>
-              </a:ext>
-            </a:extLst>
-          </p:cNvPr>
-          <p:cNvSpPr txBox="1"/>
-          <p:nvPr/>
-        </p:nvSpPr>
-        <p:spPr>
-          <a:xfrm>
-            <a:off x="8664519" y="1268566"/>
-            <a:ext cx="1647502" cy="369332"/>
-          </a:xfrm>
-          <a:prstGeom prst="rect">
-            <a:avLst/>
-          </a:prstGeom>
-          <a:noFill/>
-        </p:spPr>
-        <p:txBody>
-          <a:bodyPr wrap="none" rtlCol="0">
-            <a:spAutoFit/>
-          </a:bodyPr>
-          <a:lstStyle/>
-          <a:p>
-            <a:r>
-              <a:rPr lang="en-US" dirty="0" err="1"/>
-              <a:t>administeredBy</a:t>
-            </a:r>
-            <a:endParaRPr lang="en-US" dirty="0"/>
-          </a:p>
-        </p:txBody>
-      </p:sp>
-      <p:sp>
-        <p:nvSpPr>
-          <p:cNvPr id="111" name="Rectangle 110">
-            <a:extLst>
-              <a:ext uri="{FF2B5EF4-FFF2-40B4-BE49-F238E27FC236}">
-                <a16:creationId xmlns:a16="http://schemas.microsoft.com/office/drawing/2014/main" id="{C63BE8D3-E513-2A41-9B78-742203B0DB88}"/>
-              </a:ext>
-            </a:extLst>
-          </p:cNvPr>
-          <p:cNvSpPr/>
-          <p:nvPr/>
-        </p:nvSpPr>
-        <p:spPr>
-          <a:xfrm>
-            <a:off x="7915796" y="1260868"/>
-            <a:ext cx="657783" cy="307777"/>
-          </a:xfrm>
-          <a:prstGeom prst="rect">
-            <a:avLst/>
-          </a:prstGeom>
-        </p:spPr>
-        <p:txBody>
-          <a:bodyPr wrap="square">
-            <a:spAutoFit/>
-          </a:bodyPr>
-          <a:lstStyle/>
-          <a:p>
-            <a:r>
-              <a:rPr lang="en-US" sz="1400" dirty="0">
-                <a:solidFill>
-                  <a:srgbClr val="333333"/>
-                </a:solidFill>
-                <a:latin typeface="verdana" panose="020B0604030504040204" pitchFamily="34" charset="0"/>
-              </a:rPr>
-              <a:t>1..1</a:t>
-            </a:r>
-            <a:endParaRPr lang="en-US" sz="1400" dirty="0"/>
-          </a:p>
-        </p:txBody>
-      </p:sp>
-      <p:sp>
-        <p:nvSpPr>
-          <p:cNvPr id="114" name="Rounded Rectangle 113">
-            <a:extLst>
-              <a:ext uri="{FF2B5EF4-FFF2-40B4-BE49-F238E27FC236}">
-                <a16:creationId xmlns:a16="http://schemas.microsoft.com/office/drawing/2014/main" id="{5D60DA75-399A-C243-AC42-93E784192CEC}"/>
-              </a:ext>
-            </a:extLst>
-          </p:cNvPr>
-          <p:cNvSpPr/>
-          <p:nvPr/>
-        </p:nvSpPr>
-        <p:spPr>
-          <a:xfrm>
-            <a:off x="9603183" y="3281623"/>
-            <a:ext cx="1700458" cy="646546"/>
-          </a:xfrm>
-          <a:prstGeom prst="roundRect">
-            <a:avLst/>
-          </a:prstGeom>
-          <a:solidFill>
-            <a:schemeClr val="accent1">
-              <a:lumMod val="20000"/>
-              <a:lumOff val="80000"/>
-            </a:schemeClr>
-          </a:solidFill>
-        </p:spPr>
-        <p:style>
-          <a:lnRef idx="1">
-            <a:schemeClr val="accent1"/>
-          </a:lnRef>
-          <a:fillRef idx="3">
-            <a:schemeClr val="accent1"/>
-          </a:fillRef>
-          <a:effectRef idx="2">
-            <a:schemeClr val="accent1"/>
-          </a:effectRef>
-          <a:fontRef idx="minor">
-            <a:schemeClr val="lt1"/>
-          </a:fontRef>
-        </p:style>
-        <p:txBody>
-          <a:bodyPr rtlCol="0" anchor="ctr"/>
-          <a:lstStyle/>
-          <a:p>
-            <a:pPr algn="ctr"/>
-            <a:r>
-              <a:rPr lang="en-US" sz="1600" dirty="0">
-                <a:solidFill>
-                  <a:sysClr val="windowText" lastClr="000000"/>
-                </a:solidFill>
-              </a:rPr>
-              <a:t>Organization</a:t>
-            </a:r>
-          </a:p>
-        </p:txBody>
-      </p:sp>
-      <p:cxnSp>
-        <p:nvCxnSpPr>
-          <p:cNvPr id="115" name="Straight Arrow Connector 114">
-            <a:extLst>
-              <a:ext uri="{FF2B5EF4-FFF2-40B4-BE49-F238E27FC236}">
-                <a16:creationId xmlns:a16="http://schemas.microsoft.com/office/drawing/2014/main" id="{3A8B173D-1B05-3F44-86C0-695FF3F47776}"/>
-              </a:ext>
-            </a:extLst>
-          </p:cNvPr>
-          <p:cNvCxnSpPr>
-            <a:cxnSpLocks/>
-            <a:stCxn id="6" idx="3"/>
-            <a:endCxn id="114" idx="1"/>
-          </p:cNvCxnSpPr>
-          <p:nvPr/>
-        </p:nvCxnSpPr>
-        <p:spPr>
-          <a:xfrm>
-            <a:off x="8380315" y="3604741"/>
-            <a:ext cx="1222868" cy="155"/>
-          </a:xfrm>
-          <a:prstGeom prst="straightConnector1">
-            <a:avLst/>
-          </a:prstGeom>
-          <a:ln>
-            <a:headEnd type="none" w="lg" len="lg"/>
-            <a:tailEnd type="triangle" w="lg" len="lg"/>
-          </a:ln>
-        </p:spPr>
-        <p:style>
-          <a:lnRef idx="2">
-            <a:schemeClr val="accent1"/>
-          </a:lnRef>
-          <a:fillRef idx="0">
-            <a:schemeClr val="accent1"/>
-          </a:fillRef>
-          <a:effectRef idx="1">
-            <a:schemeClr val="accent1"/>
-          </a:effectRef>
-          <a:fontRef idx="minor">
-            <a:schemeClr val="tx1"/>
-          </a:fontRef>
-        </p:style>
-      </p:cxnSp>
-      <p:sp>
-        <p:nvSpPr>
-          <p:cNvPr id="118" name="Rectangle 117">
-            <a:extLst>
-              <a:ext uri="{FF2B5EF4-FFF2-40B4-BE49-F238E27FC236}">
-                <a16:creationId xmlns:a16="http://schemas.microsoft.com/office/drawing/2014/main" id="{108D8AB9-8D83-414C-997B-2E504BDF0060}"/>
-              </a:ext>
-            </a:extLst>
-          </p:cNvPr>
-          <p:cNvSpPr/>
-          <p:nvPr/>
-        </p:nvSpPr>
-        <p:spPr>
-          <a:xfrm>
-            <a:off x="8662857" y="3306816"/>
-            <a:ext cx="657783" cy="307777"/>
-          </a:xfrm>
-          <a:prstGeom prst="rect">
-            <a:avLst/>
-          </a:prstGeom>
-        </p:spPr>
-        <p:txBody>
-          <a:bodyPr wrap="square">
-            <a:spAutoFit/>
-          </a:bodyPr>
-          <a:lstStyle/>
-          <a:p>
-            <a:r>
-              <a:rPr lang="en-US" sz="1400" dirty="0">
-                <a:solidFill>
-                  <a:srgbClr val="333333"/>
-                </a:solidFill>
-                <a:latin typeface="verdana" panose="020B0604030504040204" pitchFamily="34" charset="0"/>
-              </a:rPr>
-              <a:t>0..1</a:t>
-            </a:r>
-            <a:endParaRPr lang="en-US" sz="1400" dirty="0"/>
-          </a:p>
-        </p:txBody>
-      </p:sp>
-      <p:sp>
-        <p:nvSpPr>
-          <p:cNvPr id="119" name="TextBox 118">
-            <a:extLst>
-              <a:ext uri="{FF2B5EF4-FFF2-40B4-BE49-F238E27FC236}">
-                <a16:creationId xmlns:a16="http://schemas.microsoft.com/office/drawing/2014/main" id="{84117AC7-818B-8B45-B8FE-4D6D642CB89E}"/>
-              </a:ext>
-            </a:extLst>
-          </p:cNvPr>
-          <p:cNvSpPr txBox="1"/>
-          <p:nvPr/>
-        </p:nvSpPr>
-        <p:spPr>
-          <a:xfrm>
-            <a:off x="11259142" y="3729548"/>
-            <a:ext cx="797013" cy="369332"/>
-          </a:xfrm>
-          <a:prstGeom prst="rect">
-            <a:avLst/>
-          </a:prstGeom>
-          <a:noFill/>
-        </p:spPr>
-        <p:txBody>
-          <a:bodyPr wrap="none" rtlCol="0">
-            <a:spAutoFit/>
-          </a:bodyPr>
-          <a:lstStyle/>
-          <a:p>
-            <a:r>
-              <a:rPr lang="en-US" dirty="0" err="1"/>
-              <a:t>partOf</a:t>
-            </a:r>
-            <a:endParaRPr lang="en-US" dirty="0"/>
-          </a:p>
-        </p:txBody>
-      </p:sp>
-      <p:sp>
-        <p:nvSpPr>
-          <p:cNvPr id="120" name="Rectangle 119">
-            <a:extLst>
-              <a:ext uri="{FF2B5EF4-FFF2-40B4-BE49-F238E27FC236}">
-                <a16:creationId xmlns:a16="http://schemas.microsoft.com/office/drawing/2014/main" id="{9354A664-C339-734D-ADAA-6A83E293CEF9}"/>
-              </a:ext>
-            </a:extLst>
-          </p:cNvPr>
-          <p:cNvSpPr/>
-          <p:nvPr/>
-        </p:nvSpPr>
-        <p:spPr>
-          <a:xfrm>
-            <a:off x="11186212" y="3064962"/>
-            <a:ext cx="657783" cy="307777"/>
-          </a:xfrm>
-          <a:prstGeom prst="rect">
-            <a:avLst/>
-          </a:prstGeom>
-        </p:spPr>
-        <p:txBody>
-          <a:bodyPr wrap="square">
-            <a:spAutoFit/>
-          </a:bodyPr>
-          <a:lstStyle/>
-          <a:p>
-            <a:r>
-              <a:rPr lang="en-US" sz="1400" dirty="0">
-                <a:solidFill>
-                  <a:srgbClr val="333333"/>
-                </a:solidFill>
-                <a:latin typeface="verdana" panose="020B0604030504040204" pitchFamily="34" charset="0"/>
-              </a:rPr>
-              <a:t>0..1</a:t>
-            </a:r>
-            <a:endParaRPr lang="en-US" sz="1400" dirty="0"/>
-          </a:p>
-        </p:txBody>
-      </p:sp>
-      <p:sp>
-        <p:nvSpPr>
-          <p:cNvPr id="121" name="Curved Left Arrow 120">
-            <a:extLst>
-              <a:ext uri="{FF2B5EF4-FFF2-40B4-BE49-F238E27FC236}">
-                <a16:creationId xmlns:a16="http://schemas.microsoft.com/office/drawing/2014/main" id="{351AB65B-37A0-6343-AF17-00B2B12D9AC2}"/>
-              </a:ext>
-            </a:extLst>
-          </p:cNvPr>
-          <p:cNvSpPr/>
-          <p:nvPr/>
-        </p:nvSpPr>
-        <p:spPr>
-          <a:xfrm>
-            <a:off x="11308777" y="3418911"/>
-            <a:ext cx="349956" cy="365125"/>
-          </a:xfrm>
-          <a:prstGeom prst="curvedLeftArrow">
-            <a:avLst/>
-          </a:prstGeom>
-        </p:spPr>
-        <p:style>
-          <a:lnRef idx="2">
-            <a:schemeClr val="accent1">
-              <a:shade val="50000"/>
-            </a:schemeClr>
-          </a:lnRef>
-          <a:fillRef idx="1">
-            <a:schemeClr val="accent1"/>
-          </a:fillRef>
-          <a:effectRef idx="0">
-            <a:schemeClr val="accent1"/>
-          </a:effectRef>
-          <a:fontRef idx="minor">
-            <a:schemeClr val="lt1"/>
-          </a:fontRef>
-        </p:style>
-        <p:txBody>
-          <a:bodyPr rtlCol="0" anchor="ctr"/>
-          <a:lstStyle/>
-          <a:p>
-            <a:pPr algn="ctr"/>
-            <a:endParaRPr lang="en-US">
-              <a:solidFill>
-                <a:schemeClr val="tx1"/>
-              </a:solidFill>
-            </a:endParaRPr>
-          </a:p>
-        </p:txBody>
-      </p:sp>
-      <p:sp>
-        <p:nvSpPr>
-          <p:cNvPr id="125" name="Rounded Rectangle 124">
-            <a:extLst>
-              <a:ext uri="{FF2B5EF4-FFF2-40B4-BE49-F238E27FC236}">
-                <a16:creationId xmlns:a16="http://schemas.microsoft.com/office/drawing/2014/main" id="{1DA60D01-71E1-8B43-A3F9-9BC288516463}"/>
-              </a:ext>
-            </a:extLst>
-          </p:cNvPr>
-          <p:cNvSpPr/>
-          <p:nvPr/>
-        </p:nvSpPr>
-        <p:spPr>
-          <a:xfrm>
-            <a:off x="573987" y="1525051"/>
-            <a:ext cx="1700458" cy="646546"/>
-          </a:xfrm>
-          <a:prstGeom prst="roundRect">
-            <a:avLst/>
-          </a:prstGeom>
-          <a:solidFill>
-            <a:schemeClr val="accent1">
-              <a:lumMod val="20000"/>
-              <a:lumOff val="80000"/>
-            </a:schemeClr>
-          </a:solidFill>
-        </p:spPr>
-        <p:style>
-          <a:lnRef idx="1">
-            <a:schemeClr val="accent1"/>
-          </a:lnRef>
-          <a:fillRef idx="3">
-            <a:schemeClr val="accent1"/>
-          </a:fillRef>
-          <a:effectRef idx="2">
-            <a:schemeClr val="accent1"/>
-          </a:effectRef>
-          <a:fontRef idx="minor">
-            <a:schemeClr val="lt1"/>
-          </a:fontRef>
-        </p:style>
-        <p:txBody>
-          <a:bodyPr rtlCol="0" anchor="ctr"/>
-          <a:lstStyle/>
-          <a:p>
-            <a:pPr algn="ctr"/>
-            <a:r>
-              <a:rPr lang="en-US" sz="1600" dirty="0">
-                <a:solidFill>
-                  <a:sysClr val="windowText" lastClr="000000"/>
-                </a:solidFill>
-              </a:rPr>
-              <a:t>Organization</a:t>
-            </a:r>
-          </a:p>
-        </p:txBody>
-      </p:sp>
-      <p:sp>
-        <p:nvSpPr>
-          <p:cNvPr id="126" name="TextBox 125">
-            <a:extLst>
-              <a:ext uri="{FF2B5EF4-FFF2-40B4-BE49-F238E27FC236}">
-                <a16:creationId xmlns:a16="http://schemas.microsoft.com/office/drawing/2014/main" id="{DE6F8A2E-B23A-D849-9CD6-338DEBCEF676}"/>
-              </a:ext>
-            </a:extLst>
-          </p:cNvPr>
-          <p:cNvSpPr txBox="1"/>
-          <p:nvPr/>
-        </p:nvSpPr>
-        <p:spPr>
-          <a:xfrm>
-            <a:off x="2644213" y="1503427"/>
-            <a:ext cx="797013" cy="369332"/>
-          </a:xfrm>
-          <a:prstGeom prst="rect">
-            <a:avLst/>
-          </a:prstGeom>
-          <a:noFill/>
-        </p:spPr>
-        <p:txBody>
-          <a:bodyPr wrap="none" rtlCol="0">
-            <a:spAutoFit/>
-          </a:bodyPr>
-          <a:lstStyle/>
-          <a:p>
-            <a:r>
-              <a:rPr lang="en-US" dirty="0" err="1"/>
-              <a:t>partOf</a:t>
-            </a:r>
-            <a:endParaRPr lang="en-US" dirty="0"/>
-          </a:p>
-        </p:txBody>
-      </p:sp>
-      <p:sp>
-        <p:nvSpPr>
-          <p:cNvPr id="127" name="Rectangle 126">
-            <a:extLst>
-              <a:ext uri="{FF2B5EF4-FFF2-40B4-BE49-F238E27FC236}">
-                <a16:creationId xmlns:a16="http://schemas.microsoft.com/office/drawing/2014/main" id="{748B1F50-A702-B14D-8AAA-2A15992B5179}"/>
-              </a:ext>
-            </a:extLst>
-          </p:cNvPr>
-          <p:cNvSpPr/>
-          <p:nvPr/>
-        </p:nvSpPr>
-        <p:spPr>
-          <a:xfrm>
-            <a:off x="2171692" y="1268788"/>
-            <a:ext cx="657783" cy="307777"/>
-          </a:xfrm>
-          <a:prstGeom prst="rect">
-            <a:avLst/>
-          </a:prstGeom>
-        </p:spPr>
-        <p:txBody>
-          <a:bodyPr wrap="square">
-            <a:spAutoFit/>
-          </a:bodyPr>
-          <a:lstStyle/>
-          <a:p>
-            <a:r>
-              <a:rPr lang="en-US" sz="1400" dirty="0">
-                <a:solidFill>
-                  <a:srgbClr val="333333"/>
-                </a:solidFill>
-                <a:latin typeface="verdana" panose="020B0604030504040204" pitchFamily="34" charset="0"/>
-              </a:rPr>
-              <a:t>0..1</a:t>
-            </a:r>
-            <a:endParaRPr lang="en-US" sz="1400" dirty="0"/>
-          </a:p>
-        </p:txBody>
-      </p:sp>
-      <p:sp>
-        <p:nvSpPr>
-          <p:cNvPr id="128" name="Curved Left Arrow 127">
-            <a:extLst>
-              <a:ext uri="{FF2B5EF4-FFF2-40B4-BE49-F238E27FC236}">
-                <a16:creationId xmlns:a16="http://schemas.microsoft.com/office/drawing/2014/main" id="{E7FB01C1-A7D6-2142-A75C-AC58172578E5}"/>
-              </a:ext>
-            </a:extLst>
-          </p:cNvPr>
-          <p:cNvSpPr/>
-          <p:nvPr/>
-        </p:nvSpPr>
-        <p:spPr>
-          <a:xfrm>
-            <a:off x="2294257" y="1622737"/>
-            <a:ext cx="349956" cy="365125"/>
-          </a:xfrm>
-          <a:prstGeom prst="curvedLeftArrow">
-            <a:avLst/>
-          </a:prstGeom>
-        </p:spPr>
-        <p:style>
-          <a:lnRef idx="2">
-            <a:schemeClr val="accent1">
-              <a:shade val="50000"/>
-            </a:schemeClr>
-          </a:lnRef>
-          <a:fillRef idx="1">
-            <a:schemeClr val="accent1"/>
-          </a:fillRef>
-          <a:effectRef idx="0">
-            <a:schemeClr val="accent1"/>
-          </a:effectRef>
-          <a:fontRef idx="minor">
-            <a:schemeClr val="lt1"/>
-          </a:fontRef>
-        </p:style>
-        <p:txBody>
-          <a:bodyPr rtlCol="0" anchor="ctr"/>
-          <a:lstStyle/>
-          <a:p>
-            <a:pPr algn="ctr"/>
-            <a:endParaRPr lang="en-US">
-              <a:solidFill>
-                <a:schemeClr val="tx1"/>
-              </a:solidFill>
-            </a:endParaRPr>
-          </a:p>
-        </p:txBody>
-      </p:sp>
-      <p:sp>
-        <p:nvSpPr>
-          <p:cNvPr id="129" name="TextBox 128">
-            <a:extLst>
-              <a:ext uri="{FF2B5EF4-FFF2-40B4-BE49-F238E27FC236}">
-                <a16:creationId xmlns:a16="http://schemas.microsoft.com/office/drawing/2014/main" id="{B05206DA-B679-AA4C-9FA8-DFFE2BEEABE3}"/>
-              </a:ext>
-            </a:extLst>
-          </p:cNvPr>
-          <p:cNvSpPr txBox="1"/>
-          <p:nvPr/>
-        </p:nvSpPr>
-        <p:spPr>
-          <a:xfrm>
-            <a:off x="4958924" y="1345423"/>
-            <a:ext cx="797013" cy="369332"/>
-          </a:xfrm>
-          <a:prstGeom prst="rect">
-            <a:avLst/>
-          </a:prstGeom>
-          <a:noFill/>
-        </p:spPr>
-        <p:txBody>
-          <a:bodyPr wrap="none" rtlCol="0">
-            <a:spAutoFit/>
-          </a:bodyPr>
-          <a:lstStyle/>
-          <a:p>
-            <a:r>
-              <a:rPr lang="en-US" dirty="0" err="1"/>
-              <a:t>partOf</a:t>
-            </a:r>
-            <a:endParaRPr lang="en-US" dirty="0"/>
-          </a:p>
-        </p:txBody>
-      </p:sp>
-      <p:sp>
-        <p:nvSpPr>
-          <p:cNvPr id="130" name="Rectangle 129">
-            <a:extLst>
-              <a:ext uri="{FF2B5EF4-FFF2-40B4-BE49-F238E27FC236}">
-                <a16:creationId xmlns:a16="http://schemas.microsoft.com/office/drawing/2014/main" id="{3061C37C-7EDA-6244-9D1C-A1AA389204CA}"/>
-              </a:ext>
-            </a:extLst>
-          </p:cNvPr>
-          <p:cNvSpPr/>
-          <p:nvPr/>
-        </p:nvSpPr>
-        <p:spPr>
-          <a:xfrm>
-            <a:off x="4438590" y="1389329"/>
-            <a:ext cx="657783" cy="307777"/>
-          </a:xfrm>
-          <a:prstGeom prst="rect">
-            <a:avLst/>
-          </a:prstGeom>
-        </p:spPr>
-        <p:txBody>
-          <a:bodyPr wrap="square">
-            <a:spAutoFit/>
-          </a:bodyPr>
-          <a:lstStyle/>
-          <a:p>
-            <a:r>
-              <a:rPr lang="en-US" sz="1400" dirty="0">
-                <a:solidFill>
-                  <a:srgbClr val="333333"/>
-                </a:solidFill>
-                <a:latin typeface="verdana" panose="020B0604030504040204" pitchFamily="34" charset="0"/>
-              </a:rPr>
-              <a:t>0..1</a:t>
-            </a:r>
-            <a:endParaRPr lang="en-US" sz="1400" dirty="0"/>
-          </a:p>
-        </p:txBody>
-      </p:sp>
-      <p:sp>
-        <p:nvSpPr>
-          <p:cNvPr id="131" name="Rounded Rectangle 11">
-            <a:extLst>
-              <a:ext uri="{FF2B5EF4-FFF2-40B4-BE49-F238E27FC236}">
-                <a16:creationId xmlns:a16="http://schemas.microsoft.com/office/drawing/2014/main" id="{A760F0F6-1444-E34A-B00A-10FBBA557303}"/>
-              </a:ext>
-            </a:extLst>
-          </p:cNvPr>
-          <p:cNvSpPr/>
-          <p:nvPr/>
-        </p:nvSpPr>
-        <p:spPr>
-          <a:xfrm>
-            <a:off x="10084533" y="1775707"/>
-            <a:ext cx="1368974" cy="646546"/>
-          </a:xfrm>
-          <a:prstGeom prst="roundRect">
-            <a:avLst/>
-          </a:prstGeom>
-          <a:solidFill>
-            <a:schemeClr val="accent1">
-              <a:lumMod val="20000"/>
-              <a:lumOff val="80000"/>
-            </a:schemeClr>
-          </a:solidFill>
-          <a:ln>
-            <a:solidFill>
+            </a:ln>
+          </p:spPr>
+          <p:style>
+            <a:lnRef idx="1">
+              <a:schemeClr val="accent1"/>
+            </a:lnRef>
+            <a:fillRef idx="3">
+              <a:schemeClr val="accent1"/>
+            </a:fillRef>
+            <a:effectRef idx="2">
+              <a:schemeClr val="accent1"/>
+            </a:effectRef>
+            <a:fontRef idx="minor">
+              <a:schemeClr val="lt1"/>
+            </a:fontRef>
+          </p:style>
+          <p:txBody>
+            <a:bodyPr rtlCol="0" anchor="ctr"/>
+            <a:lstStyle/>
+            <a:p>
+              <a:pPr algn="ctr"/>
+              <a:r>
+                <a:rPr lang="en-US" sz="1600" dirty="0">
+                  <a:solidFill>
+                    <a:srgbClr val="002060"/>
+                  </a:solidFill>
+                </a:rPr>
+                <a:t>Location</a:t>
+              </a:r>
+            </a:p>
+          </p:txBody>
+        </p:sp>
+        <p:sp>
+          <p:nvSpPr>
+            <p:cNvPr id="132" name="TextBox 131">
+              <a:extLst>
+                <a:ext uri="{FF2B5EF4-FFF2-40B4-BE49-F238E27FC236}">
+                  <a16:creationId xmlns:a16="http://schemas.microsoft.com/office/drawing/2014/main" id="{7F2D54B6-6DF5-3C4F-B123-0E3477E4AB03}"/>
+                </a:ext>
+              </a:extLst>
+            </p:cNvPr>
+            <p:cNvSpPr txBox="1"/>
+            <p:nvPr/>
+          </p:nvSpPr>
+          <p:spPr>
+            <a:xfrm>
+              <a:off x="8607239" y="2335309"/>
+              <a:ext cx="1477551" cy="369332"/>
+            </a:xfrm>
+            <a:prstGeom prst="rect">
+              <a:avLst/>
+            </a:prstGeom>
+            <a:noFill/>
+          </p:spPr>
+          <p:txBody>
+            <a:bodyPr wrap="square" rtlCol="0">
+              <a:spAutoFit/>
+            </a:bodyPr>
+            <a:lstStyle/>
+            <a:p>
+              <a:r>
+                <a:rPr lang="en-US" dirty="0" err="1"/>
+                <a:t>coverageArea</a:t>
+              </a:r>
+              <a:endParaRPr lang="en-US" dirty="0"/>
+            </a:p>
+          </p:txBody>
+        </p:sp>
+        <p:cxnSp>
+          <p:nvCxnSpPr>
+            <p:cNvPr id="133" name="Straight Arrow Connector 132">
+              <a:extLst>
+                <a:ext uri="{FF2B5EF4-FFF2-40B4-BE49-F238E27FC236}">
+                  <a16:creationId xmlns:a16="http://schemas.microsoft.com/office/drawing/2014/main" id="{A6AA0C43-8727-1048-97B7-9BF7E4032734}"/>
+                </a:ext>
+              </a:extLst>
+            </p:cNvPr>
+            <p:cNvCxnSpPr>
+              <a:cxnSpLocks/>
+              <a:stCxn id="83" idx="3"/>
+            </p:cNvCxnSpPr>
+            <p:nvPr/>
+          </p:nvCxnSpPr>
+          <p:spPr>
+            <a:xfrm flipV="1">
+              <a:off x="8741298" y="2107959"/>
+              <a:ext cx="1367206" cy="3744"/>
+            </a:xfrm>
+            <a:prstGeom prst="straightConnector1">
+              <a:avLst/>
+            </a:prstGeom>
+            <a:ln>
+              <a:headEnd type="none" w="lg" len="lg"/>
+              <a:tailEnd type="triangle" w="lg" len="lg"/>
+            </a:ln>
+          </p:spPr>
+          <p:style>
+            <a:lnRef idx="2">
+              <a:schemeClr val="accent1"/>
+            </a:lnRef>
+            <a:fillRef idx="0">
+              <a:schemeClr val="accent1"/>
+            </a:fillRef>
+            <a:effectRef idx="1">
+              <a:schemeClr val="accent1"/>
+            </a:effectRef>
+            <a:fontRef idx="minor">
               <a:schemeClr val="tx1"/>
-            </a:solidFill>
-          </a:ln>
-        </p:spPr>
-        <p:style>
-          <a:lnRef idx="1">
-            <a:schemeClr val="accent1"/>
-          </a:lnRef>
-          <a:fillRef idx="3">
-            <a:schemeClr val="accent1"/>
-          </a:fillRef>
-          <a:effectRef idx="2">
-            <a:schemeClr val="accent1"/>
-          </a:effectRef>
-          <a:fontRef idx="minor">
-            <a:schemeClr val="lt1"/>
-          </a:fontRef>
-        </p:style>
-        <p:txBody>
-          <a:bodyPr rtlCol="0" anchor="ctr"/>
-          <a:lstStyle/>
-          <a:p>
-            <a:pPr algn="ctr"/>
-            <a:r>
-              <a:rPr lang="en-US" sz="1600" dirty="0">
-                <a:solidFill>
-                  <a:srgbClr val="002060"/>
-                </a:solidFill>
-              </a:rPr>
-              <a:t>Location</a:t>
-            </a:r>
-          </a:p>
-        </p:txBody>
-      </p:sp>
-      <p:sp>
-        <p:nvSpPr>
-          <p:cNvPr id="132" name="TextBox 131">
-            <a:extLst>
-              <a:ext uri="{FF2B5EF4-FFF2-40B4-BE49-F238E27FC236}">
-                <a16:creationId xmlns:a16="http://schemas.microsoft.com/office/drawing/2014/main" id="{7F2D54B6-6DF5-3C4F-B123-0E3477E4AB03}"/>
-              </a:ext>
-            </a:extLst>
-          </p:cNvPr>
-          <p:cNvSpPr txBox="1"/>
-          <p:nvPr/>
-        </p:nvSpPr>
-        <p:spPr>
-          <a:xfrm>
-            <a:off x="8607239" y="2335309"/>
-            <a:ext cx="1477551" cy="369332"/>
-          </a:xfrm>
-          <a:prstGeom prst="rect">
-            <a:avLst/>
-          </a:prstGeom>
-          <a:noFill/>
-        </p:spPr>
-        <p:txBody>
-          <a:bodyPr wrap="square" rtlCol="0">
-            <a:spAutoFit/>
-          </a:bodyPr>
-          <a:lstStyle/>
-          <a:p>
-            <a:r>
-              <a:rPr lang="en-US" dirty="0" err="1"/>
-              <a:t>coverageArea</a:t>
-            </a:r>
-            <a:endParaRPr lang="en-US" dirty="0"/>
-          </a:p>
-        </p:txBody>
-      </p:sp>
-      <p:cxnSp>
-        <p:nvCxnSpPr>
-          <p:cNvPr id="133" name="Straight Arrow Connector 132">
-            <a:extLst>
-              <a:ext uri="{FF2B5EF4-FFF2-40B4-BE49-F238E27FC236}">
-                <a16:creationId xmlns:a16="http://schemas.microsoft.com/office/drawing/2014/main" id="{A6AA0C43-8727-1048-97B7-9BF7E4032734}"/>
-              </a:ext>
-            </a:extLst>
-          </p:cNvPr>
-          <p:cNvCxnSpPr>
-            <a:cxnSpLocks/>
-            <a:stCxn id="83" idx="3"/>
-          </p:cNvCxnSpPr>
-          <p:nvPr/>
-        </p:nvCxnSpPr>
-        <p:spPr>
-          <a:xfrm flipV="1">
-            <a:off x="8741298" y="2107959"/>
-            <a:ext cx="1367206" cy="3744"/>
-          </a:xfrm>
-          <a:prstGeom prst="straightConnector1">
-            <a:avLst/>
-          </a:prstGeom>
-          <a:ln>
-            <a:headEnd type="none" w="lg" len="lg"/>
-            <a:tailEnd type="triangle" w="lg" len="lg"/>
-          </a:ln>
-        </p:spPr>
-        <p:style>
-          <a:lnRef idx="2">
-            <a:schemeClr val="accent1"/>
-          </a:lnRef>
-          <a:fillRef idx="0">
-            <a:schemeClr val="accent1"/>
-          </a:fillRef>
-          <a:effectRef idx="1">
-            <a:schemeClr val="accent1"/>
-          </a:effectRef>
-          <a:fontRef idx="minor">
-            <a:schemeClr val="tx1"/>
-          </a:fontRef>
-        </p:style>
-      </p:cxnSp>
-      <p:sp>
-        <p:nvSpPr>
-          <p:cNvPr id="134" name="Rectangle 133">
-            <a:extLst>
-              <a:ext uri="{FF2B5EF4-FFF2-40B4-BE49-F238E27FC236}">
-                <a16:creationId xmlns:a16="http://schemas.microsoft.com/office/drawing/2014/main" id="{94C95CA5-7DC4-054E-AC11-D5D5AE42847C}"/>
-              </a:ext>
-            </a:extLst>
-          </p:cNvPr>
-          <p:cNvSpPr/>
-          <p:nvPr/>
-        </p:nvSpPr>
-        <p:spPr>
-          <a:xfrm>
-            <a:off x="9054763" y="1842099"/>
-            <a:ext cx="657783" cy="307777"/>
-          </a:xfrm>
-          <a:prstGeom prst="rect">
-            <a:avLst/>
-          </a:prstGeom>
-        </p:spPr>
-        <p:txBody>
-          <a:bodyPr wrap="square">
-            <a:spAutoFit/>
-          </a:bodyPr>
-          <a:lstStyle/>
-          <a:p>
-            <a:r>
-              <a:rPr lang="en-US" sz="1400" dirty="0">
-                <a:solidFill>
-                  <a:srgbClr val="333333"/>
-                </a:solidFill>
-                <a:latin typeface="verdana" panose="020B0604030504040204" pitchFamily="34" charset="0"/>
-              </a:rPr>
-              <a:t>0..*</a:t>
-            </a:r>
-            <a:endParaRPr lang="en-US" sz="1400" dirty="0"/>
-          </a:p>
-        </p:txBody>
-      </p:sp>
-      <p:sp>
-        <p:nvSpPr>
-          <p:cNvPr id="136" name="Rectangle 135">
-            <a:extLst>
-              <a:ext uri="{FF2B5EF4-FFF2-40B4-BE49-F238E27FC236}">
-                <a16:creationId xmlns:a16="http://schemas.microsoft.com/office/drawing/2014/main" id="{AC904BCE-8EB0-DB44-AC03-446FCF0C634C}"/>
-              </a:ext>
-            </a:extLst>
-          </p:cNvPr>
-          <p:cNvSpPr/>
-          <p:nvPr/>
-        </p:nvSpPr>
-        <p:spPr>
-          <a:xfrm>
-            <a:off x="6148398" y="1849714"/>
-            <a:ext cx="657783" cy="307777"/>
-          </a:xfrm>
-          <a:prstGeom prst="rect">
-            <a:avLst/>
-          </a:prstGeom>
-        </p:spPr>
-        <p:txBody>
-          <a:bodyPr wrap="square">
-            <a:spAutoFit/>
-          </a:bodyPr>
-          <a:lstStyle/>
-          <a:p>
-            <a:r>
-              <a:rPr lang="en-US" sz="1400" dirty="0">
-                <a:solidFill>
-                  <a:srgbClr val="333333"/>
-                </a:solidFill>
-                <a:latin typeface="verdana" panose="020B0604030504040204" pitchFamily="34" charset="0"/>
-              </a:rPr>
-              <a:t>0..*</a:t>
-            </a:r>
-            <a:endParaRPr lang="en-US" sz="1400" dirty="0"/>
-          </a:p>
-        </p:txBody>
-      </p:sp>
-      <p:cxnSp>
-        <p:nvCxnSpPr>
-          <p:cNvPr id="77" name="Straight Arrow Connector 76">
-            <a:extLst>
-              <a:ext uri="{FF2B5EF4-FFF2-40B4-BE49-F238E27FC236}">
-                <a16:creationId xmlns:a16="http://schemas.microsoft.com/office/drawing/2014/main" id="{DE407847-130B-8C44-8CEA-6C938606778B}"/>
-              </a:ext>
-            </a:extLst>
-          </p:cNvPr>
-          <p:cNvCxnSpPr>
-            <a:cxnSpLocks/>
-            <a:stCxn id="7" idx="2"/>
-            <a:endCxn id="11" idx="0"/>
-          </p:cNvCxnSpPr>
-          <p:nvPr/>
-        </p:nvCxnSpPr>
-        <p:spPr>
-          <a:xfrm flipH="1">
-            <a:off x="4985664" y="4378443"/>
-            <a:ext cx="3586" cy="519420"/>
-          </a:xfrm>
-          <a:prstGeom prst="straightConnector1">
-            <a:avLst/>
-          </a:prstGeom>
-          <a:ln>
-            <a:headEnd type="none" w="lg" len="lg"/>
-            <a:tailEnd type="triangle" w="lg" len="lg"/>
-          </a:ln>
-        </p:spPr>
-        <p:style>
-          <a:lnRef idx="2">
-            <a:schemeClr val="accent1"/>
-          </a:lnRef>
-          <a:fillRef idx="0">
-            <a:schemeClr val="accent1"/>
-          </a:fillRef>
-          <a:effectRef idx="1">
-            <a:schemeClr val="accent1"/>
-          </a:effectRef>
-          <a:fontRef idx="minor">
-            <a:schemeClr val="tx1"/>
-          </a:fontRef>
-        </p:style>
-      </p:cxnSp>
+            </a:fontRef>
+          </p:style>
+        </p:cxnSp>
+        <p:sp>
+          <p:nvSpPr>
+            <p:cNvPr id="134" name="Rectangle 133">
+              <a:extLst>
+                <a:ext uri="{FF2B5EF4-FFF2-40B4-BE49-F238E27FC236}">
+                  <a16:creationId xmlns:a16="http://schemas.microsoft.com/office/drawing/2014/main" id="{94C95CA5-7DC4-054E-AC11-D5D5AE42847C}"/>
+                </a:ext>
+              </a:extLst>
+            </p:cNvPr>
+            <p:cNvSpPr/>
+            <p:nvPr/>
+          </p:nvSpPr>
+          <p:spPr>
+            <a:xfrm>
+              <a:off x="9054763" y="1842099"/>
+              <a:ext cx="657783" cy="307777"/>
+            </a:xfrm>
+            <a:prstGeom prst="rect">
+              <a:avLst/>
+            </a:prstGeom>
+          </p:spPr>
+          <p:txBody>
+            <a:bodyPr wrap="square">
+              <a:spAutoFit/>
+            </a:bodyPr>
+            <a:lstStyle/>
+            <a:p>
+              <a:r>
+                <a:rPr lang="en-US" sz="1400" dirty="0">
+                  <a:solidFill>
+                    <a:srgbClr val="333333"/>
+                  </a:solidFill>
+                  <a:latin typeface="verdana" panose="020B0604030504040204" pitchFamily="34" charset="0"/>
+                </a:rPr>
+                <a:t>0..*</a:t>
+              </a:r>
+              <a:endParaRPr lang="en-US" sz="1400" dirty="0"/>
+            </a:p>
+          </p:txBody>
+        </p:sp>
+        <p:sp>
+          <p:nvSpPr>
+            <p:cNvPr id="136" name="Rectangle 135">
+              <a:extLst>
+                <a:ext uri="{FF2B5EF4-FFF2-40B4-BE49-F238E27FC236}">
+                  <a16:creationId xmlns:a16="http://schemas.microsoft.com/office/drawing/2014/main" id="{AC904BCE-8EB0-DB44-AC03-446FCF0C634C}"/>
+                </a:ext>
+              </a:extLst>
+            </p:cNvPr>
+            <p:cNvSpPr/>
+            <p:nvPr/>
+          </p:nvSpPr>
+          <p:spPr>
+            <a:xfrm>
+              <a:off x="6148398" y="1849714"/>
+              <a:ext cx="657783" cy="307777"/>
+            </a:xfrm>
+            <a:prstGeom prst="rect">
+              <a:avLst/>
+            </a:prstGeom>
+          </p:spPr>
+          <p:txBody>
+            <a:bodyPr wrap="square">
+              <a:spAutoFit/>
+            </a:bodyPr>
+            <a:lstStyle/>
+            <a:p>
+              <a:r>
+                <a:rPr lang="en-US" sz="1400" dirty="0">
+                  <a:solidFill>
+                    <a:srgbClr val="333333"/>
+                  </a:solidFill>
+                  <a:latin typeface="verdana" panose="020B0604030504040204" pitchFamily="34" charset="0"/>
+                </a:rPr>
+                <a:t>0..*</a:t>
+              </a:r>
+              <a:endParaRPr lang="en-US" sz="1400" dirty="0"/>
+            </a:p>
+          </p:txBody>
+        </p:sp>
+        <p:cxnSp>
+          <p:nvCxnSpPr>
+            <p:cNvPr id="77" name="Straight Arrow Connector 76">
+              <a:extLst>
+                <a:ext uri="{FF2B5EF4-FFF2-40B4-BE49-F238E27FC236}">
+                  <a16:creationId xmlns:a16="http://schemas.microsoft.com/office/drawing/2014/main" id="{DE407847-130B-8C44-8CEA-6C938606778B}"/>
+                </a:ext>
+              </a:extLst>
+            </p:cNvPr>
+            <p:cNvCxnSpPr>
+              <a:cxnSpLocks/>
+              <a:stCxn id="7" idx="2"/>
+              <a:endCxn id="11" idx="0"/>
+            </p:cNvCxnSpPr>
+            <p:nvPr/>
+          </p:nvCxnSpPr>
+          <p:spPr>
+            <a:xfrm flipH="1">
+              <a:off x="4985664" y="4378443"/>
+              <a:ext cx="3586" cy="519420"/>
+            </a:xfrm>
+            <a:prstGeom prst="straightConnector1">
+              <a:avLst/>
+            </a:prstGeom>
+            <a:ln>
+              <a:headEnd type="none" w="lg" len="lg"/>
+              <a:tailEnd type="triangle" w="lg" len="lg"/>
+            </a:ln>
+          </p:spPr>
+          <p:style>
+            <a:lnRef idx="2">
+              <a:schemeClr val="accent1"/>
+            </a:lnRef>
+            <a:fillRef idx="0">
+              <a:schemeClr val="accent1"/>
+            </a:fillRef>
+            <a:effectRef idx="1">
+              <a:schemeClr val="accent1"/>
+            </a:effectRef>
+            <a:fontRef idx="minor">
+              <a:schemeClr val="tx1"/>
+            </a:fontRef>
+          </p:style>
+        </p:cxnSp>
+      </p:grpSp>
     </p:spTree>
     <p:extLst>
       <p:ext uri="{BB962C8B-B14F-4D97-AF65-F5344CB8AC3E}">

--- a/fsh/ig-data/input/images/Figures.pptx
+++ b/fsh/ig-data/input/images/Figures.pptx
@@ -10,6 +10,8 @@
     <p:sldId id="1261" r:id="rId4"/>
     <p:sldId id="1251" r:id="rId5"/>
     <p:sldId id="1262" r:id="rId6"/>
+    <p:sldId id="1263" r:id="rId7"/>
+    <p:sldId id="1264" r:id="rId8"/>
   </p:sldIdLst>
   <p:sldSz cx="12192000" cy="6858000"/>
   <p:notesSz cx="6858000" cy="9144000"/>
@@ -263,7 +265,7 @@
           <a:p>
             <a:fld id="{6D5FDB8C-4C92-0C4C-BA60-9D07FDD2BD7F}" type="datetimeFigureOut">
               <a:rPr lang="en-US" smtClean="0"/>
-              <a:t>8/17/20</a:t>
+              <a:t>9/14/20</a:t>
             </a:fld>
             <a:endParaRPr lang="en-US"/>
           </a:p>
@@ -461,7 +463,7 @@
           <a:p>
             <a:fld id="{6D5FDB8C-4C92-0C4C-BA60-9D07FDD2BD7F}" type="datetimeFigureOut">
               <a:rPr lang="en-US" smtClean="0"/>
-              <a:t>8/17/20</a:t>
+              <a:t>9/14/20</a:t>
             </a:fld>
             <a:endParaRPr lang="en-US"/>
           </a:p>
@@ -669,7 +671,7 @@
           <a:p>
             <a:fld id="{6D5FDB8C-4C92-0C4C-BA60-9D07FDD2BD7F}" type="datetimeFigureOut">
               <a:rPr lang="en-US" smtClean="0"/>
-              <a:t>8/17/20</a:t>
+              <a:t>9/14/20</a:t>
             </a:fld>
             <a:endParaRPr lang="en-US"/>
           </a:p>
@@ -867,7 +869,7 @@
           <a:p>
             <a:fld id="{6D5FDB8C-4C92-0C4C-BA60-9D07FDD2BD7F}" type="datetimeFigureOut">
               <a:rPr lang="en-US" smtClean="0"/>
-              <a:t>8/17/20</a:t>
+              <a:t>9/14/20</a:t>
             </a:fld>
             <a:endParaRPr lang="en-US"/>
           </a:p>
@@ -1142,7 +1144,7 @@
           <a:p>
             <a:fld id="{6D5FDB8C-4C92-0C4C-BA60-9D07FDD2BD7F}" type="datetimeFigureOut">
               <a:rPr lang="en-US" smtClean="0"/>
-              <a:t>8/17/20</a:t>
+              <a:t>9/14/20</a:t>
             </a:fld>
             <a:endParaRPr lang="en-US"/>
           </a:p>
@@ -1407,7 +1409,7 @@
           <a:p>
             <a:fld id="{6D5FDB8C-4C92-0C4C-BA60-9D07FDD2BD7F}" type="datetimeFigureOut">
               <a:rPr lang="en-US" smtClean="0"/>
-              <a:t>8/17/20</a:t>
+              <a:t>9/14/20</a:t>
             </a:fld>
             <a:endParaRPr lang="en-US"/>
           </a:p>
@@ -1819,7 +1821,7 @@
           <a:p>
             <a:fld id="{6D5FDB8C-4C92-0C4C-BA60-9D07FDD2BD7F}" type="datetimeFigureOut">
               <a:rPr lang="en-US" smtClean="0"/>
-              <a:t>8/17/20</a:t>
+              <a:t>9/14/20</a:t>
             </a:fld>
             <a:endParaRPr lang="en-US"/>
           </a:p>
@@ -1960,7 +1962,7 @@
           <a:p>
             <a:fld id="{6D5FDB8C-4C92-0C4C-BA60-9D07FDD2BD7F}" type="datetimeFigureOut">
               <a:rPr lang="en-US" smtClean="0"/>
-              <a:t>8/17/20</a:t>
+              <a:t>9/14/20</a:t>
             </a:fld>
             <a:endParaRPr lang="en-US"/>
           </a:p>
@@ -2073,7 +2075,7 @@
           <a:p>
             <a:fld id="{6D5FDB8C-4C92-0C4C-BA60-9D07FDD2BD7F}" type="datetimeFigureOut">
               <a:rPr lang="en-US" smtClean="0"/>
-              <a:t>8/17/20</a:t>
+              <a:t>9/14/20</a:t>
             </a:fld>
             <a:endParaRPr lang="en-US"/>
           </a:p>
@@ -2384,7 +2386,7 @@
           <a:p>
             <a:fld id="{6D5FDB8C-4C92-0C4C-BA60-9D07FDD2BD7F}" type="datetimeFigureOut">
               <a:rPr lang="en-US" smtClean="0"/>
-              <a:t>8/17/20</a:t>
+              <a:t>9/14/20</a:t>
             </a:fld>
             <a:endParaRPr lang="en-US"/>
           </a:p>
@@ -2672,7 +2674,7 @@
           <a:p>
             <a:fld id="{6D5FDB8C-4C92-0C4C-BA60-9D07FDD2BD7F}" type="datetimeFigureOut">
               <a:rPr lang="en-US" smtClean="0"/>
-              <a:t>8/17/20</a:t>
+              <a:t>9/14/20</a:t>
             </a:fld>
             <a:endParaRPr lang="en-US"/>
           </a:p>
@@ -2913,7 +2915,7 @@
           <a:p>
             <a:fld id="{6D5FDB8C-4C92-0C4C-BA60-9D07FDD2BD7F}" type="datetimeFigureOut">
               <a:rPr lang="en-US" smtClean="0"/>
-              <a:t>8/17/20</a:t>
+              <a:t>9/14/20</a:t>
             </a:fld>
             <a:endParaRPr lang="en-US"/>
           </a:p>
@@ -6673,6 +6675,46 @@
           </p:style>
         </p:cxnSp>
       </p:grpSp>
+      <p:sp>
+        <p:nvSpPr>
+          <p:cNvPr id="78" name="Rectangle 77">
+            <a:extLst>
+              <a:ext uri="{FF2B5EF4-FFF2-40B4-BE49-F238E27FC236}">
+                <a16:creationId xmlns:a16="http://schemas.microsoft.com/office/drawing/2014/main" id="{5D05D770-322C-E841-ACB4-086401257E60}"/>
+              </a:ext>
+            </a:extLst>
+          </p:cNvPr>
+          <p:cNvSpPr/>
+          <p:nvPr/>
+        </p:nvSpPr>
+        <p:spPr>
+          <a:xfrm>
+            <a:off x="6351950" y="2713096"/>
+            <a:ext cx="657783" cy="307777"/>
+          </a:xfrm>
+          <a:prstGeom prst="rect">
+            <a:avLst/>
+          </a:prstGeom>
+        </p:spPr>
+        <p:txBody>
+          <a:bodyPr wrap="square">
+            <a:spAutoFit/>
+          </a:bodyPr>
+          <a:lstStyle/>
+          <a:p>
+            <a:r>
+              <a:rPr lang="en-US" sz="1400" dirty="0">
+                <a:solidFill>
+                  <a:srgbClr val="333333"/>
+                </a:solidFill>
+                <a:latin typeface="verdana" panose="020B0604030504040204" pitchFamily="34" charset="0"/>
+              </a:rPr>
+              <a:t>0..*</a:t>
+            </a:r>
+            <a:endParaRPr lang="en-US" sz="1400" dirty="0"/>
+          </a:p>
+        </p:txBody>
+      </p:sp>
     </p:spTree>
     <p:extLst>
       <p:ext uri="{BB962C8B-B14F-4D97-AF65-F5344CB8AC3E}">
@@ -10434,6 +10476,46 @@
           </a:p>
         </p:txBody>
       </p:sp>
+      <p:sp>
+        <p:nvSpPr>
+          <p:cNvPr id="119" name="Rectangle 118">
+            <a:extLst>
+              <a:ext uri="{FF2B5EF4-FFF2-40B4-BE49-F238E27FC236}">
+                <a16:creationId xmlns:a16="http://schemas.microsoft.com/office/drawing/2014/main" id="{33F42DB8-FC73-6E43-94A5-CB10655CF724}"/>
+              </a:ext>
+            </a:extLst>
+          </p:cNvPr>
+          <p:cNvSpPr/>
+          <p:nvPr/>
+        </p:nvSpPr>
+        <p:spPr>
+          <a:xfrm>
+            <a:off x="6092122" y="2389342"/>
+            <a:ext cx="657783" cy="307777"/>
+          </a:xfrm>
+          <a:prstGeom prst="rect">
+            <a:avLst/>
+          </a:prstGeom>
+        </p:spPr>
+        <p:txBody>
+          <a:bodyPr wrap="square">
+            <a:spAutoFit/>
+          </a:bodyPr>
+          <a:lstStyle/>
+          <a:p>
+            <a:r>
+              <a:rPr lang="en-US" sz="1400" dirty="0">
+                <a:solidFill>
+                  <a:srgbClr val="333333"/>
+                </a:solidFill>
+                <a:latin typeface="verdana" panose="020B0604030504040204" pitchFamily="34" charset="0"/>
+              </a:rPr>
+              <a:t>0..*</a:t>
+            </a:r>
+            <a:endParaRPr lang="en-US" sz="1400" dirty="0"/>
+          </a:p>
+        </p:txBody>
+      </p:sp>
     </p:spTree>
     <p:extLst>
       <p:ext uri="{BB962C8B-B14F-4D97-AF65-F5344CB8AC3E}">
@@ -13377,6 +13459,813 @@
     <p:extLst>
       <p:ext uri="{BB962C8B-B14F-4D97-AF65-F5344CB8AC3E}">
         <p14:creationId xmlns:p14="http://schemas.microsoft.com/office/powerpoint/2010/main" val="4141551471"/>
+      </p:ext>
+    </p:extLst>
+  </p:cSld>
+  <p:clrMapOvr>
+    <a:masterClrMapping/>
+  </p:clrMapOvr>
+</p:sld>
+</file>
+
+<file path=ppt/slides/slide6.xml><?xml version="1.0" encoding="utf-8"?>
+<p:sld xmlns:a="http://schemas.openxmlformats.org/drawingml/2006/main" xmlns:r="http://schemas.openxmlformats.org/officeDocument/2006/relationships" xmlns:p="http://schemas.openxmlformats.org/presentationml/2006/main">
+  <p:cSld>
+    <p:spTree>
+      <p:nvGrpSpPr>
+        <p:cNvPr id="1" name=""/>
+        <p:cNvGrpSpPr/>
+        <p:nvPr/>
+      </p:nvGrpSpPr>
+      <p:grpSpPr>
+        <a:xfrm>
+          <a:off x="0" y="0"/>
+          <a:ext cx="0" cy="0"/>
+          <a:chOff x="0" y="0"/>
+          <a:chExt cx="0" cy="0"/>
+        </a:xfrm>
+      </p:grpSpPr>
+      <p:sp>
+        <p:nvSpPr>
+          <p:cNvPr id="10" name="Rounded Rectangle 9">
+            <a:extLst>
+              <a:ext uri="{FF2B5EF4-FFF2-40B4-BE49-F238E27FC236}">
+                <a16:creationId xmlns:a16="http://schemas.microsoft.com/office/drawing/2014/main" id="{D3077D7B-407D-704F-8AF0-D62D02CD1866}"/>
+              </a:ext>
+            </a:extLst>
+          </p:cNvPr>
+          <p:cNvSpPr/>
+          <p:nvPr/>
+        </p:nvSpPr>
+        <p:spPr>
+          <a:xfrm>
+            <a:off x="1818042" y="3076687"/>
+            <a:ext cx="3765176" cy="3668358"/>
+          </a:xfrm>
+          <a:prstGeom prst="roundRect">
+            <a:avLst/>
+          </a:prstGeom>
+          <a:solidFill>
+            <a:schemeClr val="accent1">
+              <a:lumMod val="40000"/>
+              <a:lumOff val="60000"/>
+            </a:schemeClr>
+          </a:solidFill>
+          <a:ln w="28575"/>
+        </p:spPr>
+        <p:style>
+          <a:lnRef idx="2">
+            <a:schemeClr val="accent1">
+              <a:shade val="50000"/>
+            </a:schemeClr>
+          </a:lnRef>
+          <a:fillRef idx="1">
+            <a:schemeClr val="accent1"/>
+          </a:fillRef>
+          <a:effectRef idx="0">
+            <a:schemeClr val="accent1"/>
+          </a:effectRef>
+          <a:fontRef idx="minor">
+            <a:schemeClr val="lt1"/>
+          </a:fontRef>
+        </p:style>
+        <p:txBody>
+          <a:bodyPr rtlCol="0" anchor="ctr"/>
+          <a:lstStyle/>
+          <a:p>
+            <a:pPr algn="ctr"/>
+            <a:endParaRPr lang="en-US"/>
+          </a:p>
+        </p:txBody>
+      </p:sp>
+      <p:pic>
+        <p:nvPicPr>
+          <p:cNvPr id="5" name="Graphic 4" descr="Database">
+            <a:extLst>
+              <a:ext uri="{FF2B5EF4-FFF2-40B4-BE49-F238E27FC236}">
+                <a16:creationId xmlns:a16="http://schemas.microsoft.com/office/drawing/2014/main" id="{74D4DDEA-428F-684A-AA4B-BBB65DB17BA9}"/>
+              </a:ext>
+            </a:extLst>
+          </p:cNvPr>
+          <p:cNvPicPr>
+            <a:picLocks noChangeAspect="1"/>
+          </p:cNvPicPr>
+          <p:nvPr/>
+        </p:nvPicPr>
+        <p:blipFill>
+          <a:blip r:embed="rId2">
+            <a:extLst>
+              <a:ext uri="{96DAC541-7B7A-43D3-8B79-37D633B846F1}">
+                <asvg:svgBlip xmlns:asvg="http://schemas.microsoft.com/office/drawing/2016/SVG/main" r:embed="rId3"/>
+              </a:ext>
+            </a:extLst>
+          </a:blip>
+          <a:stretch>
+            <a:fillRect/>
+          </a:stretch>
+        </p:blipFill>
+        <p:spPr>
+          <a:xfrm>
+            <a:off x="2823353" y="4385686"/>
+            <a:ext cx="1646583" cy="1646583"/>
+          </a:xfrm>
+          <a:prstGeom prst="rect">
+            <a:avLst/>
+          </a:prstGeom>
+        </p:spPr>
+      </p:pic>
+      <p:sp>
+        <p:nvSpPr>
+          <p:cNvPr id="6" name="TextBox 5">
+            <a:extLst>
+              <a:ext uri="{FF2B5EF4-FFF2-40B4-BE49-F238E27FC236}">
+                <a16:creationId xmlns:a16="http://schemas.microsoft.com/office/drawing/2014/main" id="{7059FA2E-DCFB-8B44-9187-235E08779D5F}"/>
+              </a:ext>
+            </a:extLst>
+          </p:cNvPr>
+          <p:cNvSpPr txBox="1"/>
+          <p:nvPr/>
+        </p:nvSpPr>
+        <p:spPr>
+          <a:xfrm>
+            <a:off x="2487060" y="5796253"/>
+            <a:ext cx="3525078" cy="461665"/>
+          </a:xfrm>
+          <a:prstGeom prst="rect">
+            <a:avLst/>
+          </a:prstGeom>
+          <a:noFill/>
+        </p:spPr>
+        <p:txBody>
+          <a:bodyPr wrap="square" rtlCol="0">
+            <a:spAutoFit/>
+          </a:bodyPr>
+          <a:lstStyle/>
+          <a:p>
+            <a:r>
+              <a:rPr lang="en-US" sz="2400" b="1" dirty="0"/>
+              <a:t>Provider Directory</a:t>
+            </a:r>
+          </a:p>
+        </p:txBody>
+      </p:sp>
+      <p:sp>
+        <p:nvSpPr>
+          <p:cNvPr id="7" name="Rectangle 6">
+            <a:extLst>
+              <a:ext uri="{FF2B5EF4-FFF2-40B4-BE49-F238E27FC236}">
+                <a16:creationId xmlns:a16="http://schemas.microsoft.com/office/drawing/2014/main" id="{58BE3EBA-6BB7-7042-AD6B-623E6AA03A04}"/>
+              </a:ext>
+            </a:extLst>
+          </p:cNvPr>
+          <p:cNvSpPr/>
+          <p:nvPr/>
+        </p:nvSpPr>
+        <p:spPr>
+          <a:xfrm>
+            <a:off x="2341306" y="3152501"/>
+            <a:ext cx="2610678" cy="821635"/>
+          </a:xfrm>
+          <a:prstGeom prst="rect">
+            <a:avLst/>
+          </a:prstGeom>
+        </p:spPr>
+        <p:style>
+          <a:lnRef idx="2">
+            <a:schemeClr val="accent1">
+              <a:shade val="50000"/>
+            </a:schemeClr>
+          </a:lnRef>
+          <a:fillRef idx="1">
+            <a:schemeClr val="accent1"/>
+          </a:fillRef>
+          <a:effectRef idx="0">
+            <a:schemeClr val="accent1"/>
+          </a:effectRef>
+          <a:fontRef idx="minor">
+            <a:schemeClr val="lt1"/>
+          </a:fontRef>
+        </p:style>
+        <p:txBody>
+          <a:bodyPr rtlCol="0" anchor="ctr"/>
+          <a:lstStyle/>
+          <a:p>
+            <a:pPr algn="ctr"/>
+            <a:r>
+              <a:rPr lang="en-US" sz="2800" dirty="0"/>
+              <a:t>FHIR API</a:t>
+            </a:r>
+          </a:p>
+        </p:txBody>
+      </p:sp>
+      <p:cxnSp>
+        <p:nvCxnSpPr>
+          <p:cNvPr id="9" name="Straight Arrow Connector 8">
+            <a:extLst>
+              <a:ext uri="{FF2B5EF4-FFF2-40B4-BE49-F238E27FC236}">
+                <a16:creationId xmlns:a16="http://schemas.microsoft.com/office/drawing/2014/main" id="{AB07456C-59B3-F74B-B1B8-98C7A161B149}"/>
+              </a:ext>
+            </a:extLst>
+          </p:cNvPr>
+          <p:cNvCxnSpPr>
+            <a:cxnSpLocks/>
+            <a:endCxn id="7" idx="2"/>
+          </p:cNvCxnSpPr>
+          <p:nvPr/>
+        </p:nvCxnSpPr>
+        <p:spPr>
+          <a:xfrm flipV="1">
+            <a:off x="3646645" y="3974136"/>
+            <a:ext cx="0" cy="701761"/>
+          </a:xfrm>
+          <a:prstGeom prst="straightConnector1">
+            <a:avLst/>
+          </a:prstGeom>
+          <a:ln w="38100">
+            <a:solidFill>
+              <a:schemeClr val="tx1"/>
+            </a:solidFill>
+            <a:tailEnd type="triangle"/>
+          </a:ln>
+        </p:spPr>
+        <p:style>
+          <a:lnRef idx="1">
+            <a:schemeClr val="accent1"/>
+          </a:lnRef>
+          <a:fillRef idx="0">
+            <a:schemeClr val="accent1"/>
+          </a:fillRef>
+          <a:effectRef idx="0">
+            <a:schemeClr val="accent1"/>
+          </a:effectRef>
+          <a:fontRef idx="minor">
+            <a:schemeClr val="tx1"/>
+          </a:fontRef>
+        </p:style>
+      </p:cxnSp>
+      <p:cxnSp>
+        <p:nvCxnSpPr>
+          <p:cNvPr id="12" name="Straight Arrow Connector 11">
+            <a:extLst>
+              <a:ext uri="{FF2B5EF4-FFF2-40B4-BE49-F238E27FC236}">
+                <a16:creationId xmlns:a16="http://schemas.microsoft.com/office/drawing/2014/main" id="{D44C99EE-6B62-1E48-AD74-48E55797CA3A}"/>
+              </a:ext>
+            </a:extLst>
+          </p:cNvPr>
+          <p:cNvCxnSpPr>
+            <a:cxnSpLocks/>
+          </p:cNvCxnSpPr>
+          <p:nvPr/>
+        </p:nvCxnSpPr>
+        <p:spPr>
+          <a:xfrm flipV="1">
+            <a:off x="4951984" y="1828798"/>
+            <a:ext cx="0" cy="1247889"/>
+          </a:xfrm>
+          <a:prstGeom prst="straightConnector1">
+            <a:avLst/>
+          </a:prstGeom>
+          <a:ln w="38100">
+            <a:solidFill>
+              <a:schemeClr val="tx1"/>
+            </a:solidFill>
+            <a:headEnd type="triangle" w="med" len="med"/>
+            <a:tailEnd type="triangle" w="med" len="med"/>
+          </a:ln>
+        </p:spPr>
+        <p:style>
+          <a:lnRef idx="1">
+            <a:schemeClr val="accent1"/>
+          </a:lnRef>
+          <a:fillRef idx="0">
+            <a:schemeClr val="accent1"/>
+          </a:fillRef>
+          <a:effectRef idx="0">
+            <a:schemeClr val="accent1"/>
+          </a:effectRef>
+          <a:fontRef idx="minor">
+            <a:schemeClr val="tx1"/>
+          </a:fontRef>
+        </p:style>
+      </p:cxnSp>
+      <p:cxnSp>
+        <p:nvCxnSpPr>
+          <p:cNvPr id="13" name="Straight Arrow Connector 12">
+            <a:extLst>
+              <a:ext uri="{FF2B5EF4-FFF2-40B4-BE49-F238E27FC236}">
+                <a16:creationId xmlns:a16="http://schemas.microsoft.com/office/drawing/2014/main" id="{8F085A58-C744-8D41-99D4-AE150C05A863}"/>
+              </a:ext>
+            </a:extLst>
+          </p:cNvPr>
+          <p:cNvCxnSpPr>
+            <a:cxnSpLocks/>
+          </p:cNvCxnSpPr>
+          <p:nvPr/>
+        </p:nvCxnSpPr>
+        <p:spPr>
+          <a:xfrm flipV="1">
+            <a:off x="2487060" y="1796527"/>
+            <a:ext cx="0" cy="1280160"/>
+          </a:xfrm>
+          <a:prstGeom prst="straightConnector1">
+            <a:avLst/>
+          </a:prstGeom>
+          <a:ln w="38100">
+            <a:solidFill>
+              <a:schemeClr val="tx1"/>
+            </a:solidFill>
+            <a:tailEnd type="triangle"/>
+          </a:ln>
+        </p:spPr>
+        <p:style>
+          <a:lnRef idx="1">
+            <a:schemeClr val="accent1"/>
+          </a:lnRef>
+          <a:fillRef idx="0">
+            <a:schemeClr val="accent1"/>
+          </a:fillRef>
+          <a:effectRef idx="0">
+            <a:schemeClr val="accent1"/>
+          </a:effectRef>
+          <a:fontRef idx="minor">
+            <a:schemeClr val="tx1"/>
+          </a:fontRef>
+        </p:style>
+      </p:cxnSp>
+      <p:cxnSp>
+        <p:nvCxnSpPr>
+          <p:cNvPr id="14" name="Straight Arrow Connector 13">
+            <a:extLst>
+              <a:ext uri="{FF2B5EF4-FFF2-40B4-BE49-F238E27FC236}">
+                <a16:creationId xmlns:a16="http://schemas.microsoft.com/office/drawing/2014/main" id="{48271E13-16FE-AC4E-96B5-EBFA98285851}"/>
+              </a:ext>
+            </a:extLst>
+          </p:cNvPr>
+          <p:cNvCxnSpPr>
+            <a:cxnSpLocks/>
+          </p:cNvCxnSpPr>
+          <p:nvPr/>
+        </p:nvCxnSpPr>
+        <p:spPr>
+          <a:xfrm>
+            <a:off x="2849450" y="1828800"/>
+            <a:ext cx="0" cy="1247885"/>
+          </a:xfrm>
+          <a:prstGeom prst="straightConnector1">
+            <a:avLst/>
+          </a:prstGeom>
+          <a:ln w="38100">
+            <a:solidFill>
+              <a:schemeClr val="tx1"/>
+            </a:solidFill>
+            <a:tailEnd type="triangle"/>
+          </a:ln>
+        </p:spPr>
+        <p:style>
+          <a:lnRef idx="1">
+            <a:schemeClr val="accent1"/>
+          </a:lnRef>
+          <a:fillRef idx="0">
+            <a:schemeClr val="accent1"/>
+          </a:fillRef>
+          <a:effectRef idx="0">
+            <a:schemeClr val="accent1"/>
+          </a:effectRef>
+          <a:fontRef idx="minor">
+            <a:schemeClr val="tx1"/>
+          </a:fontRef>
+        </p:style>
+      </p:cxnSp>
+      <p:sp>
+        <p:nvSpPr>
+          <p:cNvPr id="24" name="Rounded Rectangle 23">
+            <a:extLst>
+              <a:ext uri="{FF2B5EF4-FFF2-40B4-BE49-F238E27FC236}">
+                <a16:creationId xmlns:a16="http://schemas.microsoft.com/office/drawing/2014/main" id="{7064C7CB-AD74-C941-8C91-F9C44655A7EF}"/>
+              </a:ext>
+            </a:extLst>
+          </p:cNvPr>
+          <p:cNvSpPr/>
+          <p:nvPr/>
+        </p:nvSpPr>
+        <p:spPr>
+          <a:xfrm>
+            <a:off x="1818042" y="294696"/>
+            <a:ext cx="3765176" cy="1534102"/>
+          </a:xfrm>
+          <a:prstGeom prst="roundRect">
+            <a:avLst/>
+          </a:prstGeom>
+          <a:solidFill>
+            <a:schemeClr val="accent1">
+              <a:lumMod val="40000"/>
+              <a:lumOff val="60000"/>
+            </a:schemeClr>
+          </a:solidFill>
+          <a:ln w="28575"/>
+        </p:spPr>
+        <p:style>
+          <a:lnRef idx="2">
+            <a:schemeClr val="accent1">
+              <a:shade val="50000"/>
+            </a:schemeClr>
+          </a:lnRef>
+          <a:fillRef idx="1">
+            <a:schemeClr val="accent1"/>
+          </a:fillRef>
+          <a:effectRef idx="0">
+            <a:schemeClr val="accent1"/>
+          </a:effectRef>
+          <a:fontRef idx="minor">
+            <a:schemeClr val="lt1"/>
+          </a:fontRef>
+        </p:style>
+        <p:txBody>
+          <a:bodyPr rtlCol="0" anchor="ctr"/>
+          <a:lstStyle/>
+          <a:p>
+            <a:pPr algn="ctr"/>
+            <a:r>
+              <a:rPr lang="en-US" sz="2400" b="1" dirty="0">
+                <a:solidFill>
+                  <a:schemeClr val="tx1"/>
+                </a:solidFill>
+              </a:rPr>
+              <a:t>Third Party Application</a:t>
+            </a:r>
+          </a:p>
+        </p:txBody>
+      </p:sp>
+      <p:sp>
+        <p:nvSpPr>
+          <p:cNvPr id="26" name="TextBox 25">
+            <a:extLst>
+              <a:ext uri="{FF2B5EF4-FFF2-40B4-BE49-F238E27FC236}">
+                <a16:creationId xmlns:a16="http://schemas.microsoft.com/office/drawing/2014/main" id="{A7A0B9C1-7625-F944-91E4-42B1F72FD70C}"/>
+              </a:ext>
+            </a:extLst>
+          </p:cNvPr>
+          <p:cNvSpPr txBox="1"/>
+          <p:nvPr/>
+        </p:nvSpPr>
+        <p:spPr>
+          <a:xfrm>
+            <a:off x="443848" y="1991077"/>
+            <a:ext cx="1940659" cy="1200329"/>
+          </a:xfrm>
+          <a:prstGeom prst="rect">
+            <a:avLst/>
+          </a:prstGeom>
+          <a:noFill/>
+        </p:spPr>
+        <p:txBody>
+          <a:bodyPr wrap="none" rtlCol="0">
+            <a:spAutoFit/>
+          </a:bodyPr>
+          <a:lstStyle/>
+          <a:p>
+            <a:r>
+              <a:rPr lang="en-US" sz="2400" dirty="0"/>
+              <a:t>Bulk Data</a:t>
+            </a:r>
+            <a:br>
+              <a:rPr lang="en-US" sz="2400" dirty="0"/>
+            </a:br>
+            <a:r>
+              <a:rPr lang="en-US" sz="2400" dirty="0"/>
+              <a:t>Asynchronous</a:t>
+            </a:r>
+            <a:br>
+              <a:rPr lang="en-US" sz="2400" dirty="0"/>
+            </a:br>
+            <a:r>
+              <a:rPr lang="en-US" sz="2400" dirty="0"/>
+              <a:t>(future)</a:t>
+            </a:r>
+          </a:p>
+        </p:txBody>
+      </p:sp>
+      <p:sp>
+        <p:nvSpPr>
+          <p:cNvPr id="27" name="TextBox 26">
+            <a:extLst>
+              <a:ext uri="{FF2B5EF4-FFF2-40B4-BE49-F238E27FC236}">
+                <a16:creationId xmlns:a16="http://schemas.microsoft.com/office/drawing/2014/main" id="{AA0D665A-2BF9-564B-AC1C-4CFADDFFA9CB}"/>
+              </a:ext>
+            </a:extLst>
+          </p:cNvPr>
+          <p:cNvSpPr txBox="1"/>
+          <p:nvPr/>
+        </p:nvSpPr>
+        <p:spPr>
+          <a:xfrm>
+            <a:off x="5010353" y="1974942"/>
+            <a:ext cx="1785361" cy="830997"/>
+          </a:xfrm>
+          <a:prstGeom prst="rect">
+            <a:avLst/>
+          </a:prstGeom>
+          <a:noFill/>
+        </p:spPr>
+        <p:txBody>
+          <a:bodyPr wrap="none" rtlCol="0">
+            <a:spAutoFit/>
+          </a:bodyPr>
+          <a:lstStyle/>
+          <a:p>
+            <a:r>
+              <a:rPr lang="en-US" sz="2400" dirty="0"/>
+              <a:t>RESTful GET</a:t>
+            </a:r>
+            <a:br>
+              <a:rPr lang="en-US" sz="2400" dirty="0"/>
+            </a:br>
+            <a:r>
+              <a:rPr lang="en-US" sz="2400" dirty="0"/>
+              <a:t>Synchronous</a:t>
+            </a:r>
+          </a:p>
+        </p:txBody>
+      </p:sp>
+      <p:cxnSp>
+        <p:nvCxnSpPr>
+          <p:cNvPr id="28" name="Straight Arrow Connector 27">
+            <a:extLst>
+              <a:ext uri="{FF2B5EF4-FFF2-40B4-BE49-F238E27FC236}">
+                <a16:creationId xmlns:a16="http://schemas.microsoft.com/office/drawing/2014/main" id="{CB8CC5AA-494E-F849-9F17-F3CC338CABE9}"/>
+              </a:ext>
+            </a:extLst>
+          </p:cNvPr>
+          <p:cNvCxnSpPr>
+            <a:cxnSpLocks/>
+            <a:endCxn id="24" idx="3"/>
+          </p:cNvCxnSpPr>
+          <p:nvPr/>
+        </p:nvCxnSpPr>
+        <p:spPr>
+          <a:xfrm flipH="1" flipV="1">
+            <a:off x="5583218" y="1061747"/>
+            <a:ext cx="2500608" cy="19565"/>
+          </a:xfrm>
+          <a:prstGeom prst="straightConnector1">
+            <a:avLst/>
+          </a:prstGeom>
+          <a:ln w="63500">
+            <a:solidFill>
+              <a:schemeClr val="tx1"/>
+            </a:solidFill>
+            <a:headEnd type="triangle" w="med" len="med"/>
+            <a:tailEnd type="triangle" w="med" len="med"/>
+          </a:ln>
+        </p:spPr>
+        <p:style>
+          <a:lnRef idx="1">
+            <a:schemeClr val="accent1"/>
+          </a:lnRef>
+          <a:fillRef idx="0">
+            <a:schemeClr val="accent1"/>
+          </a:fillRef>
+          <a:effectRef idx="0">
+            <a:schemeClr val="accent1"/>
+          </a:effectRef>
+          <a:fontRef idx="minor">
+            <a:schemeClr val="tx1"/>
+          </a:fontRef>
+        </p:style>
+      </p:cxnSp>
+      <p:sp>
+        <p:nvSpPr>
+          <p:cNvPr id="32" name="TextBox 31">
+            <a:extLst>
+              <a:ext uri="{FF2B5EF4-FFF2-40B4-BE49-F238E27FC236}">
+                <a16:creationId xmlns:a16="http://schemas.microsoft.com/office/drawing/2014/main" id="{879F9A15-1491-0145-A9FB-53F4AAE71C46}"/>
+              </a:ext>
+            </a:extLst>
+          </p:cNvPr>
+          <p:cNvSpPr txBox="1"/>
+          <p:nvPr/>
+        </p:nvSpPr>
+        <p:spPr>
+          <a:xfrm>
+            <a:off x="7802481" y="2205774"/>
+            <a:ext cx="2532681" cy="461665"/>
+          </a:xfrm>
+          <a:prstGeom prst="rect">
+            <a:avLst/>
+          </a:prstGeom>
+          <a:noFill/>
+        </p:spPr>
+        <p:txBody>
+          <a:bodyPr wrap="none" rtlCol="0">
+            <a:spAutoFit/>
+          </a:bodyPr>
+          <a:lstStyle/>
+          <a:p>
+            <a:r>
+              <a:rPr lang="en-US" sz="2400" b="1" dirty="0"/>
+              <a:t>End User Interface</a:t>
+            </a:r>
+          </a:p>
+        </p:txBody>
+      </p:sp>
+      <p:pic>
+        <p:nvPicPr>
+          <p:cNvPr id="34" name="Graphic 33" descr="Smart Phone">
+            <a:extLst>
+              <a:ext uri="{FF2B5EF4-FFF2-40B4-BE49-F238E27FC236}">
+                <a16:creationId xmlns:a16="http://schemas.microsoft.com/office/drawing/2014/main" id="{5E7C0517-E16A-C748-A804-41E31377C25D}"/>
+              </a:ext>
+            </a:extLst>
+          </p:cNvPr>
+          <p:cNvPicPr>
+            <a:picLocks noChangeAspect="1"/>
+          </p:cNvPicPr>
+          <p:nvPr/>
+        </p:nvPicPr>
+        <p:blipFill>
+          <a:blip r:embed="rId4">
+            <a:extLst>
+              <a:ext uri="{96DAC541-7B7A-43D3-8B79-37D633B846F1}">
+                <asvg:svgBlip xmlns:asvg="http://schemas.microsoft.com/office/drawing/2016/SVG/main" r:embed="rId5"/>
+              </a:ext>
+            </a:extLst>
+          </a:blip>
+          <a:stretch>
+            <a:fillRect/>
+          </a:stretch>
+        </p:blipFill>
+        <p:spPr>
+          <a:xfrm>
+            <a:off x="8388425" y="130782"/>
+            <a:ext cx="914400" cy="914400"/>
+          </a:xfrm>
+          <a:prstGeom prst="rect">
+            <a:avLst/>
+          </a:prstGeom>
+        </p:spPr>
+      </p:pic>
+      <p:pic>
+        <p:nvPicPr>
+          <p:cNvPr id="36" name="Graphic 35" descr="Internet">
+            <a:extLst>
+              <a:ext uri="{FF2B5EF4-FFF2-40B4-BE49-F238E27FC236}">
+                <a16:creationId xmlns:a16="http://schemas.microsoft.com/office/drawing/2014/main" id="{1A2A4665-2B58-FF4C-B86B-BD9B8AB09C22}"/>
+              </a:ext>
+            </a:extLst>
+          </p:cNvPr>
+          <p:cNvPicPr>
+            <a:picLocks noChangeAspect="1"/>
+          </p:cNvPicPr>
+          <p:nvPr/>
+        </p:nvPicPr>
+        <p:blipFill>
+          <a:blip r:embed="rId6">
+            <a:extLst>
+              <a:ext uri="{96DAC541-7B7A-43D3-8B79-37D633B846F1}">
+                <asvg:svgBlip xmlns:asvg="http://schemas.microsoft.com/office/drawing/2016/SVG/main" r:embed="rId7"/>
+              </a:ext>
+            </a:extLst>
+          </a:blip>
+          <a:stretch>
+            <a:fillRect/>
+          </a:stretch>
+        </p:blipFill>
+        <p:spPr>
+          <a:xfrm>
+            <a:off x="8428150" y="1081312"/>
+            <a:ext cx="914400" cy="914400"/>
+          </a:xfrm>
+          <a:prstGeom prst="rect">
+            <a:avLst/>
+          </a:prstGeom>
+        </p:spPr>
+      </p:pic>
+      <p:sp>
+        <p:nvSpPr>
+          <p:cNvPr id="41" name="TextBox 40">
+            <a:extLst>
+              <a:ext uri="{FF2B5EF4-FFF2-40B4-BE49-F238E27FC236}">
+                <a16:creationId xmlns:a16="http://schemas.microsoft.com/office/drawing/2014/main" id="{A2650B14-9D0D-964C-B0F5-27EB5F132423}"/>
+              </a:ext>
+            </a:extLst>
+          </p:cNvPr>
+          <p:cNvSpPr txBox="1"/>
+          <p:nvPr/>
+        </p:nvSpPr>
+        <p:spPr>
+          <a:xfrm>
+            <a:off x="3173876" y="6299003"/>
+            <a:ext cx="1075723" cy="461665"/>
+          </a:xfrm>
+          <a:prstGeom prst="rect">
+            <a:avLst/>
+          </a:prstGeom>
+          <a:noFill/>
+        </p:spPr>
+        <p:txBody>
+          <a:bodyPr wrap="square" rtlCol="0">
+            <a:spAutoFit/>
+          </a:bodyPr>
+          <a:lstStyle/>
+          <a:p>
+            <a:r>
+              <a:rPr lang="en-US" sz="2400" b="1" dirty="0"/>
+              <a:t>Payer</a:t>
+            </a:r>
+          </a:p>
+        </p:txBody>
+      </p:sp>
+    </p:spTree>
+    <p:extLst>
+      <p:ext uri="{BB962C8B-B14F-4D97-AF65-F5344CB8AC3E}">
+        <p14:creationId xmlns:p14="http://schemas.microsoft.com/office/powerpoint/2010/main" val="233628385"/>
+      </p:ext>
+    </p:extLst>
+  </p:cSld>
+  <p:clrMapOvr>
+    <a:masterClrMapping/>
+  </p:clrMapOvr>
+</p:sld>
+</file>
+
+<file path=ppt/slides/slide7.xml><?xml version="1.0" encoding="utf-8"?>
+<p:sld xmlns:a="http://schemas.openxmlformats.org/drawingml/2006/main" xmlns:r="http://schemas.openxmlformats.org/officeDocument/2006/relationships" xmlns:p="http://schemas.openxmlformats.org/presentationml/2006/main">
+  <p:cSld>
+    <p:spTree>
+      <p:nvGrpSpPr>
+        <p:cNvPr id="1" name=""/>
+        <p:cNvGrpSpPr/>
+        <p:nvPr/>
+      </p:nvGrpSpPr>
+      <p:grpSpPr>
+        <a:xfrm>
+          <a:off x="0" y="0"/>
+          <a:ext cx="0" cy="0"/>
+          <a:chOff x="0" y="0"/>
+          <a:chExt cx="0" cy="0"/>
+        </a:xfrm>
+      </p:grpSpPr>
+      <p:sp>
+        <p:nvSpPr>
+          <p:cNvPr id="2" name="Title 1">
+            <a:extLst>
+              <a:ext uri="{FF2B5EF4-FFF2-40B4-BE49-F238E27FC236}">
+                <a16:creationId xmlns:a16="http://schemas.microsoft.com/office/drawing/2014/main" id="{72EBB885-9E79-B54B-9A48-20F4EF1CE197}"/>
+              </a:ext>
+            </a:extLst>
+          </p:cNvPr>
+          <p:cNvSpPr>
+            <a:spLocks noGrp="1"/>
+          </p:cNvSpPr>
+          <p:nvPr>
+            <p:ph type="title"/>
+          </p:nvPr>
+        </p:nvSpPr>
+        <p:spPr/>
+        <p:txBody>
+          <a:bodyPr/>
+          <a:lstStyle/>
+          <a:p>
+            <a:endParaRPr lang="en-US"/>
+          </a:p>
+        </p:txBody>
+      </p:sp>
+      <p:pic>
+        <p:nvPicPr>
+          <p:cNvPr id="4" name="Content Placeholder 3">
+            <a:extLst>
+              <a:ext uri="{FF2B5EF4-FFF2-40B4-BE49-F238E27FC236}">
+                <a16:creationId xmlns:a16="http://schemas.microsoft.com/office/drawing/2014/main" id="{13D830A4-96A4-9A47-895F-7BB514B18038}"/>
+              </a:ext>
+            </a:extLst>
+          </p:cNvPr>
+          <p:cNvPicPr>
+            <a:picLocks noGrp="1" noChangeAspect="1"/>
+          </p:cNvPicPr>
+          <p:nvPr>
+            <p:ph idx="1"/>
+          </p:nvPr>
+        </p:nvPicPr>
+        <p:blipFill>
+          <a:blip r:embed="rId2"/>
+          <a:stretch>
+            <a:fillRect/>
+          </a:stretch>
+        </p:blipFill>
+        <p:spPr>
+          <a:xfrm>
+            <a:off x="0" y="-14116"/>
+            <a:ext cx="11449878" cy="8587409"/>
+          </a:xfrm>
+          <a:prstGeom prst="rect">
+            <a:avLst/>
+          </a:prstGeom>
+        </p:spPr>
+      </p:pic>
+    </p:spTree>
+    <p:extLst>
+      <p:ext uri="{BB962C8B-B14F-4D97-AF65-F5344CB8AC3E}">
+        <p14:creationId xmlns:p14="http://schemas.microsoft.com/office/powerpoint/2010/main" val="3403496018"/>
       </p:ext>
     </p:extLst>
   </p:cSld>

--- a/fsh/ig-data/input/images/Figures.pptx
+++ b/fsh/ig-data/input/images/Figures.pptx
@@ -7133,7 +7133,7 @@
         </p:nvSpPr>
         <p:spPr>
           <a:xfrm>
-            <a:off x="5520727" y="3575347"/>
+            <a:off x="5337847" y="3618378"/>
             <a:ext cx="1344349" cy="646546"/>
           </a:xfrm>
           <a:prstGeom prst="roundRect">
@@ -7190,7 +7190,7 @@
         </p:nvSpPr>
         <p:spPr>
           <a:xfrm>
-            <a:off x="5342673" y="2104645"/>
+            <a:off x="5159793" y="2147676"/>
             <a:ext cx="1700458" cy="646546"/>
           </a:xfrm>
           <a:prstGeom prst="roundRect">
@@ -7250,7 +7250,7 @@
         </p:nvCxnSpPr>
         <p:spPr>
           <a:xfrm flipV="1">
-            <a:off x="6192902" y="2773857"/>
+            <a:off x="6010022" y="2816888"/>
             <a:ext cx="0" cy="801490"/>
           </a:xfrm>
           <a:prstGeom prst="straightConnector1">
@@ -7290,7 +7290,7 @@
         </p:nvSpPr>
         <p:spPr>
           <a:xfrm>
-            <a:off x="6302176" y="2932484"/>
+            <a:off x="6119296" y="2975515"/>
             <a:ext cx="2293641" cy="369332"/>
           </a:xfrm>
           <a:prstGeom prst="rect">
@@ -7325,7 +7325,7 @@
         </p:nvSpPr>
         <p:spPr>
           <a:xfrm>
-            <a:off x="7387520" y="2065753"/>
+            <a:off x="7204640" y="2108784"/>
             <a:ext cx="797013" cy="369332"/>
           </a:xfrm>
           <a:prstGeom prst="rect">
@@ -7360,7 +7360,7 @@
         </p:nvSpPr>
         <p:spPr>
           <a:xfrm>
-            <a:off x="6914999" y="1831114"/>
+            <a:off x="6732119" y="1874145"/>
             <a:ext cx="657783" cy="307777"/>
           </a:xfrm>
           <a:prstGeom prst="rect">
@@ -7400,7 +7400,7 @@
         </p:nvSpPr>
         <p:spPr>
           <a:xfrm>
-            <a:off x="7037564" y="2185063"/>
+            <a:off x="6854684" y="2228094"/>
             <a:ext cx="349956" cy="365125"/>
           </a:xfrm>
           <a:prstGeom prst="curvedLeftArrow">
@@ -7450,7 +7450,7 @@
         </p:nvSpPr>
         <p:spPr>
           <a:xfrm>
-            <a:off x="6586107" y="3220455"/>
+            <a:off x="6403227" y="3263486"/>
             <a:ext cx="657783" cy="307777"/>
           </a:xfrm>
           <a:prstGeom prst="rect">
@@ -7490,7 +7490,7 @@
         </p:nvSpPr>
         <p:spPr>
           <a:xfrm>
-            <a:off x="157576" y="3679442"/>
+            <a:off x="108205" y="3729990"/>
             <a:ext cx="1833967" cy="646546"/>
           </a:xfrm>
           <a:prstGeom prst="roundRect">
@@ -7547,7 +7547,7 @@
         </p:nvSpPr>
         <p:spPr>
           <a:xfrm>
-            <a:off x="7826515" y="5095520"/>
+            <a:off x="7643635" y="5138551"/>
             <a:ext cx="1700458" cy="646546"/>
           </a:xfrm>
           <a:prstGeom prst="roundRect">
@@ -7604,7 +7604,7 @@
         </p:nvSpPr>
         <p:spPr>
           <a:xfrm>
-            <a:off x="291085" y="5057290"/>
+            <a:off x="108205" y="5100321"/>
             <a:ext cx="1700458" cy="646546"/>
           </a:xfrm>
           <a:prstGeom prst="roundRect">
@@ -7661,7 +7661,7 @@
         </p:nvSpPr>
         <p:spPr>
           <a:xfrm>
-            <a:off x="3013661" y="5054473"/>
+            <a:off x="2830781" y="5097504"/>
             <a:ext cx="1700458" cy="646546"/>
           </a:xfrm>
           <a:prstGeom prst="roundRect">
@@ -7718,7 +7718,7 @@
         </p:nvSpPr>
         <p:spPr>
           <a:xfrm>
-            <a:off x="5341166" y="5058576"/>
+            <a:off x="5158286" y="5101607"/>
             <a:ext cx="1700458" cy="646546"/>
           </a:xfrm>
           <a:prstGeom prst="roundRect">
@@ -7775,7 +7775,7 @@
         </p:nvSpPr>
         <p:spPr>
           <a:xfrm>
-            <a:off x="9975339" y="5095520"/>
+            <a:off x="9792459" y="5138551"/>
             <a:ext cx="2216661" cy="646546"/>
           </a:xfrm>
           <a:prstGeom prst="roundRect">
@@ -7832,7 +7832,7 @@
         </p:nvSpPr>
         <p:spPr>
           <a:xfrm>
-            <a:off x="9988187" y="3671380"/>
+            <a:off x="9805307" y="3714411"/>
             <a:ext cx="2216661" cy="646546"/>
           </a:xfrm>
           <a:prstGeom prst="roundRect">
@@ -7889,7 +7889,7 @@
         </p:nvSpPr>
         <p:spPr>
           <a:xfrm>
-            <a:off x="2845116" y="3671380"/>
+            <a:off x="2662236" y="3714411"/>
             <a:ext cx="657783" cy="307777"/>
           </a:xfrm>
           <a:prstGeom prst="rect">
@@ -7933,8 +7933,8 @@
         </p:nvCxnSpPr>
         <p:spPr>
           <a:xfrm flipV="1">
-            <a:off x="1991543" y="3898620"/>
-            <a:ext cx="3529184" cy="104095"/>
+            <a:off x="1942172" y="3941651"/>
+            <a:ext cx="3395675" cy="111612"/>
           </a:xfrm>
           <a:prstGeom prst="straightConnector1">
             <a:avLst/>
@@ -7977,7 +7977,7 @@
         </p:nvCxnSpPr>
         <p:spPr>
           <a:xfrm flipH="1" flipV="1">
-            <a:off x="6865076" y="3898620"/>
+            <a:off x="6682196" y="3941651"/>
             <a:ext cx="3123111" cy="96033"/>
           </a:xfrm>
           <a:prstGeom prst="straightConnector1">
@@ -8017,7 +8017,7 @@
         </p:nvSpPr>
         <p:spPr>
           <a:xfrm>
-            <a:off x="7780186" y="3702455"/>
+            <a:off x="7597306" y="3745486"/>
             <a:ext cx="657783" cy="307777"/>
           </a:xfrm>
           <a:prstGeom prst="rect">
@@ -8059,7 +8059,7 @@
         </p:nvCxnSpPr>
         <p:spPr>
           <a:xfrm flipV="1">
-            <a:off x="1918252" y="4079469"/>
+            <a:off x="1735372" y="4122500"/>
             <a:ext cx="3623527" cy="1016052"/>
           </a:xfrm>
           <a:prstGeom prst="straightConnector1">
@@ -8099,7 +8099,7 @@
         </p:nvSpPr>
         <p:spPr>
           <a:xfrm>
-            <a:off x="2684769" y="4447497"/>
+            <a:off x="2501889" y="4490528"/>
             <a:ext cx="657783" cy="307777"/>
           </a:xfrm>
           <a:prstGeom prst="rect">
@@ -8142,7 +8142,7 @@
         </p:nvCxnSpPr>
         <p:spPr>
           <a:xfrm flipV="1">
-            <a:off x="3863890" y="4244387"/>
+            <a:off x="3681010" y="4287418"/>
             <a:ext cx="1671229" cy="810086"/>
           </a:xfrm>
           <a:prstGeom prst="straightConnector1">
@@ -8182,7 +8182,7 @@
         </p:nvSpPr>
         <p:spPr>
           <a:xfrm>
-            <a:off x="4143195" y="4705648"/>
+            <a:off x="3960315" y="4748679"/>
             <a:ext cx="657783" cy="307777"/>
           </a:xfrm>
           <a:prstGeom prst="rect">
@@ -8226,7 +8226,7 @@
         </p:nvCxnSpPr>
         <p:spPr>
           <a:xfrm flipV="1">
-            <a:off x="6191395" y="4221893"/>
+            <a:off x="6008515" y="4264924"/>
             <a:ext cx="1507" cy="836683"/>
           </a:xfrm>
           <a:prstGeom prst="straightConnector1">
@@ -8268,7 +8268,7 @@
         </p:nvCxnSpPr>
         <p:spPr>
           <a:xfrm flipH="1" flipV="1">
-            <a:off x="6508872" y="4244387"/>
+            <a:off x="6325992" y="4287418"/>
             <a:ext cx="1330950" cy="883092"/>
           </a:xfrm>
           <a:prstGeom prst="straightConnector1">
@@ -8310,7 +8310,7 @@
         </p:nvCxnSpPr>
         <p:spPr>
           <a:xfrm flipH="1" flipV="1">
-            <a:off x="6871736" y="4160497"/>
+            <a:off x="6688856" y="4203528"/>
             <a:ext cx="3176726" cy="966981"/>
           </a:xfrm>
           <a:prstGeom prst="straightConnector1">
@@ -8350,7 +8350,7 @@
         </p:nvSpPr>
         <p:spPr>
           <a:xfrm>
-            <a:off x="5602780" y="4747756"/>
+            <a:off x="5419900" y="4790787"/>
             <a:ext cx="657783" cy="307777"/>
           </a:xfrm>
           <a:prstGeom prst="rect">
@@ -8390,7 +8390,7 @@
         </p:nvSpPr>
         <p:spPr>
           <a:xfrm>
-            <a:off x="7575578" y="4802086"/>
+            <a:off x="7392698" y="4845117"/>
             <a:ext cx="657783" cy="307777"/>
           </a:xfrm>
           <a:prstGeom prst="rect">
@@ -8430,7 +8430,7 @@
         </p:nvSpPr>
         <p:spPr>
           <a:xfrm>
-            <a:off x="9708970" y="4800497"/>
+            <a:off x="9526090" y="4843528"/>
             <a:ext cx="657783" cy="307777"/>
           </a:xfrm>
           <a:prstGeom prst="rect">
